--- a/assets/yaml/Solutions Architect Hiring Assignment.pptx
+++ b/assets/yaml/Solutions Architect Hiring Assignment.pptx
@@ -26,6 +26,9 @@
     <p:sldId id="279" r:id="rId20"/>
     <p:sldId id="280" r:id="rId21"/>
     <p:sldId id="286" r:id="rId22"/>
+    <p:sldId id="287" r:id="rId23"/>
+    <p:sldId id="289" r:id="rId24"/>
+    <p:sldId id="288" r:id="rId25"/>
   </p:sldIdLst>
   <p:sldSz cx="12192000" cy="6858000"/>
   <p:notesSz cx="6858000" cy="9144000"/>
@@ -124,6 +127,11 @@
       </a:defRPr>
     </a:lvl9pPr>
   </p:defaultTextStyle>
+  <p:extLst>
+    <p:ext uri="{EFAFB233-063F-42B5-8137-9DF3F51BA10A}">
+      <p15:sldGuideLst xmlns:p15="http://schemas.microsoft.com/office/powerpoint/2012/main"/>
+    </p:ext>
+  </p:extLst>
 </p:presentation>
 </file>
 
@@ -274,7 +282,7 @@
           <a:p>
             <a:fld id="{17F15B1C-1EB4-4C50-A2D1-F506F090DEB2}" type="datetimeFigureOut">
               <a:rPr lang="ko-KR" altLang="en-US" smtClean="0"/>
-              <a:t>2019-07-01</a:t>
+              <a:t>2019-07-03</a:t>
             </a:fld>
             <a:endParaRPr lang="ko-KR" altLang="en-US"/>
           </a:p>
@@ -472,7 +480,7 @@
           <a:p>
             <a:fld id="{17F15B1C-1EB4-4C50-A2D1-F506F090DEB2}" type="datetimeFigureOut">
               <a:rPr lang="ko-KR" altLang="en-US" smtClean="0"/>
-              <a:t>2019-07-01</a:t>
+              <a:t>2019-07-03</a:t>
             </a:fld>
             <a:endParaRPr lang="ko-KR" altLang="en-US"/>
           </a:p>
@@ -680,7 +688,7 @@
           <a:p>
             <a:fld id="{17F15B1C-1EB4-4C50-A2D1-F506F090DEB2}" type="datetimeFigureOut">
               <a:rPr lang="ko-KR" altLang="en-US" smtClean="0"/>
-              <a:t>2019-07-01</a:t>
+              <a:t>2019-07-03</a:t>
             </a:fld>
             <a:endParaRPr lang="ko-KR" altLang="en-US"/>
           </a:p>
@@ -878,7 +886,7 @@
           <a:p>
             <a:fld id="{17F15B1C-1EB4-4C50-A2D1-F506F090DEB2}" type="datetimeFigureOut">
               <a:rPr lang="ko-KR" altLang="en-US" smtClean="0"/>
-              <a:t>2019-07-01</a:t>
+              <a:t>2019-07-03</a:t>
             </a:fld>
             <a:endParaRPr lang="ko-KR" altLang="en-US"/>
           </a:p>
@@ -1153,7 +1161,7 @@
           <a:p>
             <a:fld id="{17F15B1C-1EB4-4C50-A2D1-F506F090DEB2}" type="datetimeFigureOut">
               <a:rPr lang="ko-KR" altLang="en-US" smtClean="0"/>
-              <a:t>2019-07-01</a:t>
+              <a:t>2019-07-03</a:t>
             </a:fld>
             <a:endParaRPr lang="ko-KR" altLang="en-US"/>
           </a:p>
@@ -1418,7 +1426,7 @@
           <a:p>
             <a:fld id="{17F15B1C-1EB4-4C50-A2D1-F506F090DEB2}" type="datetimeFigureOut">
               <a:rPr lang="ko-KR" altLang="en-US" smtClean="0"/>
-              <a:t>2019-07-01</a:t>
+              <a:t>2019-07-03</a:t>
             </a:fld>
             <a:endParaRPr lang="ko-KR" altLang="en-US"/>
           </a:p>
@@ -1830,7 +1838,7 @@
           <a:p>
             <a:fld id="{17F15B1C-1EB4-4C50-A2D1-F506F090DEB2}" type="datetimeFigureOut">
               <a:rPr lang="ko-KR" altLang="en-US" smtClean="0"/>
-              <a:t>2019-07-01</a:t>
+              <a:t>2019-07-03</a:t>
             </a:fld>
             <a:endParaRPr lang="ko-KR" altLang="en-US"/>
           </a:p>
@@ -1971,7 +1979,7 @@
           <a:p>
             <a:fld id="{17F15B1C-1EB4-4C50-A2D1-F506F090DEB2}" type="datetimeFigureOut">
               <a:rPr lang="ko-KR" altLang="en-US" smtClean="0"/>
-              <a:t>2019-07-01</a:t>
+              <a:t>2019-07-03</a:t>
             </a:fld>
             <a:endParaRPr lang="ko-KR" altLang="en-US"/>
           </a:p>
@@ -2084,7 +2092,7 @@
           <a:p>
             <a:fld id="{17F15B1C-1EB4-4C50-A2D1-F506F090DEB2}" type="datetimeFigureOut">
               <a:rPr lang="ko-KR" altLang="en-US" smtClean="0"/>
-              <a:t>2019-07-01</a:t>
+              <a:t>2019-07-03</a:t>
             </a:fld>
             <a:endParaRPr lang="ko-KR" altLang="en-US"/>
           </a:p>
@@ -2395,7 +2403,7 @@
           <a:p>
             <a:fld id="{17F15B1C-1EB4-4C50-A2D1-F506F090DEB2}" type="datetimeFigureOut">
               <a:rPr lang="ko-KR" altLang="en-US" smtClean="0"/>
-              <a:t>2019-07-01</a:t>
+              <a:t>2019-07-03</a:t>
             </a:fld>
             <a:endParaRPr lang="ko-KR" altLang="en-US"/>
           </a:p>
@@ -2683,7 +2691,7 @@
           <a:p>
             <a:fld id="{17F15B1C-1EB4-4C50-A2D1-F506F090DEB2}" type="datetimeFigureOut">
               <a:rPr lang="ko-KR" altLang="en-US" smtClean="0"/>
-              <a:t>2019-07-01</a:t>
+              <a:t>2019-07-03</a:t>
             </a:fld>
             <a:endParaRPr lang="ko-KR" altLang="en-US"/>
           </a:p>
@@ -2924,7 +2932,7 @@
           <a:p>
             <a:fld id="{17F15B1C-1EB4-4C50-A2D1-F506F090DEB2}" type="datetimeFigureOut">
               <a:rPr lang="ko-KR" altLang="en-US" smtClean="0"/>
-              <a:t>2019-07-01</a:t>
+              <a:t>2019-07-03</a:t>
             </a:fld>
             <a:endParaRPr lang="ko-KR" altLang="en-US"/>
           </a:p>
@@ -6657,10 +6665,20 @@
             </a:pPr>
             <a:r>
               <a:rPr lang="en-US" altLang="ko-KR" sz="2000" spc="-150" dirty="0">
+                <a:solidFill>
+                  <a:srgbClr val="5B9BD5"/>
+                </a:solidFill>
                 <a:latin typeface="Lucida Fax" panose="02060602050505020204" pitchFamily="18" charset="0"/>
                 <a:ea typeface="Adobe 고딕 Std B" panose="020B0800000000000000" pitchFamily="34" charset="-127"/>
               </a:rPr>
-              <a:t>Design redundant architecture (n+0)</a:t>
+              <a:t>Design redundant architecture </a:t>
+            </a:r>
+            <a:r>
+              <a:rPr lang="en-US" altLang="ko-KR" sz="2000" spc="-150" dirty="0">
+                <a:latin typeface="Lucida Fax" panose="02060602050505020204" pitchFamily="18" charset="0"/>
+                <a:ea typeface="Adobe 고딕 Std B" panose="020B0800000000000000" pitchFamily="34" charset="-127"/>
+              </a:rPr>
+              <a:t>(n+0)</a:t>
             </a:r>
           </a:p>
           <a:p>
@@ -6676,7 +6694,24 @@
                 <a:latin typeface="Lucida Fax" panose="02060602050505020204" pitchFamily="18" charset="0"/>
                 <a:ea typeface="Adobe 고딕 Std B" panose="020B0800000000000000" pitchFamily="34" charset="-127"/>
               </a:rPr>
-              <a:t>Using dynamic autoscaling architecture w/ event audit </a:t>
+              <a:t>Using dynamic </a:t>
+            </a:r>
+            <a:r>
+              <a:rPr lang="en-US" altLang="ko-KR" sz="2000" spc="-150" dirty="0">
+                <a:solidFill>
+                  <a:srgbClr val="5B9BD5"/>
+                </a:solidFill>
+                <a:latin typeface="Lucida Fax" panose="02060602050505020204" pitchFamily="18" charset="0"/>
+                <a:ea typeface="Adobe 고딕 Std B" panose="020B0800000000000000" pitchFamily="34" charset="-127"/>
+              </a:rPr>
+              <a:t>autoscaling</a:t>
+            </a:r>
+            <a:r>
+              <a:rPr lang="en-US" altLang="ko-KR" sz="2000" spc="-150" dirty="0">
+                <a:latin typeface="Lucida Fax" panose="02060602050505020204" pitchFamily="18" charset="0"/>
+                <a:ea typeface="Adobe 고딕 Std B" panose="020B0800000000000000" pitchFamily="34" charset="-127"/>
+              </a:rPr>
+              <a:t> architecture w/ event audit </a:t>
             </a:r>
           </a:p>
         </p:txBody>
@@ -11751,7 +11786,24 @@
                 <a:latin typeface="Lucida Fax" panose="02060602050505020204" pitchFamily="18" charset="0"/>
                 <a:ea typeface="Adobe 고딕 Std B" panose="020B0800000000000000" pitchFamily="34" charset="-127"/>
               </a:rPr>
-              <a:t>Build a own VPC, isolate between front and back-end nodes, using secure transport (SSL/HTTPS)</a:t>
+              <a:t>Build a </a:t>
+            </a:r>
+            <a:r>
+              <a:rPr lang="en-US" altLang="ko-KR" sz="2000" spc="-150" dirty="0">
+                <a:solidFill>
+                  <a:srgbClr val="5B9BD5"/>
+                </a:solidFill>
+                <a:latin typeface="Lucida Fax" panose="02060602050505020204" pitchFamily="18" charset="0"/>
+                <a:ea typeface="Adobe 고딕 Std B" panose="020B0800000000000000" pitchFamily="34" charset="-127"/>
+              </a:rPr>
+              <a:t>own VPC</a:t>
+            </a:r>
+            <a:r>
+              <a:rPr lang="en-US" altLang="ko-KR" sz="2000" spc="-150" dirty="0">
+                <a:latin typeface="Lucida Fax" panose="02060602050505020204" pitchFamily="18" charset="0"/>
+                <a:ea typeface="Adobe 고딕 Std B" panose="020B0800000000000000" pitchFamily="34" charset="-127"/>
+              </a:rPr>
+              <a:t>, isolate between front and back-end nodes, using secure transport (SSL/HTTPS)</a:t>
             </a:r>
           </a:p>
           <a:p>
@@ -11783,7 +11835,17 @@
                 <a:latin typeface="Lucida Fax" panose="02060602050505020204" pitchFamily="18" charset="0"/>
                 <a:ea typeface="Adobe 고딕 Std B" panose="020B0800000000000000" pitchFamily="34" charset="-127"/>
               </a:rPr>
-              <a:t>Securing access to the environment as the delivery team expands</a:t>
+              <a:t>Securing access to the environment as the delivery team expands, </a:t>
+            </a:r>
+            <a:r>
+              <a:rPr lang="en-US" altLang="ko-KR" sz="2000" spc="-150" dirty="0">
+                <a:solidFill>
+                  <a:srgbClr val="5B9BD5"/>
+                </a:solidFill>
+                <a:latin typeface="Lucida Fax" panose="02060602050505020204" pitchFamily="18" charset="0"/>
+                <a:ea typeface="Adobe 고딕 Std B" panose="020B0800000000000000" pitchFamily="34" charset="-127"/>
+              </a:rPr>
+              <a:t>IAM</a:t>
             </a:r>
           </a:p>
           <a:p>
@@ -15284,7 +15346,24 @@
                 <a:latin typeface="Lucida Fax" panose="02060602050505020204" pitchFamily="18" charset="0"/>
                 <a:ea typeface="Adobe 고딕 Std B" panose="020B0800000000000000" pitchFamily="34" charset="-127"/>
               </a:rPr>
-              <a:t>Managing a Lifecycle policy for an S3 bucket (archiving for inactive objects &gt; 6 months) </a:t>
+              <a:t>Managing a Lifecycle policy for an </a:t>
+            </a:r>
+            <a:r>
+              <a:rPr lang="en-US" altLang="ko-KR" sz="2000" spc="-150" dirty="0">
+                <a:solidFill>
+                  <a:srgbClr val="5B9BD5"/>
+                </a:solidFill>
+                <a:latin typeface="Lucida Fax" panose="02060602050505020204" pitchFamily="18" charset="0"/>
+                <a:ea typeface="Adobe 고딕 Std B" panose="020B0800000000000000" pitchFamily="34" charset="-127"/>
+              </a:rPr>
+              <a:t>S3 bucket </a:t>
+            </a:r>
+            <a:r>
+              <a:rPr lang="en-US" altLang="ko-KR" sz="2000" spc="-150" dirty="0">
+                <a:latin typeface="Lucida Fax" panose="02060602050505020204" pitchFamily="18" charset="0"/>
+                <a:ea typeface="Adobe 고딕 Std B" panose="020B0800000000000000" pitchFamily="34" charset="-127"/>
+              </a:rPr>
+              <a:t>(archiving for inactive objects &gt; 6 months) </a:t>
             </a:r>
           </a:p>
           <a:p>
@@ -21380,11 +21459,18 @@
             <a:pPr algn="ctr"/>
             <a:r>
               <a:rPr lang="en-US" altLang="ko-KR" b="1" spc="-150" dirty="0">
+                <a:solidFill>
+                  <a:srgbClr val="5B9BD5"/>
+                </a:solidFill>
                 <a:latin typeface="Lucida Fax" panose="02060602050505020204" pitchFamily="18" charset="0"/>
               </a:rPr>
               <a:t>Visualization</a:t>
             </a:r>
-            <a:endParaRPr lang="ko-KR" altLang="en-US" dirty="0"/>
+            <a:endParaRPr lang="ko-KR" altLang="en-US" dirty="0">
+              <a:solidFill>
+                <a:srgbClr val="5B9BD5"/>
+              </a:solidFill>
+            </a:endParaRPr>
           </a:p>
         </p:txBody>
       </p:sp>
@@ -21684,8 +21770,8 @@
         </p:nvSpPr>
         <p:spPr>
           <a:xfrm>
-            <a:off x="492087" y="1103225"/>
-            <a:ext cx="11699913" cy="4833311"/>
+            <a:off x="383873" y="1164812"/>
+            <a:ext cx="11699913" cy="5828775"/>
           </a:xfrm>
           <a:prstGeom prst="rect">
             <a:avLst/>
@@ -21700,7 +21786,7 @@
           <a:p>
             <a:pPr>
               <a:lnSpc>
-                <a:spcPct val="150000"/>
+                <a:spcPct val="120000"/>
               </a:lnSpc>
             </a:pPr>
             <a:r>
@@ -21708,7 +21794,58 @@
                 <a:latin typeface="Lucida Fax" panose="02060602050505020204" pitchFamily="18" charset="0"/>
                 <a:ea typeface="Adobe 고딕 Std B" panose="020B0800000000000000" pitchFamily="34" charset="-127"/>
               </a:rPr>
-              <a:t>Persona </a:t>
+              <a:t>I was a freelance cloud architect, so I met and talked my customer for finding their real needs and problems.</a:t>
+            </a:r>
+          </a:p>
+          <a:p>
+            <a:pPr>
+              <a:lnSpc>
+                <a:spcPct val="120000"/>
+              </a:lnSpc>
+            </a:pPr>
+            <a:r>
+              <a:rPr lang="en-US" altLang="ko-KR" sz="2000" b="1" spc="-150" dirty="0">
+                <a:latin typeface="Lucida Fax" panose="02060602050505020204" pitchFamily="18" charset="0"/>
+                <a:ea typeface="Adobe 고딕 Std B" panose="020B0800000000000000" pitchFamily="34" charset="-127"/>
+              </a:rPr>
+              <a:t>→ </a:t>
+            </a:r>
+            <a:r>
+              <a:rPr lang="en-US" altLang="ko-KR" sz="2800" b="1" spc="-150" dirty="0">
+                <a:solidFill>
+                  <a:schemeClr val="accent2">
+                    <a:lumMod val="75000"/>
+                  </a:schemeClr>
+                </a:solidFill>
+                <a:latin typeface="Lucida Fax" panose="02060602050505020204" pitchFamily="18" charset="0"/>
+                <a:ea typeface="Adobe 고딕 Std B" panose="020B0800000000000000" pitchFamily="34" charset="-127"/>
+              </a:rPr>
+              <a:t>Customer does not have much money, but want to build and operation on cloud</a:t>
+            </a:r>
+          </a:p>
+          <a:p>
+            <a:pPr>
+              <a:lnSpc>
+                <a:spcPct val="150000"/>
+              </a:lnSpc>
+            </a:pPr>
+            <a:endParaRPr lang="en-US" altLang="ko-KR" b="1" spc="-150" dirty="0">
+              <a:latin typeface="Lucida Fax" panose="02060602050505020204" pitchFamily="18" charset="0"/>
+              <a:ea typeface="Adobe 고딕 Std B" panose="020B0800000000000000" pitchFamily="34" charset="-127"/>
+            </a:endParaRPr>
+          </a:p>
+          <a:p>
+            <a:pPr>
+              <a:lnSpc>
+                <a:spcPct val="150000"/>
+              </a:lnSpc>
+            </a:pPr>
+            <a:r>
+              <a:rPr lang="en-US" altLang="ko-KR" b="1" spc="-150" dirty="0">
+                <a:latin typeface="Lucida Fax" panose="02060602050505020204" pitchFamily="18" charset="0"/>
+                <a:ea typeface="Adobe 고딕 Std B" panose="020B0800000000000000" pitchFamily="34" charset="-127"/>
+              </a:rPr>
+              <a:t>Customer persona-model </a:t>
             </a:r>
           </a:p>
           <a:p>
@@ -21720,7 +21857,7 @@
               <a:buChar char="§"/>
             </a:pPr>
             <a:r>
-              <a:rPr lang="en-US" altLang="ko-KR" sz="1600" spc="-150" dirty="0">
+              <a:rPr lang="en-US" altLang="ko-KR" sz="1100" spc="-150" dirty="0">
                 <a:latin typeface="Lucida Fax" panose="02060602050505020204" pitchFamily="18" charset="0"/>
                 <a:ea typeface="Adobe 고딕 Std B" panose="020B0800000000000000" pitchFamily="34" charset="-127"/>
               </a:rPr>
@@ -21736,7 +21873,7 @@
               <a:buChar char="§"/>
             </a:pPr>
             <a:r>
-              <a:rPr lang="en-US" altLang="ko-KR" sz="1600" spc="-150" dirty="0">
+              <a:rPr lang="en-US" altLang="ko-KR" sz="1100" spc="-150" dirty="0">
                 <a:latin typeface="Lucida Fax" panose="02060602050505020204" pitchFamily="18" charset="0"/>
                 <a:ea typeface="Adobe 고딕 Std B" panose="020B0800000000000000" pitchFamily="34" charset="-127"/>
               </a:rPr>
@@ -21752,7 +21889,7 @@
               <a:buChar char="§"/>
             </a:pPr>
             <a:r>
-              <a:rPr lang="en-US" altLang="ko-KR" sz="1600" spc="-150" dirty="0">
+              <a:rPr lang="en-US" altLang="ko-KR" sz="1100" spc="-150" dirty="0">
                 <a:latin typeface="Lucida Fax" panose="02060602050505020204" pitchFamily="18" charset="0"/>
                 <a:ea typeface="Adobe 고딕 Std B" panose="020B0800000000000000" pitchFamily="34" charset="-127"/>
               </a:rPr>
@@ -21768,7 +21905,7 @@
               <a:buChar char="§"/>
             </a:pPr>
             <a:r>
-              <a:rPr lang="en-US" altLang="ko-KR" sz="1600" spc="-150" dirty="0">
+              <a:rPr lang="en-US" altLang="ko-KR" sz="1100" spc="-150" dirty="0">
                 <a:latin typeface="Lucida Fax" panose="02060602050505020204" pitchFamily="18" charset="0"/>
                 <a:ea typeface="Adobe 고딕 Std B" panose="020B0800000000000000" pitchFamily="34" charset="-127"/>
               </a:rPr>
@@ -21781,7 +21918,7 @@
                 <a:spcPct val="150000"/>
               </a:lnSpc>
             </a:pPr>
-            <a:endParaRPr lang="en-US" altLang="ko-KR" sz="2000" spc="-150" dirty="0">
+            <a:endParaRPr lang="en-US" altLang="ko-KR" sz="1400" spc="-150" dirty="0">
               <a:latin typeface="Lucida Fax" panose="02060602050505020204" pitchFamily="18" charset="0"/>
               <a:ea typeface="Adobe 고딕 Std B" panose="020B0800000000000000" pitchFamily="34" charset="-127"/>
             </a:endParaRPr>
@@ -21793,7 +21930,7 @@
               </a:lnSpc>
             </a:pPr>
             <a:r>
-              <a:rPr lang="en-US" altLang="ko-KR" sz="2800" b="1" spc="-150" dirty="0">
+              <a:rPr lang="en-US" altLang="ko-KR" b="1" spc="-150" dirty="0">
                 <a:latin typeface="Lucida Fax" panose="02060602050505020204" pitchFamily="18" charset="0"/>
                 <a:ea typeface="Adobe 고딕 Std B" panose="020B0800000000000000" pitchFamily="34" charset="-127"/>
               </a:rPr>
@@ -21809,7 +21946,7 @@
               <a:buChar char="•"/>
             </a:pPr>
             <a:r>
-              <a:rPr lang="en-US" altLang="ko-KR" sz="1600" b="1" spc="-150" dirty="0">
+              <a:rPr lang="en-US" altLang="ko-KR" sz="1100" b="1" spc="-150" dirty="0">
                 <a:solidFill>
                   <a:srgbClr val="5D9CD5"/>
                 </a:solidFill>
@@ -21819,7 +21956,7 @@
               <a:t>Cost-effective</a:t>
             </a:r>
             <a:r>
-              <a:rPr lang="en-US" altLang="ko-KR" sz="1600" spc="-150" dirty="0">
+              <a:rPr lang="en-US" altLang="ko-KR" sz="1100" spc="-150" dirty="0">
                 <a:latin typeface="Lucida Fax" panose="02060602050505020204" pitchFamily="18" charset="0"/>
                 <a:ea typeface="Adobe 고딕 Std B" panose="020B0800000000000000" pitchFamily="34" charset="-127"/>
               </a:rPr>
@@ -21835,14 +21972,14 @@
               <a:buChar char="•"/>
             </a:pPr>
             <a:r>
-              <a:rPr lang="en-US" altLang="ko-KR" sz="1600" spc="-150" dirty="0">
+              <a:rPr lang="en-US" altLang="ko-KR" sz="1100" spc="-150" dirty="0">
                 <a:latin typeface="Lucida Fax" panose="02060602050505020204" pitchFamily="18" charset="0"/>
                 <a:ea typeface="Adobe 고딕 Std B" panose="020B0800000000000000" pitchFamily="34" charset="-127"/>
               </a:rPr>
               <a:t>Initially, they want a more </a:t>
             </a:r>
             <a:r>
-              <a:rPr lang="en-US" altLang="ko-KR" sz="1600" b="1" spc="-150" dirty="0">
+              <a:rPr lang="en-US" altLang="ko-KR" sz="1100" b="1" spc="-150" dirty="0">
                 <a:solidFill>
                   <a:srgbClr val="5D9CD5"/>
                 </a:solidFill>
@@ -21852,7 +21989,7 @@
               <a:t>cheaper architecture model</a:t>
             </a:r>
             <a:r>
-              <a:rPr lang="en-US" altLang="ko-KR" sz="1600" spc="-150" dirty="0">
+              <a:rPr lang="en-US" altLang="ko-KR" sz="1100" spc="-150" dirty="0">
                 <a:latin typeface="Lucida Fax" panose="02060602050505020204" pitchFamily="18" charset="0"/>
                 <a:ea typeface="Adobe 고딕 Std B" panose="020B0800000000000000" pitchFamily="34" charset="-127"/>
               </a:rPr>
@@ -21868,14 +22005,14 @@
               <a:buChar char="•"/>
             </a:pPr>
             <a:r>
-              <a:rPr lang="en-US" altLang="ko-KR" sz="1600" spc="-150" dirty="0">
+              <a:rPr lang="en-US" altLang="ko-KR" sz="1100" spc="-150" dirty="0">
                 <a:latin typeface="Lucida Fax" panose="02060602050505020204" pitchFamily="18" charset="0"/>
                 <a:ea typeface="Adobe 고딕 Std B" panose="020B0800000000000000" pitchFamily="34" charset="-127"/>
               </a:rPr>
               <a:t>They want to know exactly </a:t>
             </a:r>
             <a:r>
-              <a:rPr lang="en-US" altLang="ko-KR" sz="1600" b="1" spc="-150" dirty="0">
+              <a:rPr lang="en-US" altLang="ko-KR" sz="1100" b="1" spc="-150" dirty="0">
                 <a:solidFill>
                   <a:srgbClr val="5D9CD5"/>
                 </a:solidFill>
@@ -21885,7 +22022,7 @@
               <a:t>how much money </a:t>
             </a:r>
             <a:r>
-              <a:rPr lang="en-US" altLang="ko-KR" sz="1600" spc="-150" dirty="0">
+              <a:rPr lang="en-US" altLang="ko-KR" sz="1100" spc="-150" dirty="0">
                 <a:latin typeface="Lucida Fax" panose="02060602050505020204" pitchFamily="18" charset="0"/>
                 <a:ea typeface="Adobe 고딕 Std B" panose="020B0800000000000000" pitchFamily="34" charset="-127"/>
               </a:rPr>
@@ -21898,7 +22035,7 @@
                 <a:spcPct val="150000"/>
               </a:lnSpc>
             </a:pPr>
-            <a:endParaRPr lang="en-US" altLang="ko-KR" sz="2000" spc="-150" dirty="0">
+            <a:endParaRPr lang="en-US" altLang="ko-KR" sz="1600" spc="-150" dirty="0">
               <a:latin typeface="Lucida Fax" panose="02060602050505020204" pitchFamily="18" charset="0"/>
               <a:ea typeface="Adobe 고딕 Std B" panose="020B0800000000000000" pitchFamily="34" charset="-127"/>
             </a:endParaRPr>
@@ -21934,7 +22071,7 @@
         </p:blipFill>
         <p:spPr bwMode="auto">
           <a:xfrm>
-            <a:off x="8391525" y="1334080"/>
+            <a:off x="8158866" y="3065491"/>
             <a:ext cx="3600450" cy="2155609"/>
           </a:xfrm>
           <a:prstGeom prst="rect">
@@ -21966,7 +22103,7 @@
         </p:nvSpPr>
         <p:spPr>
           <a:xfrm rot="20767132">
-            <a:off x="7334292" y="2037611"/>
+            <a:off x="7101633" y="3769022"/>
             <a:ext cx="1219035" cy="461665"/>
           </a:xfrm>
           <a:prstGeom prst="rect">
@@ -22017,7 +22154,7 @@
         </p:nvCxnSpPr>
         <p:spPr>
           <a:xfrm>
-            <a:off x="7999189" y="2492535"/>
+            <a:off x="7766530" y="4223946"/>
             <a:ext cx="782861" cy="622140"/>
           </a:xfrm>
           <a:prstGeom prst="straightConnector1">
@@ -22055,9 +22192,9 @@
           <p:nvPr/>
         </p:nvSpPr>
         <p:spPr>
-          <a:xfrm rot="721771">
-            <a:off x="4908855" y="3691122"/>
-            <a:ext cx="3444006" cy="725219"/>
+          <a:xfrm rot="1174345">
+            <a:off x="5781746" y="5029671"/>
+            <a:ext cx="2467223" cy="509474"/>
           </a:xfrm>
           <a:prstGeom prst="rect">
             <a:avLst/>
@@ -22079,7 +22216,7 @@
           <a:p>
             <a:pPr algn="ctr"/>
             <a:r>
-              <a:rPr lang="en-US" altLang="ko-KR" sz="2400" spc="-150" dirty="0">
+              <a:rPr lang="en-US" altLang="ko-KR" spc="-150" dirty="0">
                 <a:solidFill>
                   <a:srgbClr val="FF0000"/>
                 </a:solidFill>
@@ -22089,7 +22226,7 @@
               <a:t>&lt;</a:t>
             </a:r>
             <a:r>
-              <a:rPr lang="ko-KR" altLang="en-US" sz="2400" spc="-150" dirty="0">
+              <a:rPr lang="ko-KR" altLang="en-US" spc="-150" dirty="0">
                 <a:solidFill>
                   <a:srgbClr val="FF0000"/>
                 </a:solidFill>
@@ -22099,7 +22236,7 @@
               <a:t>  </a:t>
             </a:r>
             <a:r>
-              <a:rPr lang="en-US" altLang="ko-KR" sz="2400" spc="-150" dirty="0">
+              <a:rPr lang="en-US" altLang="ko-KR" spc="-150" dirty="0">
                 <a:solidFill>
                   <a:srgbClr val="FF0000"/>
                 </a:solidFill>
@@ -22108,7 +22245,7 @@
               </a:rPr>
               <a:t>$ 1,500 / monthly</a:t>
             </a:r>
-            <a:endParaRPr lang="ko-KR" altLang="en-US" sz="2400" dirty="0">
+            <a:endParaRPr lang="ko-KR" altLang="en-US" dirty="0">
               <a:solidFill>
                 <a:srgbClr val="FF0000"/>
               </a:solidFill>
@@ -22510,8 +22647,8 @@
         </p:nvSpPr>
         <p:spPr>
           <a:xfrm>
-            <a:off x="492087" y="1103225"/>
-            <a:ext cx="11699913" cy="4568430"/>
+            <a:off x="492088" y="1103225"/>
+            <a:ext cx="11319364" cy="3826560"/>
           </a:xfrm>
           <a:prstGeom prst="rect">
             <a:avLst/>
@@ -22526,7 +22663,7 @@
           <a:p>
             <a:pPr>
               <a:lnSpc>
-                <a:spcPct val="150000"/>
+                <a:spcPct val="120000"/>
               </a:lnSpc>
             </a:pPr>
             <a:r>
@@ -22534,18 +22671,90 @@
                 <a:latin typeface="Lucida Fax" panose="02060602050505020204" pitchFamily="18" charset="0"/>
                 <a:ea typeface="Adobe 고딕 Std B" panose="020B0800000000000000" pitchFamily="34" charset="-127"/>
               </a:rPr>
-              <a:t>Ex) Service Capa. Simulation</a:t>
+              <a:t>My customer prepare the mobile media service that needs a API servers and databases on cloud.  In order to show the service to VC /  investor for seed money, at least 10,000 users and using 5 time in daily per should be secured.  </a:t>
             </a:r>
           </a:p>
           <a:p>
-            <a:pPr marL="457200" indent="-457200">
+            <a:pPr>
               <a:lnSpc>
-                <a:spcPct val="150000"/>
+                <a:spcPct val="120000"/>
               </a:lnSpc>
-              <a:buFont typeface="Wingdings" panose="05000000000000000000" pitchFamily="2" charset="2"/>
-              <a:buChar char="§"/>
             </a:pPr>
-            <a:endParaRPr lang="en-US" altLang="ko-KR" sz="1600" spc="-150" dirty="0">
+            <a:r>
+              <a:rPr lang="en-US" altLang="ko-KR" sz="2800" b="1" spc="-150" dirty="0">
+                <a:latin typeface="Lucida Fax" panose="02060602050505020204" pitchFamily="18" charset="0"/>
+                <a:ea typeface="Adobe 고딕 Std B" panose="020B0800000000000000" pitchFamily="34" charset="-127"/>
+              </a:rPr>
+              <a:t>→ </a:t>
+            </a:r>
+            <a:r>
+              <a:rPr lang="en-US" altLang="ko-KR" sz="2800" b="1" spc="-150" dirty="0">
+                <a:solidFill>
+                  <a:schemeClr val="accent2">
+                    <a:lumMod val="75000"/>
+                  </a:schemeClr>
+                </a:solidFill>
+                <a:latin typeface="Lucida Fax" panose="02060602050505020204" pitchFamily="18" charset="0"/>
+                <a:ea typeface="Adobe 고딕 Std B" panose="020B0800000000000000" pitchFamily="34" charset="-127"/>
+              </a:rPr>
+              <a:t>So, I</a:t>
+            </a:r>
+            <a:r>
+              <a:rPr lang="ko-KR" altLang="en-US" sz="2800" b="1" spc="-150" dirty="0">
+                <a:solidFill>
+                  <a:schemeClr val="accent2">
+                    <a:lumMod val="75000"/>
+                  </a:schemeClr>
+                </a:solidFill>
+                <a:latin typeface="Lucida Fax" panose="02060602050505020204" pitchFamily="18" charset="0"/>
+                <a:ea typeface="Adobe 고딕 Std B" panose="020B0800000000000000" pitchFamily="34" charset="-127"/>
+              </a:rPr>
+              <a:t> </a:t>
+            </a:r>
+            <a:r>
+              <a:rPr lang="en-US" altLang="ko-KR" sz="2800" b="1" spc="-150" dirty="0">
+                <a:solidFill>
+                  <a:schemeClr val="accent2">
+                    <a:lumMod val="75000"/>
+                  </a:schemeClr>
+                </a:solidFill>
+                <a:latin typeface="Lucida Fax" panose="02060602050505020204" pitchFamily="18" charset="0"/>
+                <a:ea typeface="Adobe 고딕 Std B" panose="020B0800000000000000" pitchFamily="34" charset="-127"/>
+              </a:rPr>
+              <a:t>have a simulation traffic and capacity for user service. Then, induced</a:t>
+            </a:r>
+            <a:r>
+              <a:rPr lang="ko-KR" altLang="en-US" sz="2800" b="1" spc="-150" dirty="0">
+                <a:solidFill>
+                  <a:schemeClr val="accent2">
+                    <a:lumMod val="75000"/>
+                  </a:schemeClr>
+                </a:solidFill>
+                <a:latin typeface="Lucida Fax" panose="02060602050505020204" pitchFamily="18" charset="0"/>
+                <a:ea typeface="Adobe 고딕 Std B" panose="020B0800000000000000" pitchFamily="34" charset="-127"/>
+              </a:rPr>
+              <a:t> </a:t>
+            </a:r>
+            <a:r>
+              <a:rPr lang="en-US" altLang="ko-KR" sz="2800" b="1" spc="-150" dirty="0">
+                <a:solidFill>
+                  <a:schemeClr val="accent2">
+                    <a:lumMod val="75000"/>
+                  </a:schemeClr>
+                </a:solidFill>
+                <a:latin typeface="Lucida Fax" panose="02060602050505020204" pitchFamily="18" charset="0"/>
+                <a:ea typeface="Adobe 고딕 Std B" panose="020B0800000000000000" pitchFamily="34" charset="-127"/>
+              </a:rPr>
+              <a:t>below results.</a:t>
+            </a:r>
+          </a:p>
+          <a:p>
+            <a:pPr>
+              <a:lnSpc>
+                <a:spcPct val="120000"/>
+              </a:lnSpc>
+            </a:pPr>
+            <a:endParaRPr lang="en-US" altLang="ko-KR" b="1" spc="-150" dirty="0">
               <a:latin typeface="Lucida Fax" panose="02060602050505020204" pitchFamily="18" charset="0"/>
               <a:ea typeface="Adobe 고딕 Std B" panose="020B0800000000000000" pitchFamily="34" charset="-127"/>
             </a:endParaRPr>
@@ -22553,82 +22762,18 @@
           <a:p>
             <a:pPr>
               <a:lnSpc>
-                <a:spcPct val="150000"/>
-              </a:lnSpc>
-            </a:pPr>
-            <a:endParaRPr lang="en-US" altLang="ko-KR" sz="2000" spc="-150" dirty="0">
-              <a:latin typeface="Lucida Fax" panose="02060602050505020204" pitchFamily="18" charset="0"/>
-              <a:ea typeface="Adobe 고딕 Std B" panose="020B0800000000000000" pitchFamily="34" charset="-127"/>
-            </a:endParaRPr>
-          </a:p>
-          <a:p>
-            <a:pPr>
-              <a:lnSpc>
-                <a:spcPct val="150000"/>
-              </a:lnSpc>
-            </a:pPr>
-            <a:endParaRPr lang="en-US" altLang="ko-KR" sz="2000" spc="-150" dirty="0">
-              <a:latin typeface="Lucida Fax" panose="02060602050505020204" pitchFamily="18" charset="0"/>
-              <a:ea typeface="Adobe 고딕 Std B" panose="020B0800000000000000" pitchFamily="34" charset="-127"/>
-            </a:endParaRPr>
-          </a:p>
-          <a:p>
-            <a:pPr>
-              <a:lnSpc>
-                <a:spcPct val="150000"/>
-              </a:lnSpc>
-            </a:pPr>
-            <a:endParaRPr lang="en-US" altLang="ko-KR" sz="2000" spc="-150" dirty="0">
-              <a:latin typeface="Lucida Fax" panose="02060602050505020204" pitchFamily="18" charset="0"/>
-              <a:ea typeface="Adobe 고딕 Std B" panose="020B0800000000000000" pitchFamily="34" charset="-127"/>
-            </a:endParaRPr>
-          </a:p>
-          <a:p>
-            <a:pPr>
-              <a:lnSpc>
-                <a:spcPct val="150000"/>
-              </a:lnSpc>
-            </a:pPr>
-            <a:endParaRPr lang="en-US" altLang="ko-KR" sz="2000" spc="-150" dirty="0">
-              <a:latin typeface="Lucida Fax" panose="02060602050505020204" pitchFamily="18" charset="0"/>
-              <a:ea typeface="Adobe 고딕 Std B" panose="020B0800000000000000" pitchFamily="34" charset="-127"/>
-            </a:endParaRPr>
-          </a:p>
-          <a:p>
-            <a:pPr>
-              <a:lnSpc>
-                <a:spcPct val="150000"/>
-              </a:lnSpc>
-            </a:pPr>
-            <a:endParaRPr lang="en-US" altLang="ko-KR" sz="2800" b="1" spc="-150" dirty="0">
-              <a:latin typeface="Lucida Fax" panose="02060602050505020204" pitchFamily="18" charset="0"/>
-              <a:ea typeface="Adobe 고딕 Std B" panose="020B0800000000000000" pitchFamily="34" charset="-127"/>
-            </a:endParaRPr>
-          </a:p>
-          <a:p>
-            <a:pPr>
-              <a:lnSpc>
-                <a:spcPct val="150000"/>
+                <a:spcPct val="120000"/>
               </a:lnSpc>
             </a:pPr>
             <a:r>
-              <a:rPr lang="en-US" altLang="ko-KR" sz="2800" b="1" spc="-150" dirty="0">
+              <a:rPr lang="en-US" altLang="ko-KR" b="1" spc="-150" dirty="0">
                 <a:latin typeface="Lucida Fax" panose="02060602050505020204" pitchFamily="18" charset="0"/>
                 <a:ea typeface="Adobe 고딕 Std B" panose="020B0800000000000000" pitchFamily="34" charset="-127"/>
               </a:rPr>
-              <a:t>Instance Selection Guide.</a:t>
+              <a:t>. Service Capa. Simulation : Instance Selection Guiding: </a:t>
             </a:r>
-          </a:p>
-          <a:p>
-            <a:pPr marL="342900" indent="-342900">
-              <a:lnSpc>
-                <a:spcPct val="150000"/>
-              </a:lnSpc>
-              <a:buFont typeface="Arial" panose="020B0604020202020204" pitchFamily="34" charset="0"/>
-              <a:buChar char="•"/>
-            </a:pPr>
             <a:r>
-              <a:rPr lang="en-US" altLang="ko-KR" sz="1600" b="1" spc="-150" dirty="0">
+              <a:rPr lang="en-US" altLang="ko-KR" b="1" spc="-150" dirty="0">
                 <a:solidFill>
                   <a:schemeClr val="accent2">
                     <a:lumMod val="50000"/>
@@ -22657,14 +22802,14 @@
           <p:nvPr>
             <p:extLst>
               <p:ext uri="{D42A27DB-BD31-4B8C-83A1-F6EECF244321}">
-                <p14:modId xmlns:p14="http://schemas.microsoft.com/office/powerpoint/2010/main" val="2129890567"/>
+                <p14:modId xmlns:p14="http://schemas.microsoft.com/office/powerpoint/2010/main" val="2891270054"/>
               </p:ext>
             </p:extLst>
           </p:nvPr>
         </p:nvGraphicFramePr>
         <p:xfrm>
-          <a:off x="660467" y="1772430"/>
-          <a:ext cx="5068907" cy="2194560"/>
+          <a:off x="963464" y="4929785"/>
+          <a:ext cx="5068907" cy="1828800"/>
         </p:xfrm>
         <a:graphic>
           <a:graphicData uri="http://schemas.openxmlformats.org/drawingml/2006/table">
@@ -22695,7 +22840,7 @@
                   </a:extLst>
                 </a:gridCol>
               </a:tblGrid>
-              <a:tr h="172543">
+              <a:tr h="220496">
                 <a:tc>
                   <a:txBody>
                     <a:bodyPr/>
@@ -22703,12 +22848,12 @@
                     <a:p>
                       <a:pPr latinLnBrk="1"/>
                       <a:r>
-                        <a:rPr lang="en-US" altLang="ko-KR" sz="1200" b="0" spc="-150" dirty="0">
+                        <a:rPr lang="en-US" altLang="ko-KR" sz="900" b="0" spc="-150" dirty="0">
                           <a:latin typeface="Lucida Fax" panose="02060602050505020204" pitchFamily="18" charset="0"/>
                         </a:rPr>
                         <a:t>[1] User</a:t>
                       </a:r>
-                      <a:endParaRPr lang="ko-KR" altLang="en-US" sz="1200" b="0" spc="-150" dirty="0">
+                      <a:endParaRPr lang="ko-KR" altLang="en-US" sz="900" b="0" spc="-150" dirty="0">
                         <a:latin typeface="Lucida Fax" panose="02060602050505020204" pitchFamily="18" charset="0"/>
                       </a:endParaRPr>
                     </a:p>
@@ -22772,12 +22917,12 @@
                     <a:p>
                       <a:pPr algn="r" latinLnBrk="1"/>
                       <a:r>
-                        <a:rPr lang="en-US" altLang="ko-KR" sz="1200" b="0" spc="-150" dirty="0">
+                        <a:rPr lang="en-US" altLang="ko-KR" sz="900" b="0" spc="-150" dirty="0">
                           <a:latin typeface="Lucida Fax" panose="02060602050505020204" pitchFamily="18" charset="0"/>
                         </a:rPr>
                         <a:t>10,000</a:t>
                       </a:r>
-                      <a:endParaRPr lang="ko-KR" altLang="en-US" sz="1200" b="0" spc="-150" dirty="0">
+                      <a:endParaRPr lang="ko-KR" altLang="en-US" sz="900" b="0" spc="-150" dirty="0">
                         <a:latin typeface="Lucida Fax" panose="02060602050505020204" pitchFamily="18" charset="0"/>
                       </a:endParaRPr>
                     </a:p>
@@ -22831,7 +22976,9 @@
                       <a:headEnd type="none" w="med" len="med"/>
                       <a:tailEnd type="none" w="med" len="med"/>
                     </a:lnB>
-                    <a:noFill/>
+                    <a:solidFill>
+                      <a:schemeClr val="bg2"/>
+                    </a:solidFill>
                   </a:tcPr>
                 </a:tc>
                 <a:tc>
@@ -22840,7 +22987,7 @@
                     <a:lstStyle/>
                     <a:p>
                       <a:pPr latinLnBrk="1"/>
-                      <a:endParaRPr lang="ko-KR" altLang="en-US" sz="1200" b="0" dirty="0">
+                      <a:endParaRPr lang="ko-KR" altLang="en-US" sz="900" b="0" dirty="0">
                         <a:latin typeface="Lucida Fax" panose="02060602050505020204" pitchFamily="18" charset="0"/>
                       </a:endParaRPr>
                     </a:p>
@@ -22903,7 +23050,7 @@
                   </a:ext>
                 </a:extLst>
               </a:tr>
-              <a:tr h="172543">
+              <a:tr h="220496">
                 <a:tc>
                   <a:txBody>
                     <a:bodyPr/>
@@ -22911,12 +23058,12 @@
                     <a:p>
                       <a:pPr latinLnBrk="1"/>
                       <a:r>
-                        <a:rPr lang="en-US" altLang="ko-KR" sz="1200" b="0" spc="-150" dirty="0">
+                        <a:rPr lang="en-US" altLang="ko-KR" sz="900" b="0" spc="-150" dirty="0">
                           <a:latin typeface="Lucida Fax" panose="02060602050505020204" pitchFamily="18" charset="0"/>
                         </a:rPr>
                         <a:t>[2] Service Attempt (per user) </a:t>
                       </a:r>
-                      <a:endParaRPr lang="ko-KR" altLang="en-US" sz="1200" b="0" spc="-150" dirty="0">
+                      <a:endParaRPr lang="ko-KR" altLang="en-US" sz="900" b="0" spc="-150" dirty="0">
                         <a:latin typeface="Lucida Fax" panose="02060602050505020204" pitchFamily="18" charset="0"/>
                       </a:endParaRPr>
                     </a:p>
@@ -22980,12 +23127,12 @@
                     <a:p>
                       <a:pPr algn="r" latinLnBrk="1"/>
                       <a:r>
-                        <a:rPr lang="en-US" altLang="ko-KR" sz="1200" b="0" spc="-150" dirty="0">
+                        <a:rPr lang="en-US" altLang="ko-KR" sz="900" b="0" spc="-150" dirty="0">
                           <a:latin typeface="Lucida Fax" panose="02060602050505020204" pitchFamily="18" charset="0"/>
                         </a:rPr>
                         <a:t>0.2 / hour</a:t>
                       </a:r>
-                      <a:endParaRPr lang="ko-KR" altLang="en-US" sz="1200" b="0" spc="-150" dirty="0">
+                      <a:endParaRPr lang="ko-KR" altLang="en-US" sz="900" b="0" spc="-150" dirty="0">
                         <a:latin typeface="Lucida Fax" panose="02060602050505020204" pitchFamily="18" charset="0"/>
                       </a:endParaRPr>
                     </a:p>
@@ -23039,7 +23186,9 @@
                       <a:headEnd type="none" w="med" len="med"/>
                       <a:tailEnd type="none" w="med" len="med"/>
                     </a:lnB>
-                    <a:noFill/>
+                    <a:solidFill>
+                      <a:schemeClr val="bg2"/>
+                    </a:solidFill>
                   </a:tcPr>
                 </a:tc>
                 <a:tc>
@@ -23048,7 +23197,7 @@
                     <a:lstStyle/>
                     <a:p>
                       <a:pPr latinLnBrk="1"/>
-                      <a:endParaRPr lang="ko-KR" altLang="en-US" sz="1200" b="0">
+                      <a:endParaRPr lang="ko-KR" altLang="en-US" sz="900" b="0" dirty="0">
                         <a:latin typeface="Lucida Fax" panose="02060602050505020204" pitchFamily="18" charset="0"/>
                       </a:endParaRPr>
                     </a:p>
@@ -23111,7 +23260,7 @@
                   </a:ext>
                 </a:extLst>
               </a:tr>
-              <a:tr h="172543">
+              <a:tr h="220496">
                 <a:tc>
                   <a:txBody>
                     <a:bodyPr/>
@@ -23119,12 +23268,12 @@
                     <a:p>
                       <a:pPr latinLnBrk="1"/>
                       <a:r>
-                        <a:rPr lang="en-US" altLang="ko-KR" sz="1200" b="0" spc="-150" dirty="0">
+                        <a:rPr lang="en-US" altLang="ko-KR" sz="900" b="0" spc="-150" dirty="0">
                           <a:latin typeface="Lucida Fax" panose="02060602050505020204" pitchFamily="18" charset="0"/>
                         </a:rPr>
                         <a:t>[3] Mean hold time</a:t>
                       </a:r>
-                      <a:endParaRPr lang="ko-KR" altLang="en-US" sz="1200" b="0" spc="-150" dirty="0">
+                      <a:endParaRPr lang="ko-KR" altLang="en-US" sz="900" b="0" spc="-150" dirty="0">
                         <a:latin typeface="Lucida Fax" panose="02060602050505020204" pitchFamily="18" charset="0"/>
                       </a:endParaRPr>
                     </a:p>
@@ -23188,12 +23337,12 @@
                     <a:p>
                       <a:pPr algn="r" latinLnBrk="1"/>
                       <a:r>
-                        <a:rPr lang="en-US" altLang="ko-KR" sz="1200" b="0" spc="-150" dirty="0">
+                        <a:rPr lang="en-US" altLang="ko-KR" sz="900" b="0" spc="-150" dirty="0">
                           <a:latin typeface="Lucida Fax" panose="02060602050505020204" pitchFamily="18" charset="0"/>
                         </a:rPr>
                         <a:t>200 sec</a:t>
                       </a:r>
-                      <a:endParaRPr lang="ko-KR" altLang="en-US" sz="1200" b="0" spc="-150" dirty="0">
+                      <a:endParaRPr lang="ko-KR" altLang="en-US" sz="900" b="0" spc="-150" dirty="0">
                         <a:latin typeface="Lucida Fax" panose="02060602050505020204" pitchFamily="18" charset="0"/>
                       </a:endParaRPr>
                     </a:p>
@@ -23247,7 +23396,9 @@
                       <a:headEnd type="none" w="med" len="med"/>
                       <a:tailEnd type="none" w="med" len="med"/>
                     </a:lnB>
-                    <a:noFill/>
+                    <a:solidFill>
+                      <a:schemeClr val="bg2"/>
+                    </a:solidFill>
                   </a:tcPr>
                 </a:tc>
                 <a:tc>
@@ -23256,7 +23407,7 @@
                     <a:lstStyle/>
                     <a:p>
                       <a:pPr latinLnBrk="1"/>
-                      <a:endParaRPr lang="ko-KR" altLang="en-US" sz="1200" b="0" dirty="0">
+                      <a:endParaRPr lang="ko-KR" altLang="en-US" sz="900" b="0" dirty="0">
                         <a:latin typeface="Lucida Fax" panose="02060602050505020204" pitchFamily="18" charset="0"/>
                       </a:endParaRPr>
                     </a:p>
@@ -23319,7 +23470,7 @@
                   </a:ext>
                 </a:extLst>
               </a:tr>
-              <a:tr h="172543">
+              <a:tr h="220496">
                 <a:tc>
                   <a:txBody>
                     <a:bodyPr/>
@@ -23327,12 +23478,12 @@
                     <a:p>
                       <a:pPr latinLnBrk="1"/>
                       <a:r>
-                        <a:rPr lang="en-US" altLang="ko-KR" sz="1200" b="0" spc="-150" dirty="0">
+                        <a:rPr lang="en-US" altLang="ko-KR" sz="900" b="0" spc="-150" dirty="0">
                           <a:latin typeface="Lucida Fax" panose="02060602050505020204" pitchFamily="18" charset="0"/>
                         </a:rPr>
                         <a:t>[4] Concurrent Service</a:t>
                       </a:r>
-                      <a:endParaRPr lang="ko-KR" altLang="en-US" sz="1200" b="0" spc="-150" dirty="0">
+                      <a:endParaRPr lang="ko-KR" altLang="en-US" sz="900" b="0" spc="-150" dirty="0">
                         <a:latin typeface="Lucida Fax" panose="02060602050505020204" pitchFamily="18" charset="0"/>
                       </a:endParaRPr>
                     </a:p>
@@ -23396,12 +23547,12 @@
                     <a:p>
                       <a:pPr algn="r" latinLnBrk="1"/>
                       <a:r>
-                        <a:rPr lang="en-US" altLang="ko-KR" sz="1200" b="0" spc="-150" dirty="0">
+                        <a:rPr lang="en-US" altLang="ko-KR" sz="900" b="0" spc="-150" dirty="0">
                           <a:latin typeface="Lucida Fax" panose="02060602050505020204" pitchFamily="18" charset="0"/>
                         </a:rPr>
                         <a:t>110/sec</a:t>
                       </a:r>
-                      <a:endParaRPr lang="ko-KR" altLang="en-US" sz="1200" b="0" spc="-150" dirty="0">
+                      <a:endParaRPr lang="ko-KR" altLang="en-US" sz="900" b="0" spc="-150" dirty="0">
                         <a:latin typeface="Lucida Fax" panose="02060602050505020204" pitchFamily="18" charset="0"/>
                       </a:endParaRPr>
                     </a:p>
@@ -23455,7 +23606,9 @@
                       <a:headEnd type="none" w="med" len="med"/>
                       <a:tailEnd type="none" w="med" len="med"/>
                     </a:lnB>
-                    <a:noFill/>
+                    <a:solidFill>
+                      <a:schemeClr val="bg2"/>
+                    </a:solidFill>
                   </a:tcPr>
                 </a:tc>
                 <a:tc>
@@ -23465,12 +23618,12 @@
                     <a:p>
                       <a:pPr latinLnBrk="1"/>
                       <a:r>
-                        <a:rPr lang="en-US" altLang="ko-KR" sz="1200" b="0" dirty="0">
+                        <a:rPr lang="en-US" altLang="ko-KR" sz="900" b="0" dirty="0">
                           <a:latin typeface="Lucida Fax" panose="02060602050505020204" pitchFamily="18" charset="0"/>
                         </a:rPr>
                         <a:t>[1]*[2]*[3]/60/60</a:t>
                       </a:r>
-                      <a:endParaRPr lang="ko-KR" altLang="en-US" sz="1200" b="0" dirty="0">
+                      <a:endParaRPr lang="ko-KR" altLang="en-US" sz="900" b="0" dirty="0">
                         <a:latin typeface="Lucida Fax" panose="02060602050505020204" pitchFamily="18" charset="0"/>
                       </a:endParaRPr>
                     </a:p>
@@ -23533,7 +23686,7 @@
                   </a:ext>
                 </a:extLst>
               </a:tr>
-              <a:tr h="172543">
+              <a:tr h="220496">
                 <a:tc>
                   <a:txBody>
                     <a:bodyPr/>
@@ -23541,12 +23694,12 @@
                     <a:p>
                       <a:pPr latinLnBrk="1"/>
                       <a:r>
-                        <a:rPr lang="en-US" altLang="ko-KR" sz="1200" b="0" spc="-150" dirty="0">
+                        <a:rPr lang="en-US" altLang="ko-KR" sz="900" b="0" spc="-150" dirty="0">
                           <a:latin typeface="Lucida Fax" panose="02060602050505020204" pitchFamily="18" charset="0"/>
                         </a:rPr>
                         <a:t>[5] Transaction</a:t>
                       </a:r>
-                      <a:endParaRPr lang="ko-KR" altLang="en-US" sz="1200" b="0" spc="-150" dirty="0">
+                      <a:endParaRPr lang="ko-KR" altLang="en-US" sz="900" b="0" spc="-150" dirty="0">
                         <a:latin typeface="Lucida Fax" panose="02060602050505020204" pitchFamily="18" charset="0"/>
                       </a:endParaRPr>
                     </a:p>
@@ -23610,12 +23763,12 @@
                     <a:p>
                       <a:pPr algn="r" latinLnBrk="1"/>
                       <a:r>
-                        <a:rPr lang="en-US" altLang="ko-KR" sz="1200" b="0" spc="-150" dirty="0">
+                        <a:rPr lang="en-US" altLang="ko-KR" sz="900" b="0" spc="-150" dirty="0">
                           <a:latin typeface="Lucida Fax" panose="02060602050505020204" pitchFamily="18" charset="0"/>
                         </a:rPr>
                         <a:t>670</a:t>
                       </a:r>
-                      <a:endParaRPr lang="ko-KR" altLang="en-US" sz="1200" b="0" spc="-150" dirty="0">
+                      <a:endParaRPr lang="ko-KR" altLang="en-US" sz="900" b="0" spc="-150" dirty="0">
                         <a:latin typeface="Lucida Fax" panose="02060602050505020204" pitchFamily="18" charset="0"/>
                       </a:endParaRPr>
                     </a:p>
@@ -23669,7 +23822,9 @@
                       <a:headEnd type="none" w="med" len="med"/>
                       <a:tailEnd type="none" w="med" len="med"/>
                     </a:lnB>
-                    <a:noFill/>
+                    <a:solidFill>
+                      <a:schemeClr val="bg2"/>
+                    </a:solidFill>
                   </a:tcPr>
                 </a:tc>
                 <a:tc>
@@ -23679,12 +23834,12 @@
                     <a:p>
                       <a:pPr latinLnBrk="1"/>
                       <a:r>
-                        <a:rPr lang="en-US" altLang="ko-KR" sz="1200" b="0" dirty="0">
+                        <a:rPr lang="en-US" altLang="ko-KR" sz="900" b="0" dirty="0">
                           <a:latin typeface="Lucida Fax" panose="02060602050505020204" pitchFamily="18" charset="0"/>
                         </a:rPr>
                         <a:t>[4]*6</a:t>
                       </a:r>
-                      <a:endParaRPr lang="ko-KR" altLang="en-US" sz="1200" b="0" dirty="0">
+                      <a:endParaRPr lang="ko-KR" altLang="en-US" sz="900" b="0" dirty="0">
                         <a:latin typeface="Lucida Fax" panose="02060602050505020204" pitchFamily="18" charset="0"/>
                       </a:endParaRPr>
                     </a:p>
@@ -23747,7 +23902,7 @@
                   </a:ext>
                 </a:extLst>
               </a:tr>
-              <a:tr h="172543">
+              <a:tr h="220496">
                 <a:tc>
                   <a:txBody>
                     <a:bodyPr/>
@@ -23755,7 +23910,7 @@
                     <a:p>
                       <a:pPr latinLnBrk="1"/>
                       <a:r>
-                        <a:rPr lang="en-US" altLang="ko-KR" sz="1200" b="1" spc="-150" dirty="0">
+                        <a:rPr lang="en-US" altLang="ko-KR" sz="900" b="1" spc="-150" dirty="0">
                           <a:solidFill>
                             <a:schemeClr val="accent2">
                               <a:lumMod val="75000"/>
@@ -23765,7 +23920,7 @@
                         </a:rPr>
                         <a:t>[6] tpmC</a:t>
                       </a:r>
-                      <a:endParaRPr lang="ko-KR" altLang="en-US" sz="1200" b="1" spc="-150" dirty="0">
+                      <a:endParaRPr lang="ko-KR" altLang="en-US" sz="900" b="1" spc="-150" dirty="0">
                         <a:solidFill>
                           <a:schemeClr val="accent2">
                             <a:lumMod val="75000"/>
@@ -23834,12 +23989,12 @@
                     <a:p>
                       <a:pPr algn="r" latinLnBrk="1"/>
                       <a:r>
-                        <a:rPr lang="en-US" altLang="ko-KR" sz="1200" b="0" spc="-150" dirty="0">
+                        <a:rPr lang="en-US" altLang="ko-KR" sz="900" b="0" spc="-150" dirty="0">
                           <a:latin typeface="Lucida Fax" panose="02060602050505020204" pitchFamily="18" charset="0"/>
                         </a:rPr>
                         <a:t>52,000</a:t>
                       </a:r>
-                      <a:endParaRPr lang="ko-KR" altLang="en-US" sz="1200" b="0" spc="-150" dirty="0">
+                      <a:endParaRPr lang="ko-KR" altLang="en-US" sz="900" b="0" spc="-150" dirty="0">
                         <a:latin typeface="Lucida Fax" panose="02060602050505020204" pitchFamily="18" charset="0"/>
                       </a:endParaRPr>
                     </a:p>
@@ -23893,7 +24048,9 @@
                       <a:headEnd type="none" w="med" len="med"/>
                       <a:tailEnd type="none" w="med" len="med"/>
                     </a:lnB>
-                    <a:noFill/>
+                    <a:solidFill>
+                      <a:schemeClr val="bg2"/>
+                    </a:solidFill>
                   </a:tcPr>
                 </a:tc>
                 <a:tc>
@@ -23903,12 +24060,12 @@
                     <a:p>
                       <a:pPr latinLnBrk="1"/>
                       <a:r>
-                        <a:rPr lang="en-US" altLang="ko-KR" sz="1200" b="0" dirty="0">
+                        <a:rPr lang="en-US" altLang="ko-KR" sz="900" b="0" dirty="0">
                           <a:latin typeface="Lucida Fax" panose="02060602050505020204" pitchFamily="18" charset="0"/>
                         </a:rPr>
                         <a:t>[5]*60*130%</a:t>
                       </a:r>
-                      <a:endParaRPr lang="ko-KR" altLang="en-US" sz="1200" b="0" dirty="0">
+                      <a:endParaRPr lang="ko-KR" altLang="en-US" sz="900" b="0" dirty="0">
                         <a:latin typeface="Lucida Fax" panose="02060602050505020204" pitchFamily="18" charset="0"/>
                       </a:endParaRPr>
                     </a:p>
@@ -23971,7 +24128,7 @@
                   </a:ext>
                 </a:extLst>
               </a:tr>
-              <a:tr h="172543">
+              <a:tr h="220496">
                 <a:tc>
                   <a:txBody>
                     <a:bodyPr/>
@@ -23979,7 +24136,7 @@
                     <a:p>
                       <a:pPr latinLnBrk="1"/>
                       <a:r>
-                        <a:rPr lang="en-US" altLang="ko-KR" sz="1200" b="1" spc="-150" dirty="0">
+                        <a:rPr lang="en-US" altLang="ko-KR" sz="900" b="1" spc="-150" dirty="0">
                           <a:solidFill>
                             <a:schemeClr val="accent2">
                               <a:lumMod val="75000"/>
@@ -23989,7 +24146,7 @@
                         </a:rPr>
                         <a:t>[7] Iops</a:t>
                       </a:r>
-                      <a:endParaRPr lang="ko-KR" altLang="en-US" sz="1200" b="1" spc="-150" dirty="0">
+                      <a:endParaRPr lang="ko-KR" altLang="en-US" sz="900" b="1" spc="-150" dirty="0">
                         <a:solidFill>
                           <a:schemeClr val="accent2">
                             <a:lumMod val="75000"/>
@@ -24058,12 +24215,12 @@
                     <a:p>
                       <a:pPr algn="r" latinLnBrk="1"/>
                       <a:r>
-                        <a:rPr lang="en-US" altLang="ko-KR" sz="1200" b="0" spc="-150" dirty="0">
+                        <a:rPr lang="en-US" altLang="ko-KR" sz="900" b="0" spc="-150" dirty="0">
                           <a:latin typeface="Lucida Fax" panose="02060602050505020204" pitchFamily="18" charset="0"/>
                         </a:rPr>
                         <a:t>2,680</a:t>
                       </a:r>
-                      <a:endParaRPr lang="ko-KR" altLang="en-US" sz="1200" b="0" spc="-150" dirty="0">
+                      <a:endParaRPr lang="ko-KR" altLang="en-US" sz="900" b="0" spc="-150" dirty="0">
                         <a:latin typeface="Lucida Fax" panose="02060602050505020204" pitchFamily="18" charset="0"/>
                       </a:endParaRPr>
                     </a:p>
@@ -24117,7 +24274,9 @@
                       <a:headEnd type="none" w="med" len="med"/>
                       <a:tailEnd type="none" w="med" len="med"/>
                     </a:lnB>
-                    <a:noFill/>
+                    <a:solidFill>
+                      <a:schemeClr val="bg2"/>
+                    </a:solidFill>
                   </a:tcPr>
                 </a:tc>
                 <a:tc>
@@ -24127,12 +24286,12 @@
                     <a:p>
                       <a:pPr latinLnBrk="1"/>
                       <a:r>
-                        <a:rPr lang="en-US" altLang="ko-KR" sz="1200" b="0" dirty="0">
+                        <a:rPr lang="en-US" altLang="ko-KR" sz="900" b="0" dirty="0">
                           <a:latin typeface="Lucida Fax" panose="02060602050505020204" pitchFamily="18" charset="0"/>
                         </a:rPr>
                         <a:t>[4]*4</a:t>
                       </a:r>
-                      <a:endParaRPr lang="ko-KR" altLang="en-US" sz="1200" b="0" dirty="0">
+                      <a:endParaRPr lang="ko-KR" altLang="en-US" sz="900" b="0" dirty="0">
                         <a:latin typeface="Lucida Fax" panose="02060602050505020204" pitchFamily="18" charset="0"/>
                       </a:endParaRPr>
                     </a:p>
@@ -24195,7 +24354,7 @@
                   </a:ext>
                 </a:extLst>
               </a:tr>
-              <a:tr h="172543">
+              <a:tr h="220496">
                 <a:tc>
                   <a:txBody>
                     <a:bodyPr/>
@@ -24203,7 +24362,7 @@
                     <a:p>
                       <a:pPr latinLnBrk="1"/>
                       <a:r>
-                        <a:rPr lang="en-US" altLang="ko-KR" sz="1200" b="1" spc="-150" dirty="0">
+                        <a:rPr lang="en-US" altLang="ko-KR" sz="900" b="1" spc="-150" dirty="0">
                           <a:solidFill>
                             <a:schemeClr val="accent2">
                               <a:lumMod val="75000"/>
@@ -24213,7 +24372,7 @@
                         </a:rPr>
                         <a:t>[8] Storage Volume</a:t>
                       </a:r>
-                      <a:endParaRPr lang="ko-KR" altLang="en-US" sz="1200" b="1" spc="-150" dirty="0">
+                      <a:endParaRPr lang="ko-KR" altLang="en-US" sz="900" b="1" spc="-150" dirty="0">
                         <a:solidFill>
                           <a:schemeClr val="accent2">
                             <a:lumMod val="75000"/>
@@ -24282,12 +24441,12 @@
                     <a:p>
                       <a:pPr algn="r" latinLnBrk="1"/>
                       <a:r>
-                        <a:rPr lang="en-US" altLang="ko-KR" sz="1200" b="0" spc="-150" dirty="0">
+                        <a:rPr lang="en-US" altLang="ko-KR" sz="900" b="0" spc="-150" dirty="0">
                           <a:latin typeface="Lucida Fax" panose="02060602050505020204" pitchFamily="18" charset="0"/>
                         </a:rPr>
                         <a:t>340 GiB</a:t>
                       </a:r>
-                      <a:endParaRPr lang="ko-KR" altLang="en-US" sz="1200" b="0" spc="-150" dirty="0">
+                      <a:endParaRPr lang="ko-KR" altLang="en-US" sz="900" b="0" spc="-150" dirty="0">
                         <a:latin typeface="Lucida Fax" panose="02060602050505020204" pitchFamily="18" charset="0"/>
                       </a:endParaRPr>
                     </a:p>
@@ -24341,7 +24500,9 @@
                       <a:headEnd type="none" w="med" len="med"/>
                       <a:tailEnd type="none" w="med" len="med"/>
                     </a:lnB>
-                    <a:noFill/>
+                    <a:solidFill>
+                      <a:schemeClr val="bg2"/>
+                    </a:solidFill>
                   </a:tcPr>
                 </a:tc>
                 <a:tc>
@@ -24351,12 +24512,12 @@
                     <a:p>
                       <a:pPr latinLnBrk="1"/>
                       <a:r>
-                        <a:rPr lang="en-US" altLang="ko-KR" sz="1200" b="0" dirty="0">
+                        <a:rPr lang="en-US" altLang="ko-KR" sz="900" b="0" dirty="0">
                           <a:latin typeface="Lucida Fax" panose="02060602050505020204" pitchFamily="18" charset="0"/>
                         </a:rPr>
                         <a:t>EBS / Iops ratio</a:t>
                       </a:r>
-                      <a:endParaRPr lang="ko-KR" altLang="en-US" sz="1200" b="0" dirty="0">
+                      <a:endParaRPr lang="ko-KR" altLang="en-US" sz="900" b="0" dirty="0">
                         <a:latin typeface="Lucida Fax" panose="02060602050505020204" pitchFamily="18" charset="0"/>
                       </a:endParaRPr>
                     </a:p>
@@ -24438,14 +24599,14 @@
           <p:nvPr>
             <p:extLst>
               <p:ext uri="{D42A27DB-BD31-4B8C-83A1-F6EECF244321}">
-                <p14:modId xmlns:p14="http://schemas.microsoft.com/office/powerpoint/2010/main" val="3302328832"/>
+                <p14:modId xmlns:p14="http://schemas.microsoft.com/office/powerpoint/2010/main" val="4178253787"/>
               </p:ext>
             </p:extLst>
           </p:nvPr>
         </p:nvGraphicFramePr>
         <p:xfrm>
-          <a:off x="5954990" y="1772430"/>
-          <a:ext cx="4213034" cy="1923270"/>
+          <a:off x="6257987" y="4929785"/>
+          <a:ext cx="4213034" cy="1508760"/>
         </p:xfrm>
         <a:graphic>
           <a:graphicData uri="http://schemas.openxmlformats.org/drawingml/2006/table">
@@ -24476,7 +24637,7 @@
                   </a:extLst>
                 </a:gridCol>
               </a:tblGrid>
-              <a:tr h="320545">
+              <a:tr h="224016">
                 <a:tc>
                   <a:txBody>
                     <a:bodyPr/>
@@ -24484,7 +24645,7 @@
                     <a:p>
                       <a:pPr algn="ctr" latinLnBrk="1"/>
                       <a:r>
-                        <a:rPr lang="en-US" altLang="ko-KR" sz="1200" b="0" spc="-150" dirty="0">
+                        <a:rPr lang="en-US" altLang="ko-KR" sz="1050" b="0" spc="-150" dirty="0">
                           <a:solidFill>
                             <a:schemeClr val="tx1"/>
                           </a:solidFill>
@@ -24492,7 +24653,245 @@
                         </a:rPr>
                         <a:t>Instance</a:t>
                       </a:r>
-                      <a:endParaRPr lang="ko-KR" altLang="en-US" sz="1200" b="0" spc="-150" dirty="0">
+                      <a:endParaRPr lang="ko-KR" altLang="en-US" sz="1050" b="0" spc="-150" dirty="0">
+                        <a:solidFill>
+                          <a:schemeClr val="tx1"/>
+                        </a:solidFill>
+                        <a:latin typeface="Lucida Fax" panose="02060602050505020204" pitchFamily="18" charset="0"/>
+                      </a:endParaRPr>
+                    </a:p>
+                  </a:txBody>
+                  <a:tcPr>
+                    <a:lnL w="3175" cap="flat" cmpd="sng" algn="ctr">
+                      <a:solidFill>
+                        <a:schemeClr val="tx1">
+                          <a:lumMod val="50000"/>
+                          <a:lumOff val="50000"/>
+                        </a:schemeClr>
+                      </a:solidFill>
+                      <a:prstDash val="solid"/>
+                      <a:round/>
+                      <a:headEnd type="none" w="med" len="med"/>
+                      <a:tailEnd type="none" w="med" len="med"/>
+                    </a:lnL>
+                    <a:lnR w="3175" cap="flat" cmpd="sng" algn="ctr">
+                      <a:solidFill>
+                        <a:schemeClr val="tx1">
+                          <a:lumMod val="50000"/>
+                          <a:lumOff val="50000"/>
+                        </a:schemeClr>
+                      </a:solidFill>
+                      <a:prstDash val="solid"/>
+                      <a:round/>
+                      <a:headEnd type="none" w="med" len="med"/>
+                      <a:tailEnd type="none" w="med" len="med"/>
+                    </a:lnR>
+                    <a:lnT w="3175" cap="flat" cmpd="sng" algn="ctr">
+                      <a:solidFill>
+                        <a:schemeClr val="tx1">
+                          <a:lumMod val="50000"/>
+                          <a:lumOff val="50000"/>
+                        </a:schemeClr>
+                      </a:solidFill>
+                      <a:prstDash val="solid"/>
+                      <a:round/>
+                      <a:headEnd type="none" w="med" len="med"/>
+                      <a:tailEnd type="none" w="med" len="med"/>
+                    </a:lnT>
+                    <a:lnB w="3175" cap="flat" cmpd="sng" algn="ctr">
+                      <a:solidFill>
+                        <a:schemeClr val="tx1">
+                          <a:lumMod val="50000"/>
+                          <a:lumOff val="50000"/>
+                        </a:schemeClr>
+                      </a:solidFill>
+                      <a:prstDash val="solid"/>
+                      <a:round/>
+                      <a:headEnd type="none" w="med" len="med"/>
+                      <a:tailEnd type="none" w="med" len="med"/>
+                    </a:lnB>
+                    <a:solidFill>
+                      <a:schemeClr val="bg2"/>
+                    </a:solidFill>
+                  </a:tcPr>
+                </a:tc>
+                <a:tc>
+                  <a:txBody>
+                    <a:bodyPr/>
+                    <a:lstStyle/>
+                    <a:p>
+                      <a:pPr algn="ctr" latinLnBrk="1"/>
+                      <a:r>
+                        <a:rPr lang="en-US" altLang="ko-KR" sz="1050" b="0" spc="-150" dirty="0">
+                          <a:solidFill>
+                            <a:schemeClr val="tx1"/>
+                          </a:solidFill>
+                          <a:latin typeface="Lucida Fax" panose="02060602050505020204" pitchFamily="18" charset="0"/>
+                        </a:rPr>
+                        <a:t>#vCPU</a:t>
+                      </a:r>
+                      <a:endParaRPr lang="ko-KR" altLang="en-US" sz="1050" b="0" spc="-150" dirty="0">
+                        <a:solidFill>
+                          <a:schemeClr val="tx1"/>
+                        </a:solidFill>
+                        <a:latin typeface="Lucida Fax" panose="02060602050505020204" pitchFamily="18" charset="0"/>
+                      </a:endParaRPr>
+                    </a:p>
+                  </a:txBody>
+                  <a:tcPr>
+                    <a:lnL w="3175" cap="flat" cmpd="sng" algn="ctr">
+                      <a:solidFill>
+                        <a:schemeClr val="tx1">
+                          <a:lumMod val="50000"/>
+                          <a:lumOff val="50000"/>
+                        </a:schemeClr>
+                      </a:solidFill>
+                      <a:prstDash val="solid"/>
+                      <a:round/>
+                      <a:headEnd type="none" w="med" len="med"/>
+                      <a:tailEnd type="none" w="med" len="med"/>
+                    </a:lnL>
+                    <a:lnR w="3175" cap="flat" cmpd="sng" algn="ctr">
+                      <a:solidFill>
+                        <a:schemeClr val="tx1">
+                          <a:lumMod val="50000"/>
+                          <a:lumOff val="50000"/>
+                        </a:schemeClr>
+                      </a:solidFill>
+                      <a:prstDash val="solid"/>
+                      <a:round/>
+                      <a:headEnd type="none" w="med" len="med"/>
+                      <a:tailEnd type="none" w="med" len="med"/>
+                    </a:lnR>
+                    <a:lnT w="3175" cap="flat" cmpd="sng" algn="ctr">
+                      <a:solidFill>
+                        <a:schemeClr val="tx1">
+                          <a:lumMod val="50000"/>
+                          <a:lumOff val="50000"/>
+                        </a:schemeClr>
+                      </a:solidFill>
+                      <a:prstDash val="solid"/>
+                      <a:round/>
+                      <a:headEnd type="none" w="med" len="med"/>
+                      <a:tailEnd type="none" w="med" len="med"/>
+                    </a:lnT>
+                    <a:lnB w="3175" cap="flat" cmpd="sng" algn="ctr">
+                      <a:solidFill>
+                        <a:schemeClr val="tx1">
+                          <a:lumMod val="50000"/>
+                          <a:lumOff val="50000"/>
+                        </a:schemeClr>
+                      </a:solidFill>
+                      <a:prstDash val="solid"/>
+                      <a:round/>
+                      <a:headEnd type="none" w="med" len="med"/>
+                      <a:tailEnd type="none" w="med" len="med"/>
+                    </a:lnB>
+                    <a:solidFill>
+                      <a:schemeClr val="bg2"/>
+                    </a:solidFill>
+                  </a:tcPr>
+                </a:tc>
+                <a:tc>
+                  <a:txBody>
+                    <a:bodyPr/>
+                    <a:lstStyle/>
+                    <a:p>
+                      <a:pPr algn="ctr" latinLnBrk="1"/>
+                      <a:r>
+                        <a:rPr lang="en-US" altLang="ko-KR" sz="1050" b="0" spc="-150" dirty="0">
+                          <a:solidFill>
+                            <a:schemeClr val="tx1"/>
+                          </a:solidFill>
+                          <a:latin typeface="Lucida Fax" panose="02060602050505020204" pitchFamily="18" charset="0"/>
+                        </a:rPr>
+                        <a:t>tpmC(e)</a:t>
+                      </a:r>
+                      <a:endParaRPr lang="ko-KR" altLang="en-US" sz="1050" b="0" spc="-150" dirty="0">
+                        <a:solidFill>
+                          <a:schemeClr val="tx1"/>
+                        </a:solidFill>
+                        <a:latin typeface="Lucida Fax" panose="02060602050505020204" pitchFamily="18" charset="0"/>
+                      </a:endParaRPr>
+                    </a:p>
+                  </a:txBody>
+                  <a:tcPr>
+                    <a:lnL w="3175" cap="flat" cmpd="sng" algn="ctr">
+                      <a:solidFill>
+                        <a:schemeClr val="tx1">
+                          <a:lumMod val="50000"/>
+                          <a:lumOff val="50000"/>
+                        </a:schemeClr>
+                      </a:solidFill>
+                      <a:prstDash val="solid"/>
+                      <a:round/>
+                      <a:headEnd type="none" w="med" len="med"/>
+                      <a:tailEnd type="none" w="med" len="med"/>
+                    </a:lnL>
+                    <a:lnR w="3175" cap="flat" cmpd="sng" algn="ctr">
+                      <a:solidFill>
+                        <a:schemeClr val="tx1">
+                          <a:lumMod val="50000"/>
+                          <a:lumOff val="50000"/>
+                        </a:schemeClr>
+                      </a:solidFill>
+                      <a:prstDash val="solid"/>
+                      <a:round/>
+                      <a:headEnd type="none" w="med" len="med"/>
+                      <a:tailEnd type="none" w="med" len="med"/>
+                    </a:lnR>
+                    <a:lnT w="3175" cap="flat" cmpd="sng" algn="ctr">
+                      <a:solidFill>
+                        <a:schemeClr val="tx1">
+                          <a:lumMod val="50000"/>
+                          <a:lumOff val="50000"/>
+                        </a:schemeClr>
+                      </a:solidFill>
+                      <a:prstDash val="solid"/>
+                      <a:round/>
+                      <a:headEnd type="none" w="med" len="med"/>
+                      <a:tailEnd type="none" w="med" len="med"/>
+                    </a:lnT>
+                    <a:lnB w="3175" cap="flat" cmpd="sng" algn="ctr">
+                      <a:solidFill>
+                        <a:schemeClr val="tx1">
+                          <a:lumMod val="50000"/>
+                          <a:lumOff val="50000"/>
+                        </a:schemeClr>
+                      </a:solidFill>
+                      <a:prstDash val="solid"/>
+                      <a:round/>
+                      <a:headEnd type="none" w="med" len="med"/>
+                      <a:tailEnd type="none" w="med" len="med"/>
+                    </a:lnB>
+                    <a:solidFill>
+                      <a:schemeClr val="bg2"/>
+                    </a:solidFill>
+                  </a:tcPr>
+                </a:tc>
+                <a:extLst>
+                  <a:ext uri="{0D108BD9-81ED-4DB2-BD59-A6C34878D82A}">
+                    <a16:rowId xmlns:a16="http://schemas.microsoft.com/office/drawing/2014/main" val="3340980866"/>
+                  </a:ext>
+                </a:extLst>
+              </a:tr>
+              <a:tr h="224016">
+                <a:tc>
+                  <a:txBody>
+                    <a:bodyPr/>
+                    <a:lstStyle/>
+                    <a:p>
+                      <a:pPr algn="ctr" latinLnBrk="1"/>
+                      <a:r>
+                        <a:rPr lang="en-US" altLang="ko-KR" sz="1050" b="0" spc="-150" dirty="0">
+                          <a:solidFill>
+                            <a:schemeClr val="tx1"/>
+                          </a:solidFill>
+                          <a:latin typeface="Lucida Fax" panose="02060602050505020204" pitchFamily="18" charset="0"/>
+                        </a:rPr>
+                        <a:t>Small</a:t>
+                      </a:r>
+                      <a:endParaRPr lang="ko-KR" altLang="en-US" sz="1050" b="0" spc="-150" dirty="0">
                         <a:solidFill>
                           <a:schemeClr val="tx1"/>
                         </a:solidFill>
@@ -24559,15 +24958,15 @@
                     <a:p>
                       <a:pPr algn="ctr" latinLnBrk="1"/>
                       <a:r>
-                        <a:rPr lang="en-US" altLang="ko-KR" sz="1200" b="0" spc="-150" dirty="0">
+                        <a:rPr lang="en-US" altLang="ko-KR" sz="1050" b="0" spc="-150" dirty="0">
                           <a:solidFill>
                             <a:schemeClr val="tx1"/>
                           </a:solidFill>
                           <a:latin typeface="Lucida Fax" panose="02060602050505020204" pitchFamily="18" charset="0"/>
                         </a:rPr>
-                        <a:t>#vCPU</a:t>
+                        <a:t>1</a:t>
                       </a:r>
-                      <a:endParaRPr lang="ko-KR" altLang="en-US" sz="1200" b="0" spc="-150" dirty="0">
+                      <a:endParaRPr lang="ko-KR" altLang="en-US" sz="1050" b="0" spc="-150" dirty="0">
                         <a:solidFill>
                           <a:schemeClr val="tx1"/>
                         </a:solidFill>
@@ -24634,15 +25033,15 @@
                     <a:p>
                       <a:pPr algn="ctr" latinLnBrk="1"/>
                       <a:r>
-                        <a:rPr lang="en-US" altLang="ko-KR" sz="1200" b="0" spc="-150" dirty="0">
+                        <a:rPr lang="en-US" altLang="ko-KR" sz="1050" b="0" spc="-150" dirty="0">
                           <a:solidFill>
                             <a:schemeClr val="tx1"/>
                           </a:solidFill>
                           <a:latin typeface="Lucida Fax" panose="02060602050505020204" pitchFamily="18" charset="0"/>
                         </a:rPr>
-                        <a:t>tpmC(e)</a:t>
+                        <a:t>42,253</a:t>
                       </a:r>
-                      <a:endParaRPr lang="ko-KR" altLang="en-US" sz="1200" b="0" spc="-150" dirty="0">
+                      <a:endParaRPr lang="ko-KR" altLang="en-US" sz="1050" b="0" spc="-150" dirty="0">
                         <a:solidFill>
                           <a:schemeClr val="tx1"/>
                         </a:solidFill>
@@ -24704,11 +25103,11 @@
                 </a:tc>
                 <a:extLst>
                   <a:ext uri="{0D108BD9-81ED-4DB2-BD59-A6C34878D82A}">
-                    <a16:rowId xmlns:a16="http://schemas.microsoft.com/office/drawing/2014/main" val="3340980866"/>
+                    <a16:rowId xmlns:a16="http://schemas.microsoft.com/office/drawing/2014/main" val="3982913307"/>
                   </a:ext>
                 </a:extLst>
               </a:tr>
-              <a:tr h="320545">
+              <a:tr h="224016">
                 <a:tc>
                   <a:txBody>
                     <a:bodyPr/>
@@ -24716,17 +25115,21 @@
                     <a:p>
                       <a:pPr algn="ctr" latinLnBrk="1"/>
                       <a:r>
-                        <a:rPr lang="en-US" altLang="ko-KR" sz="1200" b="0" spc="-150" dirty="0">
+                        <a:rPr lang="en-US" altLang="ko-KR" sz="1050" b="0" spc="-150" dirty="0">
                           <a:solidFill>
-                            <a:schemeClr val="tx1"/>
+                            <a:schemeClr val="accent2">
+                              <a:lumMod val="75000"/>
+                            </a:schemeClr>
                           </a:solidFill>
                           <a:latin typeface="Lucida Fax" panose="02060602050505020204" pitchFamily="18" charset="0"/>
                         </a:rPr>
-                        <a:t>Small</a:t>
+                        <a:t>Large</a:t>
                       </a:r>
-                      <a:endParaRPr lang="ko-KR" altLang="en-US" sz="1200" b="0" spc="-150" dirty="0">
+                      <a:endParaRPr lang="ko-KR" altLang="en-US" sz="1050" b="0" spc="-150" dirty="0">
                         <a:solidFill>
-                          <a:schemeClr val="tx1"/>
+                          <a:schemeClr val="accent2">
+                            <a:lumMod val="75000"/>
+                          </a:schemeClr>
                         </a:solidFill>
                         <a:latin typeface="Lucida Fax" panose="02060602050505020204" pitchFamily="18" charset="0"/>
                       </a:endParaRPr>
@@ -24791,15 +25194,173 @@
                     <a:p>
                       <a:pPr algn="ctr" latinLnBrk="1"/>
                       <a:r>
-                        <a:rPr lang="en-US" altLang="ko-KR" sz="1200" b="0" spc="-150" dirty="0">
+                        <a:rPr lang="en-US" altLang="ko-KR" sz="1050" b="0" spc="-150" dirty="0">
+                          <a:solidFill>
+                            <a:schemeClr val="accent2">
+                              <a:lumMod val="75000"/>
+                            </a:schemeClr>
+                          </a:solidFill>
+                          <a:latin typeface="Lucida Fax" panose="02060602050505020204" pitchFamily="18" charset="0"/>
+                        </a:rPr>
+                        <a:t>2</a:t>
+                      </a:r>
+                      <a:endParaRPr lang="ko-KR" altLang="en-US" sz="1050" b="0" spc="-150" dirty="0">
+                        <a:solidFill>
+                          <a:schemeClr val="accent2">
+                            <a:lumMod val="75000"/>
+                          </a:schemeClr>
+                        </a:solidFill>
+                        <a:latin typeface="Lucida Fax" panose="02060602050505020204" pitchFamily="18" charset="0"/>
+                      </a:endParaRPr>
+                    </a:p>
+                  </a:txBody>
+                  <a:tcPr>
+                    <a:lnL w="3175" cap="flat" cmpd="sng" algn="ctr">
+                      <a:solidFill>
+                        <a:schemeClr val="tx1">
+                          <a:lumMod val="50000"/>
+                          <a:lumOff val="50000"/>
+                        </a:schemeClr>
+                      </a:solidFill>
+                      <a:prstDash val="solid"/>
+                      <a:round/>
+                      <a:headEnd type="none" w="med" len="med"/>
+                      <a:tailEnd type="none" w="med" len="med"/>
+                    </a:lnL>
+                    <a:lnR w="3175" cap="flat" cmpd="sng" algn="ctr">
+                      <a:solidFill>
+                        <a:schemeClr val="tx1">
+                          <a:lumMod val="50000"/>
+                          <a:lumOff val="50000"/>
+                        </a:schemeClr>
+                      </a:solidFill>
+                      <a:prstDash val="solid"/>
+                      <a:round/>
+                      <a:headEnd type="none" w="med" len="med"/>
+                      <a:tailEnd type="none" w="med" len="med"/>
+                    </a:lnR>
+                    <a:lnT w="3175" cap="flat" cmpd="sng" algn="ctr">
+                      <a:solidFill>
+                        <a:schemeClr val="tx1">
+                          <a:lumMod val="50000"/>
+                          <a:lumOff val="50000"/>
+                        </a:schemeClr>
+                      </a:solidFill>
+                      <a:prstDash val="solid"/>
+                      <a:round/>
+                      <a:headEnd type="none" w="med" len="med"/>
+                      <a:tailEnd type="none" w="med" len="med"/>
+                    </a:lnT>
+                    <a:lnB w="3175" cap="flat" cmpd="sng" algn="ctr">
+                      <a:solidFill>
+                        <a:schemeClr val="tx1">
+                          <a:lumMod val="50000"/>
+                          <a:lumOff val="50000"/>
+                        </a:schemeClr>
+                      </a:solidFill>
+                      <a:prstDash val="solid"/>
+                      <a:round/>
+                      <a:headEnd type="none" w="med" len="med"/>
+                      <a:tailEnd type="none" w="med" len="med"/>
+                    </a:lnB>
+                    <a:noFill/>
+                  </a:tcPr>
+                </a:tc>
+                <a:tc>
+                  <a:txBody>
+                    <a:bodyPr/>
+                    <a:lstStyle/>
+                    <a:p>
+                      <a:pPr algn="ctr"/>
+                      <a:r>
+                        <a:rPr lang="en-US" altLang="ko-KR" sz="1050" b="0" spc="-150" dirty="0">
+                          <a:solidFill>
+                            <a:schemeClr val="accent2">
+                              <a:lumMod val="75000"/>
+                            </a:schemeClr>
+                          </a:solidFill>
+                          <a:effectLst/>
+                          <a:latin typeface="Lucida Fax" panose="02060602050505020204" pitchFamily="18" charset="0"/>
+                        </a:rPr>
+                        <a:t>82,506</a:t>
+                      </a:r>
+                    </a:p>
+                  </a:txBody>
+                  <a:tcPr marL="19050" marR="19050" marT="19050" marB="19050" anchor="ctr">
+                    <a:lnL w="3175" cap="flat" cmpd="sng" algn="ctr">
+                      <a:solidFill>
+                        <a:schemeClr val="tx1">
+                          <a:lumMod val="50000"/>
+                          <a:lumOff val="50000"/>
+                        </a:schemeClr>
+                      </a:solidFill>
+                      <a:prstDash val="solid"/>
+                      <a:round/>
+                      <a:headEnd type="none" w="med" len="med"/>
+                      <a:tailEnd type="none" w="med" len="med"/>
+                    </a:lnL>
+                    <a:lnR w="3175" cap="flat" cmpd="sng" algn="ctr">
+                      <a:solidFill>
+                        <a:schemeClr val="tx1">
+                          <a:lumMod val="50000"/>
+                          <a:lumOff val="50000"/>
+                        </a:schemeClr>
+                      </a:solidFill>
+                      <a:prstDash val="solid"/>
+                      <a:round/>
+                      <a:headEnd type="none" w="med" len="med"/>
+                      <a:tailEnd type="none" w="med" len="med"/>
+                    </a:lnR>
+                    <a:lnT w="3175" cap="flat" cmpd="sng" algn="ctr">
+                      <a:solidFill>
+                        <a:schemeClr val="tx1">
+                          <a:lumMod val="50000"/>
+                          <a:lumOff val="50000"/>
+                        </a:schemeClr>
+                      </a:solidFill>
+                      <a:prstDash val="solid"/>
+                      <a:round/>
+                      <a:headEnd type="none" w="med" len="med"/>
+                      <a:tailEnd type="none" w="med" len="med"/>
+                    </a:lnT>
+                    <a:lnB w="3175" cap="flat" cmpd="sng" algn="ctr">
+                      <a:solidFill>
+                        <a:schemeClr val="tx1">
+                          <a:lumMod val="50000"/>
+                          <a:lumOff val="50000"/>
+                        </a:schemeClr>
+                      </a:solidFill>
+                      <a:prstDash val="solid"/>
+                      <a:round/>
+                      <a:headEnd type="none" w="med" len="med"/>
+                      <a:tailEnd type="none" w="med" len="med"/>
+                    </a:lnB>
+                    <a:noFill/>
+                  </a:tcPr>
+                </a:tc>
+                <a:extLst>
+                  <a:ext uri="{0D108BD9-81ED-4DB2-BD59-A6C34878D82A}">
+                    <a16:rowId xmlns:a16="http://schemas.microsoft.com/office/drawing/2014/main" val="323488874"/>
+                  </a:ext>
+                </a:extLst>
+              </a:tr>
+              <a:tr h="224016">
+                <a:tc>
+                  <a:txBody>
+                    <a:bodyPr/>
+                    <a:lstStyle/>
+                    <a:p>
+                      <a:pPr algn="ctr" latinLnBrk="1"/>
+                      <a:r>
+                        <a:rPr lang="en-US" altLang="ko-KR" sz="1050" b="0" spc="-150" dirty="0" err="1">
                           <a:solidFill>
                             <a:schemeClr val="tx1"/>
                           </a:solidFill>
                           <a:latin typeface="Lucida Fax" panose="02060602050505020204" pitchFamily="18" charset="0"/>
                         </a:rPr>
-                        <a:t>1</a:t>
+                        <a:t>Xlarge</a:t>
                       </a:r>
-                      <a:endParaRPr lang="ko-KR" altLang="en-US" sz="1200" b="0" spc="-150" dirty="0">
+                      <a:endParaRPr lang="ko-KR" altLang="en-US" sz="1050" b="0" spc="-150" dirty="0">
                         <a:solidFill>
                           <a:schemeClr val="tx1"/>
                         </a:solidFill>
@@ -24866,172 +25427,15 @@
                     <a:p>
                       <a:pPr algn="ctr" latinLnBrk="1"/>
                       <a:r>
-                        <a:rPr lang="en-US" altLang="ko-KR" sz="1200" b="0" spc="-150" dirty="0">
+                        <a:rPr lang="en-US" altLang="ko-KR" sz="1050" b="0" spc="-150" dirty="0">
                           <a:solidFill>
                             <a:schemeClr val="tx1"/>
                           </a:solidFill>
                           <a:latin typeface="Lucida Fax" panose="02060602050505020204" pitchFamily="18" charset="0"/>
                         </a:rPr>
-                        <a:t>42,253</a:t>
+                        <a:t>4</a:t>
                       </a:r>
-                      <a:endParaRPr lang="ko-KR" altLang="en-US" sz="1200" b="0" spc="-150" dirty="0">
-                        <a:solidFill>
-                          <a:schemeClr val="tx1"/>
-                        </a:solidFill>
-                        <a:latin typeface="Lucida Fax" panose="02060602050505020204" pitchFamily="18" charset="0"/>
-                      </a:endParaRPr>
-                    </a:p>
-                  </a:txBody>
-                  <a:tcPr>
-                    <a:lnL w="3175" cap="flat" cmpd="sng" algn="ctr">
-                      <a:solidFill>
-                        <a:schemeClr val="tx1">
-                          <a:lumMod val="50000"/>
-                          <a:lumOff val="50000"/>
-                        </a:schemeClr>
-                      </a:solidFill>
-                      <a:prstDash val="solid"/>
-                      <a:round/>
-                      <a:headEnd type="none" w="med" len="med"/>
-                      <a:tailEnd type="none" w="med" len="med"/>
-                    </a:lnL>
-                    <a:lnR w="3175" cap="flat" cmpd="sng" algn="ctr">
-                      <a:solidFill>
-                        <a:schemeClr val="tx1">
-                          <a:lumMod val="50000"/>
-                          <a:lumOff val="50000"/>
-                        </a:schemeClr>
-                      </a:solidFill>
-                      <a:prstDash val="solid"/>
-                      <a:round/>
-                      <a:headEnd type="none" w="med" len="med"/>
-                      <a:tailEnd type="none" w="med" len="med"/>
-                    </a:lnR>
-                    <a:lnT w="3175" cap="flat" cmpd="sng" algn="ctr">
-                      <a:solidFill>
-                        <a:schemeClr val="tx1">
-                          <a:lumMod val="50000"/>
-                          <a:lumOff val="50000"/>
-                        </a:schemeClr>
-                      </a:solidFill>
-                      <a:prstDash val="solid"/>
-                      <a:round/>
-                      <a:headEnd type="none" w="med" len="med"/>
-                      <a:tailEnd type="none" w="med" len="med"/>
-                    </a:lnT>
-                    <a:lnB w="3175" cap="flat" cmpd="sng" algn="ctr">
-                      <a:solidFill>
-                        <a:schemeClr val="tx1">
-                          <a:lumMod val="50000"/>
-                          <a:lumOff val="50000"/>
-                        </a:schemeClr>
-                      </a:solidFill>
-                      <a:prstDash val="solid"/>
-                      <a:round/>
-                      <a:headEnd type="none" w="med" len="med"/>
-                      <a:tailEnd type="none" w="med" len="med"/>
-                    </a:lnB>
-                    <a:noFill/>
-                  </a:tcPr>
-                </a:tc>
-                <a:extLst>
-                  <a:ext uri="{0D108BD9-81ED-4DB2-BD59-A6C34878D82A}">
-                    <a16:rowId xmlns:a16="http://schemas.microsoft.com/office/drawing/2014/main" val="3982913307"/>
-                  </a:ext>
-                </a:extLst>
-              </a:tr>
-              <a:tr h="320545">
-                <a:tc>
-                  <a:txBody>
-                    <a:bodyPr/>
-                    <a:lstStyle/>
-                    <a:p>
-                      <a:pPr algn="ctr" latinLnBrk="1"/>
-                      <a:r>
-                        <a:rPr lang="en-US" altLang="ko-KR" sz="1200" b="0" spc="-150" dirty="0">
-                          <a:solidFill>
-                            <a:schemeClr val="tx1"/>
-                          </a:solidFill>
-                          <a:latin typeface="Lucida Fax" panose="02060602050505020204" pitchFamily="18" charset="0"/>
-                        </a:rPr>
-                        <a:t>Large</a:t>
-                      </a:r>
-                      <a:endParaRPr lang="ko-KR" altLang="en-US" sz="1200" b="0" spc="-150" dirty="0">
-                        <a:solidFill>
-                          <a:schemeClr val="tx1"/>
-                        </a:solidFill>
-                        <a:latin typeface="Lucida Fax" panose="02060602050505020204" pitchFamily="18" charset="0"/>
-                      </a:endParaRPr>
-                    </a:p>
-                  </a:txBody>
-                  <a:tcPr>
-                    <a:lnL w="3175" cap="flat" cmpd="sng" algn="ctr">
-                      <a:solidFill>
-                        <a:schemeClr val="tx1">
-                          <a:lumMod val="50000"/>
-                          <a:lumOff val="50000"/>
-                        </a:schemeClr>
-                      </a:solidFill>
-                      <a:prstDash val="solid"/>
-                      <a:round/>
-                      <a:headEnd type="none" w="med" len="med"/>
-                      <a:tailEnd type="none" w="med" len="med"/>
-                    </a:lnL>
-                    <a:lnR w="3175" cap="flat" cmpd="sng" algn="ctr">
-                      <a:solidFill>
-                        <a:schemeClr val="tx1">
-                          <a:lumMod val="50000"/>
-                          <a:lumOff val="50000"/>
-                        </a:schemeClr>
-                      </a:solidFill>
-                      <a:prstDash val="solid"/>
-                      <a:round/>
-                      <a:headEnd type="none" w="med" len="med"/>
-                      <a:tailEnd type="none" w="med" len="med"/>
-                    </a:lnR>
-                    <a:lnT w="3175" cap="flat" cmpd="sng" algn="ctr">
-                      <a:solidFill>
-                        <a:schemeClr val="tx1">
-                          <a:lumMod val="50000"/>
-                          <a:lumOff val="50000"/>
-                        </a:schemeClr>
-                      </a:solidFill>
-                      <a:prstDash val="solid"/>
-                      <a:round/>
-                      <a:headEnd type="none" w="med" len="med"/>
-                      <a:tailEnd type="none" w="med" len="med"/>
-                    </a:lnT>
-                    <a:lnB w="3175" cap="flat" cmpd="sng" algn="ctr">
-                      <a:solidFill>
-                        <a:schemeClr val="tx1">
-                          <a:lumMod val="50000"/>
-                          <a:lumOff val="50000"/>
-                        </a:schemeClr>
-                      </a:solidFill>
-                      <a:prstDash val="solid"/>
-                      <a:round/>
-                      <a:headEnd type="none" w="med" len="med"/>
-                      <a:tailEnd type="none" w="med" len="med"/>
-                    </a:lnB>
-                    <a:noFill/>
-                  </a:tcPr>
-                </a:tc>
-                <a:tc>
-                  <a:txBody>
-                    <a:bodyPr/>
-                    <a:lstStyle/>
-                    <a:p>
-                      <a:pPr algn="ctr" latinLnBrk="1"/>
-                      <a:r>
-                        <a:rPr lang="en-US" altLang="ko-KR" sz="1200" b="0" spc="-150" dirty="0">
-                          <a:solidFill>
-                            <a:schemeClr val="tx1"/>
-                          </a:solidFill>
-                          <a:latin typeface="Lucida Fax" panose="02060602050505020204" pitchFamily="18" charset="0"/>
-                        </a:rPr>
-                        <a:t>2</a:t>
-                      </a:r>
-                      <a:endParaRPr lang="ko-KR" altLang="en-US" sz="1200" b="0" spc="-150" dirty="0">
+                      <a:endParaRPr lang="ko-KR" altLang="en-US" sz="1050" b="0" spc="-150" dirty="0">
                         <a:solidFill>
                           <a:schemeClr val="tx1"/>
                         </a:solidFill>
@@ -25098,234 +25502,7 @@
                     <a:p>
                       <a:pPr algn="ctr"/>
                       <a:r>
-                        <a:rPr lang="en-US" altLang="ko-KR" sz="1200" b="0" spc="-150" dirty="0">
-                          <a:solidFill>
-                            <a:schemeClr val="tx1"/>
-                          </a:solidFill>
-                          <a:effectLst/>
-                          <a:latin typeface="Lucida Fax" panose="02060602050505020204" pitchFamily="18" charset="0"/>
-                        </a:rPr>
-                        <a:t>82,506</a:t>
-                      </a:r>
-                    </a:p>
-                  </a:txBody>
-                  <a:tcPr marL="19050" marR="19050" marT="19050" marB="19050" anchor="ctr">
-                    <a:lnL w="3175" cap="flat" cmpd="sng" algn="ctr">
-                      <a:solidFill>
-                        <a:schemeClr val="tx1">
-                          <a:lumMod val="50000"/>
-                          <a:lumOff val="50000"/>
-                        </a:schemeClr>
-                      </a:solidFill>
-                      <a:prstDash val="solid"/>
-                      <a:round/>
-                      <a:headEnd type="none" w="med" len="med"/>
-                      <a:tailEnd type="none" w="med" len="med"/>
-                    </a:lnL>
-                    <a:lnR w="3175" cap="flat" cmpd="sng" algn="ctr">
-                      <a:solidFill>
-                        <a:schemeClr val="tx1">
-                          <a:lumMod val="50000"/>
-                          <a:lumOff val="50000"/>
-                        </a:schemeClr>
-                      </a:solidFill>
-                      <a:prstDash val="solid"/>
-                      <a:round/>
-                      <a:headEnd type="none" w="med" len="med"/>
-                      <a:tailEnd type="none" w="med" len="med"/>
-                    </a:lnR>
-                    <a:lnT w="3175" cap="flat" cmpd="sng" algn="ctr">
-                      <a:solidFill>
-                        <a:schemeClr val="tx1">
-                          <a:lumMod val="50000"/>
-                          <a:lumOff val="50000"/>
-                        </a:schemeClr>
-                      </a:solidFill>
-                      <a:prstDash val="solid"/>
-                      <a:round/>
-                      <a:headEnd type="none" w="med" len="med"/>
-                      <a:tailEnd type="none" w="med" len="med"/>
-                    </a:lnT>
-                    <a:lnB w="3175" cap="flat" cmpd="sng" algn="ctr">
-                      <a:solidFill>
-                        <a:schemeClr val="tx1">
-                          <a:lumMod val="50000"/>
-                          <a:lumOff val="50000"/>
-                        </a:schemeClr>
-                      </a:solidFill>
-                      <a:prstDash val="solid"/>
-                      <a:round/>
-                      <a:headEnd type="none" w="med" len="med"/>
-                      <a:tailEnd type="none" w="med" len="med"/>
-                    </a:lnB>
-                    <a:noFill/>
-                  </a:tcPr>
-                </a:tc>
-                <a:extLst>
-                  <a:ext uri="{0D108BD9-81ED-4DB2-BD59-A6C34878D82A}">
-                    <a16:rowId xmlns:a16="http://schemas.microsoft.com/office/drawing/2014/main" val="323488874"/>
-                  </a:ext>
-                </a:extLst>
-              </a:tr>
-              <a:tr h="320545">
-                <a:tc>
-                  <a:txBody>
-                    <a:bodyPr/>
-                    <a:lstStyle/>
-                    <a:p>
-                      <a:pPr algn="ctr" latinLnBrk="1"/>
-                      <a:r>
-                        <a:rPr lang="en-US" altLang="ko-KR" sz="1200" b="0" spc="-150" dirty="0" err="1">
-                          <a:solidFill>
-                            <a:schemeClr val="tx1"/>
-                          </a:solidFill>
-                          <a:latin typeface="Lucida Fax" panose="02060602050505020204" pitchFamily="18" charset="0"/>
-                        </a:rPr>
-                        <a:t>Xlarge</a:t>
-                      </a:r>
-                      <a:endParaRPr lang="ko-KR" altLang="en-US" sz="1200" b="0" spc="-150" dirty="0">
-                        <a:solidFill>
-                          <a:schemeClr val="tx1"/>
-                        </a:solidFill>
-                        <a:latin typeface="Lucida Fax" panose="02060602050505020204" pitchFamily="18" charset="0"/>
-                      </a:endParaRPr>
-                    </a:p>
-                  </a:txBody>
-                  <a:tcPr>
-                    <a:lnL w="3175" cap="flat" cmpd="sng" algn="ctr">
-                      <a:solidFill>
-                        <a:schemeClr val="tx1">
-                          <a:lumMod val="50000"/>
-                          <a:lumOff val="50000"/>
-                        </a:schemeClr>
-                      </a:solidFill>
-                      <a:prstDash val="solid"/>
-                      <a:round/>
-                      <a:headEnd type="none" w="med" len="med"/>
-                      <a:tailEnd type="none" w="med" len="med"/>
-                    </a:lnL>
-                    <a:lnR w="3175" cap="flat" cmpd="sng" algn="ctr">
-                      <a:solidFill>
-                        <a:schemeClr val="tx1">
-                          <a:lumMod val="50000"/>
-                          <a:lumOff val="50000"/>
-                        </a:schemeClr>
-                      </a:solidFill>
-                      <a:prstDash val="solid"/>
-                      <a:round/>
-                      <a:headEnd type="none" w="med" len="med"/>
-                      <a:tailEnd type="none" w="med" len="med"/>
-                    </a:lnR>
-                    <a:lnT w="3175" cap="flat" cmpd="sng" algn="ctr">
-                      <a:solidFill>
-                        <a:schemeClr val="tx1">
-                          <a:lumMod val="50000"/>
-                          <a:lumOff val="50000"/>
-                        </a:schemeClr>
-                      </a:solidFill>
-                      <a:prstDash val="solid"/>
-                      <a:round/>
-                      <a:headEnd type="none" w="med" len="med"/>
-                      <a:tailEnd type="none" w="med" len="med"/>
-                    </a:lnT>
-                    <a:lnB w="3175" cap="flat" cmpd="sng" algn="ctr">
-                      <a:solidFill>
-                        <a:schemeClr val="tx1">
-                          <a:lumMod val="50000"/>
-                          <a:lumOff val="50000"/>
-                        </a:schemeClr>
-                      </a:solidFill>
-                      <a:prstDash val="solid"/>
-                      <a:round/>
-                      <a:headEnd type="none" w="med" len="med"/>
-                      <a:tailEnd type="none" w="med" len="med"/>
-                    </a:lnB>
-                    <a:noFill/>
-                  </a:tcPr>
-                </a:tc>
-                <a:tc>
-                  <a:txBody>
-                    <a:bodyPr/>
-                    <a:lstStyle/>
-                    <a:p>
-                      <a:pPr algn="ctr" latinLnBrk="1"/>
-                      <a:r>
-                        <a:rPr lang="en-US" altLang="ko-KR" sz="1200" b="0" spc="-150" dirty="0">
-                          <a:solidFill>
-                            <a:schemeClr val="tx1"/>
-                          </a:solidFill>
-                          <a:latin typeface="Lucida Fax" panose="02060602050505020204" pitchFamily="18" charset="0"/>
-                        </a:rPr>
-                        <a:t>4</a:t>
-                      </a:r>
-                      <a:endParaRPr lang="ko-KR" altLang="en-US" sz="1200" b="0" spc="-150" dirty="0">
-                        <a:solidFill>
-                          <a:schemeClr val="tx1"/>
-                        </a:solidFill>
-                        <a:latin typeface="Lucida Fax" panose="02060602050505020204" pitchFamily="18" charset="0"/>
-                      </a:endParaRPr>
-                    </a:p>
-                  </a:txBody>
-                  <a:tcPr>
-                    <a:lnL w="3175" cap="flat" cmpd="sng" algn="ctr">
-                      <a:solidFill>
-                        <a:schemeClr val="tx1">
-                          <a:lumMod val="50000"/>
-                          <a:lumOff val="50000"/>
-                        </a:schemeClr>
-                      </a:solidFill>
-                      <a:prstDash val="solid"/>
-                      <a:round/>
-                      <a:headEnd type="none" w="med" len="med"/>
-                      <a:tailEnd type="none" w="med" len="med"/>
-                    </a:lnL>
-                    <a:lnR w="3175" cap="flat" cmpd="sng" algn="ctr">
-                      <a:solidFill>
-                        <a:schemeClr val="tx1">
-                          <a:lumMod val="50000"/>
-                          <a:lumOff val="50000"/>
-                        </a:schemeClr>
-                      </a:solidFill>
-                      <a:prstDash val="solid"/>
-                      <a:round/>
-                      <a:headEnd type="none" w="med" len="med"/>
-                      <a:tailEnd type="none" w="med" len="med"/>
-                    </a:lnR>
-                    <a:lnT w="3175" cap="flat" cmpd="sng" algn="ctr">
-                      <a:solidFill>
-                        <a:schemeClr val="tx1">
-                          <a:lumMod val="50000"/>
-                          <a:lumOff val="50000"/>
-                        </a:schemeClr>
-                      </a:solidFill>
-                      <a:prstDash val="solid"/>
-                      <a:round/>
-                      <a:headEnd type="none" w="med" len="med"/>
-                      <a:tailEnd type="none" w="med" len="med"/>
-                    </a:lnT>
-                    <a:lnB w="3175" cap="flat" cmpd="sng" algn="ctr">
-                      <a:solidFill>
-                        <a:schemeClr val="tx1">
-                          <a:lumMod val="50000"/>
-                          <a:lumOff val="50000"/>
-                        </a:schemeClr>
-                      </a:solidFill>
-                      <a:prstDash val="solid"/>
-                      <a:round/>
-                      <a:headEnd type="none" w="med" len="med"/>
-                      <a:tailEnd type="none" w="med" len="med"/>
-                    </a:lnB>
-                    <a:noFill/>
-                  </a:tcPr>
-                </a:tc>
-                <a:tc>
-                  <a:txBody>
-                    <a:bodyPr/>
-                    <a:lstStyle/>
-                    <a:p>
-                      <a:pPr algn="ctr"/>
-                      <a:r>
-                        <a:rPr lang="en-US" altLang="ko-KR" sz="1200" b="0" spc="-150" dirty="0">
+                        <a:rPr lang="en-US" altLang="ko-KR" sz="1050" b="0" spc="-150" dirty="0">
                           <a:solidFill>
                             <a:schemeClr val="tx1"/>
                           </a:solidFill>
@@ -25394,7 +25571,7 @@
                   </a:ext>
                 </a:extLst>
               </a:tr>
-              <a:tr h="320545">
+              <a:tr h="224016">
                 <a:tc>
                   <a:txBody>
                     <a:bodyPr/>
@@ -25402,7 +25579,7 @@
                     <a:p>
                       <a:pPr algn="ctr" latinLnBrk="1"/>
                       <a:r>
-                        <a:rPr lang="en-US" altLang="ko-KR" sz="1200" b="0" spc="-150" dirty="0">
+                        <a:rPr lang="en-US" altLang="ko-KR" sz="1050" b="0" spc="-150" dirty="0">
                           <a:solidFill>
                             <a:schemeClr val="tx1"/>
                           </a:solidFill>
@@ -25410,7 +25587,7 @@
                         </a:rPr>
                         <a:t>2xlarge</a:t>
                       </a:r>
-                      <a:endParaRPr lang="ko-KR" altLang="en-US" sz="1200" b="0" spc="-150" dirty="0">
+                      <a:endParaRPr lang="ko-KR" altLang="en-US" sz="1050" b="0" spc="-150" dirty="0">
                         <a:solidFill>
                           <a:schemeClr val="tx1"/>
                         </a:solidFill>
@@ -25477,7 +25654,7 @@
                     <a:p>
                       <a:pPr algn="ctr" latinLnBrk="1"/>
                       <a:r>
-                        <a:rPr lang="en-US" altLang="ko-KR" sz="1200" b="0" spc="-150" dirty="0">
+                        <a:rPr lang="en-US" altLang="ko-KR" sz="1050" b="0" spc="-150" dirty="0">
                           <a:solidFill>
                             <a:schemeClr val="tx1"/>
                           </a:solidFill>
@@ -25485,7 +25662,7 @@
                         </a:rPr>
                         <a:t>8</a:t>
                       </a:r>
-                      <a:endParaRPr lang="ko-KR" altLang="en-US" sz="1200" b="0" spc="-150" dirty="0">
+                      <a:endParaRPr lang="ko-KR" altLang="en-US" sz="1050" b="0" spc="-150" dirty="0">
                         <a:solidFill>
                           <a:schemeClr val="tx1"/>
                         </a:solidFill>
@@ -25552,7 +25729,7 @@
                     <a:p>
                       <a:pPr algn="ctr"/>
                       <a:r>
-                        <a:rPr lang="en-US" altLang="ko-KR" sz="1200" b="0" spc="-150" dirty="0">
+                        <a:rPr lang="en-US" altLang="ko-KR" sz="1050" b="0" spc="-150" dirty="0">
                           <a:solidFill>
                             <a:schemeClr val="tx1"/>
                           </a:solidFill>
@@ -25621,7 +25798,7 @@
                   </a:ext>
                 </a:extLst>
               </a:tr>
-              <a:tr h="320545">
+              <a:tr h="224016">
                 <a:tc>
                   <a:txBody>
                     <a:bodyPr/>
@@ -25629,7 +25806,7 @@
                     <a:p>
                       <a:pPr algn="ctr" latinLnBrk="1"/>
                       <a:r>
-                        <a:rPr lang="en-US" altLang="ko-KR" sz="1200" b="0" spc="-150" dirty="0">
+                        <a:rPr lang="en-US" altLang="ko-KR" sz="1050" b="0" spc="-150" dirty="0">
                           <a:solidFill>
                             <a:schemeClr val="tx1"/>
                           </a:solidFill>
@@ -25637,7 +25814,7 @@
                         </a:rPr>
                         <a:t>4xlarge</a:t>
                       </a:r>
-                      <a:endParaRPr lang="ko-KR" altLang="en-US" sz="1200" b="0" spc="-150" dirty="0">
+                      <a:endParaRPr lang="ko-KR" altLang="en-US" sz="1050" b="0" spc="-150" dirty="0">
                         <a:solidFill>
                           <a:schemeClr val="tx1"/>
                         </a:solidFill>
@@ -25704,7 +25881,7 @@
                     <a:p>
                       <a:pPr algn="ctr" latinLnBrk="1"/>
                       <a:r>
-                        <a:rPr lang="en-US" altLang="ko-KR" sz="1200" b="0" spc="-150" dirty="0">
+                        <a:rPr lang="en-US" altLang="ko-KR" sz="1050" b="0" spc="-150" dirty="0">
                           <a:solidFill>
                             <a:schemeClr val="tx1"/>
                           </a:solidFill>
@@ -25712,7 +25889,7 @@
                         </a:rPr>
                         <a:t>16</a:t>
                       </a:r>
-                      <a:endParaRPr lang="ko-KR" altLang="en-US" sz="1200" b="0" spc="-150" dirty="0">
+                      <a:endParaRPr lang="ko-KR" altLang="en-US" sz="1050" b="0" spc="-150" dirty="0">
                         <a:solidFill>
                           <a:schemeClr val="tx1"/>
                         </a:solidFill>
@@ -25779,7 +25956,7 @@
                     <a:p>
                       <a:pPr algn="ctr"/>
                       <a:r>
-                        <a:rPr lang="en-US" altLang="ko-KR" sz="1200" b="0" spc="-150" dirty="0">
+                        <a:rPr lang="en-US" altLang="ko-KR" sz="1050" b="0" spc="-150" dirty="0">
                           <a:solidFill>
                             <a:schemeClr val="tx1"/>
                           </a:solidFill>
@@ -25866,8 +26043,8 @@
         </p:nvSpPr>
         <p:spPr>
           <a:xfrm>
-            <a:off x="5488381" y="3678449"/>
-            <a:ext cx="4679643" cy="272960"/>
+            <a:off x="5791378" y="6438545"/>
+            <a:ext cx="4679643" cy="252890"/>
           </a:xfrm>
           <a:prstGeom prst="rect">
             <a:avLst/>
@@ -25885,7 +26062,7 @@
               </a:lnSpc>
             </a:pPr>
             <a:r>
-              <a:rPr lang="en-US" altLang="ko-KR" sz="900" dirty="0">
+              <a:rPr lang="en-US" altLang="ko-KR" sz="800" dirty="0">
                 <a:solidFill>
                   <a:schemeClr val="tx1">
                     <a:lumMod val="50000"/>
@@ -25898,7 +26075,7 @@
               <a:t>Reference HW: large/2.4GHz intel/</a:t>
             </a:r>
             <a:r>
-              <a:rPr lang="en-US" altLang="ko-KR" sz="900" dirty="0" err="1">
+              <a:rPr lang="en-US" altLang="ko-KR" sz="800" dirty="0" err="1">
                 <a:solidFill>
                   <a:schemeClr val="tx1">
                     <a:lumMod val="50000"/>
@@ -25911,7 +26088,7 @@
               <a:t>xeon</a:t>
             </a:r>
             <a:r>
-              <a:rPr lang="en-US" altLang="ko-KR" sz="900" dirty="0">
+              <a:rPr lang="en-US" altLang="ko-KR" sz="800" dirty="0">
                 <a:solidFill>
                   <a:schemeClr val="tx1">
                     <a:lumMod val="50000"/>
@@ -26035,7 +26212,7 @@
                 <a:ea typeface="Adobe 고딕 Std B" panose="020B0800000000000000" pitchFamily="34" charset="-127"/>
                 <a:cs typeface="함초롬바탕" panose="02030604000101010101" pitchFamily="18" charset="-127"/>
               </a:rPr>
-              <a:t>Conclusion :: Proposal</a:t>
+              <a:t>Conclusion :: Proposal architecture</a:t>
             </a:r>
             <a:endParaRPr lang="ko-KR" altLang="en-US" sz="3600" b="1" spc="-300" dirty="0">
               <a:latin typeface="Lucida Fax" panose="02060602050505020204" pitchFamily="18" charset="0"/>
@@ -26059,7 +26236,7 @@
         <p:spPr>
           <a:xfrm>
             <a:off x="492087" y="1103225"/>
-            <a:ext cx="11699913" cy="5203284"/>
+            <a:ext cx="11699913" cy="5676875"/>
           </a:xfrm>
           <a:prstGeom prst="rect">
             <a:avLst/>
@@ -26074,7 +26251,7 @@
           <a:p>
             <a:pPr>
               <a:lnSpc>
-                <a:spcPct val="150000"/>
+                <a:spcPct val="120000"/>
               </a:lnSpc>
             </a:pPr>
             <a:r>
@@ -26082,13 +26259,32 @@
                 <a:latin typeface="Lucida Fax" panose="02060602050505020204" pitchFamily="18" charset="0"/>
                 <a:ea typeface="Adobe 고딕 Std B" panose="020B0800000000000000" pitchFamily="34" charset="-127"/>
               </a:rPr>
-              <a:t>My Proposal,</a:t>
+              <a:t>My customer needs a cost-effective cloud architecture (endure 10,000 user service and less money to pay monthly) </a:t>
             </a:r>
           </a:p>
           <a:p>
             <a:pPr>
               <a:lnSpc>
-                <a:spcPct val="150000"/>
+                <a:spcPct val="120000"/>
+              </a:lnSpc>
+            </a:pPr>
+            <a:r>
+              <a:rPr lang="en-US" altLang="ko-KR" sz="2800" b="1" spc="-150" dirty="0">
+                <a:solidFill>
+                  <a:schemeClr val="accent2">
+                    <a:lumMod val="75000"/>
+                  </a:schemeClr>
+                </a:solidFill>
+                <a:latin typeface="Lucida Fax" panose="02060602050505020204" pitchFamily="18" charset="0"/>
+                <a:ea typeface="Adobe 고딕 Std B" panose="020B0800000000000000" pitchFamily="34" charset="-127"/>
+              </a:rPr>
+              <a:t>→ So, I propose minimal-size cloud architecture. but, it was solving the reliability, security, cost, operation and performance needs.</a:t>
+            </a:r>
+          </a:p>
+          <a:p>
+            <a:pPr>
+              <a:lnSpc>
+                <a:spcPct val="120000"/>
               </a:lnSpc>
             </a:pPr>
             <a:endParaRPr lang="en-US" altLang="ko-KR" sz="2800" b="1" spc="-150" dirty="0">
@@ -26099,7 +26295,7 @@
           <a:p>
             <a:pPr>
               <a:lnSpc>
-                <a:spcPct val="150000"/>
+                <a:spcPct val="120000"/>
               </a:lnSpc>
             </a:pPr>
             <a:endParaRPr lang="en-US" altLang="ko-KR" sz="2800" b="1" spc="-150" dirty="0">
@@ -26110,7 +26306,7 @@
           <a:p>
             <a:pPr>
               <a:lnSpc>
-                <a:spcPct val="150000"/>
+                <a:spcPct val="120000"/>
               </a:lnSpc>
             </a:pPr>
             <a:endParaRPr lang="en-US" altLang="ko-KR" sz="2800" b="1" spc="-150" dirty="0">
@@ -26121,7 +26317,7 @@
           <a:p>
             <a:pPr>
               <a:lnSpc>
-                <a:spcPct val="150000"/>
+                <a:spcPct val="120000"/>
               </a:lnSpc>
             </a:pPr>
             <a:endParaRPr lang="en-US" altLang="ko-KR" sz="2800" b="1" spc="-150" dirty="0">
@@ -26132,7 +26328,7 @@
           <a:p>
             <a:pPr>
               <a:lnSpc>
-                <a:spcPct val="150000"/>
+                <a:spcPct val="120000"/>
               </a:lnSpc>
             </a:pPr>
             <a:r>
@@ -26146,7 +26342,7 @@
           <a:p>
             <a:pPr marL="457200" indent="-457200">
               <a:lnSpc>
-                <a:spcPct val="150000"/>
+                <a:spcPct val="120000"/>
               </a:lnSpc>
               <a:buFont typeface="Wingdings" panose="05000000000000000000" pitchFamily="2" charset="2"/>
               <a:buChar char="§"/>
@@ -26159,7 +26355,7 @@
           <a:p>
             <a:pPr>
               <a:lnSpc>
-                <a:spcPct val="150000"/>
+                <a:spcPct val="120000"/>
               </a:lnSpc>
             </a:pPr>
             <a:r>
@@ -26173,7 +26369,7 @@
           <a:p>
             <a:pPr marL="342900" indent="-342900">
               <a:lnSpc>
-                <a:spcPct val="150000"/>
+                <a:spcPct val="120000"/>
               </a:lnSpc>
               <a:buFont typeface="Arial" panose="020B0604020202020204" pitchFamily="34" charset="0"/>
               <a:buChar char="•"/>
@@ -26220,14 +26416,14 @@
           <p:nvPr>
             <p:extLst>
               <p:ext uri="{D42A27DB-BD31-4B8C-83A1-F6EECF244321}">
-                <p14:modId xmlns:p14="http://schemas.microsoft.com/office/powerpoint/2010/main" val="2137210234"/>
+                <p14:modId xmlns:p14="http://schemas.microsoft.com/office/powerpoint/2010/main" val="1196269165"/>
               </p:ext>
             </p:extLst>
           </p:nvPr>
         </p:nvGraphicFramePr>
         <p:xfrm>
-          <a:off x="660467" y="2010728"/>
-          <a:ext cx="5308071" cy="2743200"/>
+          <a:off x="638823" y="3509487"/>
+          <a:ext cx="5308071" cy="2514600"/>
         </p:xfrm>
         <a:graphic>
           <a:graphicData uri="http://schemas.openxmlformats.org/drawingml/2006/table">
@@ -26273,12 +26469,12 @@
                     <a:p>
                       <a:pPr algn="ctr" latinLnBrk="1"/>
                       <a:r>
-                        <a:rPr lang="en-US" altLang="ko-KR" sz="1200" b="1" spc="-150" dirty="0">
+                        <a:rPr lang="en-US" altLang="ko-KR" sz="1050" b="1" spc="-150" dirty="0">
                           <a:latin typeface="Lucida Fax" panose="02060602050505020204" pitchFamily="18" charset="0"/>
                         </a:rPr>
                         <a:t>model</a:t>
                       </a:r>
-                      <a:endParaRPr lang="ko-KR" altLang="en-US" sz="1200" b="1" spc="-150" dirty="0">
+                      <a:endParaRPr lang="ko-KR" altLang="en-US" sz="1050" b="1" spc="-150" dirty="0">
                         <a:latin typeface="Lucida Fax" panose="02060602050505020204" pitchFamily="18" charset="0"/>
                       </a:endParaRPr>
                     </a:p>
@@ -26342,12 +26538,12 @@
                     <a:p>
                       <a:pPr algn="ctr" latinLnBrk="1"/>
                       <a:r>
-                        <a:rPr lang="en-US" altLang="ko-KR" sz="1200" b="1" spc="-150" dirty="0">
+                        <a:rPr lang="en-US" altLang="ko-KR" sz="1050" b="1" spc="-150" dirty="0">
                           <a:latin typeface="Lucida Fax" panose="02060602050505020204" pitchFamily="18" charset="0"/>
                         </a:rPr>
                         <a:t>Unit</a:t>
                       </a:r>
-                      <a:endParaRPr lang="ko-KR" altLang="en-US" sz="1200" b="1" spc="-150" dirty="0">
+                      <a:endParaRPr lang="ko-KR" altLang="en-US" sz="1050" b="1" spc="-150" dirty="0">
                         <a:latin typeface="Lucida Fax" panose="02060602050505020204" pitchFamily="18" charset="0"/>
                       </a:endParaRPr>
                     </a:p>
@@ -26411,12 +26607,12 @@
                     <a:p>
                       <a:pPr algn="ctr" latinLnBrk="1"/>
                       <a:r>
-                        <a:rPr lang="en-US" altLang="ko-KR" sz="1200" b="1" spc="-150" dirty="0">
+                        <a:rPr lang="en-US" altLang="ko-KR" sz="1050" b="1" spc="-150" dirty="0">
                           <a:latin typeface="Lucida Fax" panose="02060602050505020204" pitchFamily="18" charset="0"/>
                         </a:rPr>
                         <a:t>Cost</a:t>
                       </a:r>
-                      <a:endParaRPr lang="ko-KR" altLang="en-US" sz="1200" b="1" spc="-150" dirty="0">
+                      <a:endParaRPr lang="ko-KR" altLang="en-US" sz="1050" b="1" spc="-150" dirty="0">
                         <a:latin typeface="Lucida Fax" panose="02060602050505020204" pitchFamily="18" charset="0"/>
                       </a:endParaRPr>
                     </a:p>
@@ -26480,12 +26676,12 @@
                     <a:p>
                       <a:pPr algn="ctr" latinLnBrk="1"/>
                       <a:r>
-                        <a:rPr lang="en-US" altLang="ko-KR" sz="1200" b="1" dirty="0">
+                        <a:rPr lang="en-US" altLang="ko-KR" sz="1050" b="1" dirty="0">
                           <a:latin typeface="Lucida Fax" panose="02060602050505020204" pitchFamily="18" charset="0"/>
                         </a:rPr>
                         <a:t>Description</a:t>
                       </a:r>
-                      <a:endParaRPr lang="ko-KR" altLang="en-US" sz="1200" b="1" dirty="0">
+                      <a:endParaRPr lang="ko-KR" altLang="en-US" sz="1050" b="1" dirty="0">
                         <a:latin typeface="Lucida Fax" panose="02060602050505020204" pitchFamily="18" charset="0"/>
                       </a:endParaRPr>
                     </a:p>
@@ -26556,12 +26752,18 @@
                     <a:p>
                       <a:pPr latinLnBrk="1"/>
                       <a:r>
-                        <a:rPr lang="en-US" altLang="ko-KR" sz="1200" b="0" spc="-150" dirty="0">
+                        <a:rPr lang="en-US" altLang="ko-KR" sz="1050" b="0" spc="-150" dirty="0">
+                          <a:solidFill>
+                            <a:schemeClr val="tx1"/>
+                          </a:solidFill>
                           <a:latin typeface="Lucida Fax" panose="02060602050505020204" pitchFamily="18" charset="0"/>
                         </a:rPr>
                         <a:t>EC2 (t3.xlarge)</a:t>
                       </a:r>
-                      <a:endParaRPr lang="ko-KR" altLang="en-US" sz="1200" b="0" spc="-150" dirty="0">
+                      <a:endParaRPr lang="ko-KR" altLang="en-US" sz="1050" b="0" spc="-150" dirty="0">
+                        <a:solidFill>
+                          <a:schemeClr val="tx1"/>
+                        </a:solidFill>
                         <a:latin typeface="Lucida Fax" panose="02060602050505020204" pitchFamily="18" charset="0"/>
                       </a:endParaRPr>
                     </a:p>
@@ -26625,12 +26827,18 @@
                     <a:p>
                       <a:pPr algn="ctr" latinLnBrk="1"/>
                       <a:r>
-                        <a:rPr lang="en-US" altLang="ko-KR" sz="1200" b="0" spc="-150" dirty="0">
+                        <a:rPr lang="en-US" altLang="ko-KR" sz="1050" b="0" spc="-150" dirty="0">
+                          <a:solidFill>
+                            <a:schemeClr val="tx1"/>
+                          </a:solidFill>
                           <a:latin typeface="Lucida Fax" panose="02060602050505020204" pitchFamily="18" charset="0"/>
                         </a:rPr>
                         <a:t>2</a:t>
                       </a:r>
-                      <a:endParaRPr lang="ko-KR" altLang="en-US" sz="1200" b="0" spc="-150" dirty="0">
+                      <a:endParaRPr lang="ko-KR" altLang="en-US" sz="1050" b="0" spc="-150" dirty="0">
+                        <a:solidFill>
+                          <a:schemeClr val="tx1"/>
+                        </a:solidFill>
                         <a:latin typeface="Lucida Fax" panose="02060602050505020204" pitchFamily="18" charset="0"/>
                       </a:endParaRPr>
                     </a:p>
@@ -26694,12 +26902,18 @@
                     <a:p>
                       <a:pPr algn="r" latinLnBrk="1"/>
                       <a:r>
-                        <a:rPr lang="en-US" altLang="ko-KR" sz="1200" b="0" spc="-150" dirty="0">
+                        <a:rPr lang="en-US" altLang="ko-KR" sz="1050" b="0" spc="-150" dirty="0">
+                          <a:solidFill>
+                            <a:schemeClr val="tx1"/>
+                          </a:solidFill>
                           <a:latin typeface="Lucida Fax" panose="02060602050505020204" pitchFamily="18" charset="0"/>
                         </a:rPr>
                         <a:t>$ 609</a:t>
                       </a:r>
-                      <a:endParaRPr lang="ko-KR" altLang="en-US" sz="1200" b="0" spc="-150" dirty="0">
+                      <a:endParaRPr lang="ko-KR" altLang="en-US" sz="1050" b="0" spc="-150" dirty="0">
+                        <a:solidFill>
+                          <a:schemeClr val="tx1"/>
+                        </a:solidFill>
                         <a:latin typeface="Lucida Fax" panose="02060602050505020204" pitchFamily="18" charset="0"/>
                       </a:endParaRPr>
                     </a:p>
@@ -26762,7 +26976,10 @@
                     <a:lstStyle/>
                     <a:p>
                       <a:pPr latinLnBrk="1"/>
-                      <a:endParaRPr lang="ko-KR" altLang="en-US" sz="1200" b="0" dirty="0">
+                      <a:endParaRPr lang="ko-KR" altLang="en-US" sz="1050" b="0" dirty="0">
+                        <a:solidFill>
+                          <a:schemeClr val="tx1"/>
+                        </a:solidFill>
                         <a:latin typeface="Lucida Fax" panose="02060602050505020204" pitchFamily="18" charset="0"/>
                       </a:endParaRPr>
                     </a:p>
@@ -26833,12 +27050,18 @@
                     <a:p>
                       <a:pPr latinLnBrk="1"/>
                       <a:r>
-                        <a:rPr lang="en-US" altLang="ko-KR" sz="1200" b="0" spc="-150" dirty="0">
+                        <a:rPr lang="en-US" altLang="ko-KR" sz="1050" b="0" spc="-150" dirty="0">
+                          <a:solidFill>
+                            <a:schemeClr val="tx1"/>
+                          </a:solidFill>
                           <a:latin typeface="Lucida Fax" panose="02060602050505020204" pitchFamily="18" charset="0"/>
                         </a:rPr>
                         <a:t>EBS (340GB)</a:t>
                       </a:r>
-                      <a:endParaRPr lang="ko-KR" altLang="en-US" sz="1200" b="0" spc="-150" dirty="0">
+                      <a:endParaRPr lang="ko-KR" altLang="en-US" sz="1050" b="0" spc="-150" dirty="0">
+                        <a:solidFill>
+                          <a:schemeClr val="tx1"/>
+                        </a:solidFill>
                         <a:latin typeface="Lucida Fax" panose="02060602050505020204" pitchFamily="18" charset="0"/>
                       </a:endParaRPr>
                     </a:p>
@@ -26902,12 +27125,18 @@
                     <a:p>
                       <a:pPr algn="ctr" latinLnBrk="1"/>
                       <a:r>
-                        <a:rPr lang="en-US" altLang="ko-KR" sz="1200" b="0" spc="-150" dirty="0">
+                        <a:rPr lang="en-US" altLang="ko-KR" sz="1050" b="0" spc="-150" dirty="0">
+                          <a:solidFill>
+                            <a:schemeClr val="tx1"/>
+                          </a:solidFill>
                           <a:latin typeface="Lucida Fax" panose="02060602050505020204" pitchFamily="18" charset="0"/>
                         </a:rPr>
                         <a:t>2</a:t>
                       </a:r>
-                      <a:endParaRPr lang="ko-KR" altLang="en-US" sz="1200" b="0" spc="-150" dirty="0">
+                      <a:endParaRPr lang="ko-KR" altLang="en-US" sz="1050" b="0" spc="-150" dirty="0">
+                        <a:solidFill>
+                          <a:schemeClr val="tx1"/>
+                        </a:solidFill>
                         <a:latin typeface="Lucida Fax" panose="02060602050505020204" pitchFamily="18" charset="0"/>
                       </a:endParaRPr>
                     </a:p>
@@ -26970,7 +27199,10 @@
                     <a:lstStyle/>
                     <a:p>
                       <a:pPr algn="r" latinLnBrk="1"/>
-                      <a:endParaRPr lang="ko-KR" altLang="en-US" sz="1200" b="0" spc="-150" dirty="0">
+                      <a:endParaRPr lang="ko-KR" altLang="en-US" sz="1050" b="0" spc="-150" dirty="0">
+                        <a:solidFill>
+                          <a:schemeClr val="tx1"/>
+                        </a:solidFill>
                         <a:latin typeface="Lucida Fax" panose="02060602050505020204" pitchFamily="18" charset="0"/>
                       </a:endParaRPr>
                     </a:p>
@@ -27033,7 +27265,10 @@
                     <a:lstStyle/>
                     <a:p>
                       <a:pPr latinLnBrk="1"/>
-                      <a:endParaRPr lang="ko-KR" altLang="en-US" sz="1200" b="0" dirty="0">
+                      <a:endParaRPr lang="ko-KR" altLang="en-US" sz="1050" b="0" dirty="0">
+                        <a:solidFill>
+                          <a:schemeClr val="tx1"/>
+                        </a:solidFill>
                         <a:latin typeface="Lucida Fax" panose="02060602050505020204" pitchFamily="18" charset="0"/>
                       </a:endParaRPr>
                     </a:p>
@@ -27104,12 +27339,18 @@
                     <a:p>
                       <a:pPr latinLnBrk="1"/>
                       <a:r>
-                        <a:rPr lang="en-US" altLang="ko-KR" sz="1200" b="0" spc="-150" dirty="0">
+                        <a:rPr lang="en-US" altLang="ko-KR" sz="1050" b="0" spc="-150" dirty="0">
+                          <a:solidFill>
+                            <a:schemeClr val="tx1"/>
+                          </a:solidFill>
                           <a:latin typeface="Lucida Fax" panose="02060602050505020204" pitchFamily="18" charset="0"/>
                         </a:rPr>
                         <a:t>EIP</a:t>
                       </a:r>
-                      <a:endParaRPr lang="ko-KR" altLang="en-US" sz="1200" b="0" spc="-150" dirty="0">
+                      <a:endParaRPr lang="ko-KR" altLang="en-US" sz="1050" b="0" spc="-150" dirty="0">
+                        <a:solidFill>
+                          <a:schemeClr val="tx1"/>
+                        </a:solidFill>
                         <a:latin typeface="Lucida Fax" panose="02060602050505020204" pitchFamily="18" charset="0"/>
                       </a:endParaRPr>
                     </a:p>
@@ -27173,12 +27414,18 @@
                     <a:p>
                       <a:pPr algn="ctr" latinLnBrk="1"/>
                       <a:r>
-                        <a:rPr lang="en-US" altLang="ko-KR" sz="1200" b="0" spc="-150" dirty="0">
+                        <a:rPr lang="en-US" altLang="ko-KR" sz="1050" b="0" spc="-150" dirty="0">
+                          <a:solidFill>
+                            <a:schemeClr val="tx1"/>
+                          </a:solidFill>
                           <a:latin typeface="Lucida Fax" panose="02060602050505020204" pitchFamily="18" charset="0"/>
                         </a:rPr>
                         <a:t>1</a:t>
                       </a:r>
-                      <a:endParaRPr lang="ko-KR" altLang="en-US" sz="1200" b="0" spc="-150" dirty="0">
+                      <a:endParaRPr lang="ko-KR" altLang="en-US" sz="1050" b="0" spc="-150" dirty="0">
+                        <a:solidFill>
+                          <a:schemeClr val="tx1"/>
+                        </a:solidFill>
                         <a:latin typeface="Lucida Fax" panose="02060602050505020204" pitchFamily="18" charset="0"/>
                       </a:endParaRPr>
                     </a:p>
@@ -27241,7 +27488,10 @@
                     <a:lstStyle/>
                     <a:p>
                       <a:pPr algn="r" latinLnBrk="1"/>
-                      <a:endParaRPr lang="ko-KR" altLang="en-US" sz="1200" b="0" spc="-150" dirty="0">
+                      <a:endParaRPr lang="ko-KR" altLang="en-US" sz="1050" b="0" spc="-150" dirty="0">
+                        <a:solidFill>
+                          <a:schemeClr val="tx1"/>
+                        </a:solidFill>
                         <a:latin typeface="Lucida Fax" panose="02060602050505020204" pitchFamily="18" charset="0"/>
                       </a:endParaRPr>
                     </a:p>
@@ -27304,7 +27554,10 @@
                     <a:lstStyle/>
                     <a:p>
                       <a:pPr latinLnBrk="1"/>
-                      <a:endParaRPr lang="ko-KR" altLang="en-US" sz="1200" b="0" dirty="0">
+                      <a:endParaRPr lang="ko-KR" altLang="en-US" sz="1050" b="0" dirty="0">
+                        <a:solidFill>
+                          <a:schemeClr val="tx1"/>
+                        </a:solidFill>
                         <a:latin typeface="Lucida Fax" panose="02060602050505020204" pitchFamily="18" charset="0"/>
                       </a:endParaRPr>
                     </a:p>
@@ -27375,12 +27628,18 @@
                     <a:p>
                       <a:pPr latinLnBrk="1"/>
                       <a:r>
-                        <a:rPr lang="en-US" altLang="ko-KR" sz="1200" b="0" spc="-150" dirty="0">
+                        <a:rPr lang="en-US" altLang="ko-KR" sz="1050" b="0" spc="-150" dirty="0">
+                          <a:solidFill>
+                            <a:schemeClr val="tx1"/>
+                          </a:solidFill>
                           <a:latin typeface="Lucida Fax" panose="02060602050505020204" pitchFamily="18" charset="0"/>
                         </a:rPr>
                         <a:t>S3 (1000GB)</a:t>
                       </a:r>
-                      <a:endParaRPr lang="ko-KR" altLang="en-US" sz="1200" b="0" spc="-150" dirty="0">
+                      <a:endParaRPr lang="ko-KR" altLang="en-US" sz="1050" b="0" spc="-150" dirty="0">
+                        <a:solidFill>
+                          <a:schemeClr val="tx1"/>
+                        </a:solidFill>
                         <a:latin typeface="Lucida Fax" panose="02060602050505020204" pitchFamily="18" charset="0"/>
                       </a:endParaRPr>
                     </a:p>
@@ -27444,12 +27703,18 @@
                     <a:p>
                       <a:pPr algn="ctr" latinLnBrk="1"/>
                       <a:r>
-                        <a:rPr lang="en-US" altLang="ko-KR" sz="1200" b="0" spc="-150" dirty="0">
+                        <a:rPr lang="en-US" altLang="ko-KR" sz="1050" b="0" spc="-150" dirty="0">
+                          <a:solidFill>
+                            <a:schemeClr val="tx1"/>
+                          </a:solidFill>
                           <a:latin typeface="Lucida Fax" panose="02060602050505020204" pitchFamily="18" charset="0"/>
                         </a:rPr>
                         <a:t>1</a:t>
                       </a:r>
-                      <a:endParaRPr lang="ko-KR" altLang="en-US" sz="1200" b="0" spc="-150" dirty="0">
+                      <a:endParaRPr lang="ko-KR" altLang="en-US" sz="1050" b="0" spc="-150" dirty="0">
+                        <a:solidFill>
+                          <a:schemeClr val="tx1"/>
+                        </a:solidFill>
                         <a:latin typeface="Lucida Fax" panose="02060602050505020204" pitchFamily="18" charset="0"/>
                       </a:endParaRPr>
                     </a:p>
@@ -27512,7 +27777,10 @@
                     <a:lstStyle/>
                     <a:p>
                       <a:pPr algn="r" latinLnBrk="1"/>
-                      <a:endParaRPr lang="ko-KR" altLang="en-US" sz="1200" b="0" spc="-150" dirty="0">
+                      <a:endParaRPr lang="ko-KR" altLang="en-US" sz="1050" b="0" spc="-150" dirty="0">
+                        <a:solidFill>
+                          <a:schemeClr val="tx1"/>
+                        </a:solidFill>
                         <a:latin typeface="Lucida Fax" panose="02060602050505020204" pitchFamily="18" charset="0"/>
                       </a:endParaRPr>
                     </a:p>
@@ -27575,7 +27843,10 @@
                     <a:lstStyle/>
                     <a:p>
                       <a:pPr latinLnBrk="1"/>
-                      <a:endParaRPr lang="ko-KR" altLang="en-US" sz="1200" b="0" dirty="0">
+                      <a:endParaRPr lang="ko-KR" altLang="en-US" sz="1050" b="0" dirty="0">
+                        <a:solidFill>
+                          <a:schemeClr val="tx1"/>
+                        </a:solidFill>
                         <a:latin typeface="Lucida Fax" panose="02060602050505020204" pitchFamily="18" charset="0"/>
                       </a:endParaRPr>
                     </a:p>
@@ -27646,12 +27917,18 @@
                     <a:p>
                       <a:pPr latinLnBrk="1"/>
                       <a:r>
-                        <a:rPr lang="en-US" altLang="ko-KR" sz="1200" b="0" spc="-150" dirty="0">
+                        <a:rPr lang="en-US" altLang="ko-KR" sz="1050" b="0" spc="-150" dirty="0">
+                          <a:solidFill>
+                            <a:schemeClr val="tx1"/>
+                          </a:solidFill>
                           <a:latin typeface="Lucida Fax" panose="02060602050505020204" pitchFamily="18" charset="0"/>
                         </a:rPr>
                         <a:t>ELB/Application</a:t>
                       </a:r>
-                      <a:endParaRPr lang="ko-KR" altLang="en-US" sz="1200" b="0" spc="-150" dirty="0">
+                      <a:endParaRPr lang="ko-KR" altLang="en-US" sz="1050" b="0" spc="-150" dirty="0">
+                        <a:solidFill>
+                          <a:schemeClr val="tx1"/>
+                        </a:solidFill>
                         <a:latin typeface="Lucida Fax" panose="02060602050505020204" pitchFamily="18" charset="0"/>
                       </a:endParaRPr>
                     </a:p>
@@ -27715,12 +27992,18 @@
                     <a:p>
                       <a:pPr algn="ctr" latinLnBrk="1"/>
                       <a:r>
-                        <a:rPr lang="en-US" altLang="ko-KR" sz="1200" b="0" spc="-150" dirty="0">
+                        <a:rPr lang="en-US" altLang="ko-KR" sz="1050" b="0" spc="-150" dirty="0">
+                          <a:solidFill>
+                            <a:schemeClr val="tx1"/>
+                          </a:solidFill>
                           <a:latin typeface="Lucida Fax" panose="02060602050505020204" pitchFamily="18" charset="0"/>
                         </a:rPr>
                         <a:t>1</a:t>
                       </a:r>
-                      <a:endParaRPr lang="ko-KR" altLang="en-US" sz="1200" b="0" spc="-150" dirty="0">
+                      <a:endParaRPr lang="ko-KR" altLang="en-US" sz="1050" b="0" spc="-150" dirty="0">
+                        <a:solidFill>
+                          <a:schemeClr val="tx1"/>
+                        </a:solidFill>
                         <a:latin typeface="Lucida Fax" panose="02060602050505020204" pitchFamily="18" charset="0"/>
                       </a:endParaRPr>
                     </a:p>
@@ -27783,7 +28066,10 @@
                     <a:lstStyle/>
                     <a:p>
                       <a:pPr algn="r" latinLnBrk="1"/>
-                      <a:endParaRPr lang="ko-KR" altLang="en-US" sz="1200" b="0" spc="-150" dirty="0">
+                      <a:endParaRPr lang="ko-KR" altLang="en-US" sz="1050" b="0" spc="-150" dirty="0">
+                        <a:solidFill>
+                          <a:schemeClr val="tx1"/>
+                        </a:solidFill>
                         <a:latin typeface="Lucida Fax" panose="02060602050505020204" pitchFamily="18" charset="0"/>
                       </a:endParaRPr>
                     </a:p>
@@ -27846,7 +28132,10 @@
                     <a:lstStyle/>
                     <a:p>
                       <a:pPr latinLnBrk="1"/>
-                      <a:endParaRPr lang="ko-KR" altLang="en-US" sz="1200" b="0" dirty="0">
+                      <a:endParaRPr lang="ko-KR" altLang="en-US" sz="1050" b="0" dirty="0">
+                        <a:solidFill>
+                          <a:schemeClr val="tx1"/>
+                        </a:solidFill>
                         <a:latin typeface="Lucida Fax" panose="02060602050505020204" pitchFamily="18" charset="0"/>
                       </a:endParaRPr>
                     </a:p>
@@ -27917,12 +28206,18 @@
                     <a:p>
                       <a:pPr latinLnBrk="1"/>
                       <a:r>
-                        <a:rPr lang="en-US" altLang="ko-KR" sz="1200" b="0" spc="-150" dirty="0">
+                        <a:rPr lang="en-US" altLang="ko-KR" sz="1050" b="0" spc="-150" dirty="0">
+                          <a:solidFill>
+                            <a:schemeClr val="tx1"/>
+                          </a:solidFill>
                           <a:latin typeface="Lucida Fax" panose="02060602050505020204" pitchFamily="18" charset="0"/>
                         </a:rPr>
                         <a:t>RDS /MySQL/Multi AZ (db.t2.large)</a:t>
                       </a:r>
-                      <a:endParaRPr lang="ko-KR" altLang="en-US" sz="1200" b="0" spc="-150" dirty="0">
+                      <a:endParaRPr lang="ko-KR" altLang="en-US" sz="1050" b="0" spc="-150" dirty="0">
+                        <a:solidFill>
+                          <a:schemeClr val="tx1"/>
+                        </a:solidFill>
                         <a:latin typeface="Lucida Fax" panose="02060602050505020204" pitchFamily="18" charset="0"/>
                       </a:endParaRPr>
                     </a:p>
@@ -27986,12 +28281,18 @@
                     <a:p>
                       <a:pPr algn="ctr" latinLnBrk="1"/>
                       <a:r>
-                        <a:rPr lang="en-US" altLang="ko-KR" sz="1200" b="0" spc="-150" dirty="0">
+                        <a:rPr lang="en-US" altLang="ko-KR" sz="1050" b="0" spc="-150" dirty="0">
+                          <a:solidFill>
+                            <a:schemeClr val="tx1"/>
+                          </a:solidFill>
                           <a:latin typeface="Lucida Fax" panose="02060602050505020204" pitchFamily="18" charset="0"/>
                         </a:rPr>
                         <a:t>2</a:t>
                       </a:r>
-                      <a:endParaRPr lang="ko-KR" altLang="en-US" sz="1200" b="0" spc="-150" dirty="0">
+                      <a:endParaRPr lang="ko-KR" altLang="en-US" sz="1050" b="0" spc="-150" dirty="0">
+                        <a:solidFill>
+                          <a:schemeClr val="tx1"/>
+                        </a:solidFill>
                         <a:latin typeface="Lucida Fax" panose="02060602050505020204" pitchFamily="18" charset="0"/>
                       </a:endParaRPr>
                     </a:p>
@@ -28054,7 +28355,10 @@
                     <a:lstStyle/>
                     <a:p>
                       <a:pPr algn="r" latinLnBrk="1"/>
-                      <a:endParaRPr lang="ko-KR" altLang="en-US" sz="1200" b="0" spc="-150" dirty="0">
+                      <a:endParaRPr lang="ko-KR" altLang="en-US" sz="1050" b="0" spc="-150" dirty="0">
+                        <a:solidFill>
+                          <a:schemeClr val="tx1"/>
+                        </a:solidFill>
                         <a:latin typeface="Lucida Fax" panose="02060602050505020204" pitchFamily="18" charset="0"/>
                       </a:endParaRPr>
                     </a:p>
@@ -28117,7 +28421,10 @@
                     <a:lstStyle/>
                     <a:p>
                       <a:pPr latinLnBrk="1"/>
-                      <a:endParaRPr lang="ko-KR" altLang="en-US" sz="1200" b="0" dirty="0">
+                      <a:endParaRPr lang="ko-KR" altLang="en-US" sz="1050" b="0" dirty="0">
+                        <a:solidFill>
+                          <a:schemeClr val="tx1"/>
+                        </a:solidFill>
                         <a:latin typeface="Lucida Fax" panose="02060602050505020204" pitchFamily="18" charset="0"/>
                       </a:endParaRPr>
                     </a:p>
@@ -28188,12 +28495,18 @@
                     <a:p>
                       <a:pPr latinLnBrk="1"/>
                       <a:r>
-                        <a:rPr lang="en-US" altLang="ko-KR" sz="1200" b="0" spc="-150" dirty="0">
+                        <a:rPr lang="en-US" altLang="ko-KR" sz="1050" b="0" spc="-150" dirty="0">
+                          <a:solidFill>
+                            <a:schemeClr val="tx1"/>
+                          </a:solidFill>
                           <a:latin typeface="Lucida Fax" panose="02060602050505020204" pitchFamily="18" charset="0"/>
                         </a:rPr>
                         <a:t>CloudWatch (5 x 5, 1min)</a:t>
                       </a:r>
-                      <a:endParaRPr lang="ko-KR" altLang="en-US" sz="1200" b="0" spc="-150" dirty="0">
+                      <a:endParaRPr lang="ko-KR" altLang="en-US" sz="1050" b="0" spc="-150" dirty="0">
+                        <a:solidFill>
+                          <a:schemeClr val="tx1"/>
+                        </a:solidFill>
                         <a:latin typeface="Lucida Fax" panose="02060602050505020204" pitchFamily="18" charset="0"/>
                       </a:endParaRPr>
                     </a:p>
@@ -28257,12 +28570,18 @@
                     <a:p>
                       <a:pPr algn="ctr" latinLnBrk="1"/>
                       <a:r>
-                        <a:rPr lang="en-US" altLang="ko-KR" sz="1200" b="0" spc="-150" dirty="0">
+                        <a:rPr lang="en-US" altLang="ko-KR" sz="1050" b="0" spc="-150" dirty="0">
+                          <a:solidFill>
+                            <a:schemeClr val="tx1"/>
+                          </a:solidFill>
                           <a:latin typeface="Lucida Fax" panose="02060602050505020204" pitchFamily="18" charset="0"/>
                         </a:rPr>
                         <a:t>1</a:t>
                       </a:r>
-                      <a:endParaRPr lang="ko-KR" altLang="en-US" sz="1200" b="0" spc="-150" dirty="0">
+                      <a:endParaRPr lang="ko-KR" altLang="en-US" sz="1050" b="0" spc="-150" dirty="0">
+                        <a:solidFill>
+                          <a:schemeClr val="tx1"/>
+                        </a:solidFill>
                         <a:latin typeface="Lucida Fax" panose="02060602050505020204" pitchFamily="18" charset="0"/>
                       </a:endParaRPr>
                     </a:p>
@@ -28325,7 +28644,10 @@
                     <a:lstStyle/>
                     <a:p>
                       <a:pPr algn="r" latinLnBrk="1"/>
-                      <a:endParaRPr lang="ko-KR" altLang="en-US" sz="1200" b="0" spc="-150" dirty="0">
+                      <a:endParaRPr lang="ko-KR" altLang="en-US" sz="1050" b="0" spc="-150" dirty="0">
+                        <a:solidFill>
+                          <a:schemeClr val="tx1"/>
+                        </a:solidFill>
                         <a:latin typeface="Lucida Fax" panose="02060602050505020204" pitchFamily="18" charset="0"/>
                       </a:endParaRPr>
                     </a:p>
@@ -28388,7 +28710,10 @@
                     <a:lstStyle/>
                     <a:p>
                       <a:pPr latinLnBrk="1"/>
-                      <a:endParaRPr lang="ko-KR" altLang="en-US" sz="1200" b="0" dirty="0">
+                      <a:endParaRPr lang="ko-KR" altLang="en-US" sz="1050" b="0" dirty="0">
+                        <a:solidFill>
+                          <a:schemeClr val="tx1"/>
+                        </a:solidFill>
                         <a:latin typeface="Lucida Fax" panose="02060602050505020204" pitchFamily="18" charset="0"/>
                       </a:endParaRPr>
                     </a:p>
@@ -28458,11 +28783,18 @@
                     <a:lstStyle/>
                     <a:p>
                       <a:pPr latinLnBrk="1"/>
-                      <a:endParaRPr lang="ko-KR" altLang="en-US" sz="1200" b="1" spc="-150" dirty="0">
+                      <a:r>
+                        <a:rPr lang="en-US" altLang="ko-KR" sz="1050" b="0" spc="-150" dirty="0">
+                          <a:solidFill>
+                            <a:schemeClr val="tx1"/>
+                          </a:solidFill>
+                          <a:latin typeface="Lucida Fax" panose="02060602050505020204" pitchFamily="18" charset="0"/>
+                        </a:rPr>
+                        <a:t>IAM</a:t>
+                      </a:r>
+                      <a:endParaRPr lang="ko-KR" altLang="en-US" sz="1050" b="0" spc="-150" dirty="0">
                         <a:solidFill>
-                          <a:schemeClr val="accent2">
-                            <a:lumMod val="75000"/>
-                          </a:schemeClr>
+                          <a:schemeClr val="tx1"/>
                         </a:solidFill>
                         <a:latin typeface="Lucida Fax" panose="02060602050505020204" pitchFamily="18" charset="0"/>
                       </a:endParaRPr>
@@ -28526,7 +28858,10 @@
                     <a:lstStyle/>
                     <a:p>
                       <a:pPr algn="ctr" latinLnBrk="1"/>
-                      <a:endParaRPr lang="ko-KR" altLang="en-US" sz="1200" b="0" spc="-150" dirty="0">
+                      <a:endParaRPr lang="ko-KR" altLang="en-US" sz="1050" b="0" spc="-150" dirty="0">
+                        <a:solidFill>
+                          <a:schemeClr val="tx1"/>
+                        </a:solidFill>
                         <a:latin typeface="Lucida Fax" panose="02060602050505020204" pitchFamily="18" charset="0"/>
                       </a:endParaRPr>
                     </a:p>
@@ -28589,7 +28924,10 @@
                     <a:lstStyle/>
                     <a:p>
                       <a:pPr algn="r" latinLnBrk="1"/>
-                      <a:endParaRPr lang="ko-KR" altLang="en-US" sz="1200" b="0" spc="-150" dirty="0">
+                      <a:endParaRPr lang="ko-KR" altLang="en-US" sz="1050" b="0" spc="-150" dirty="0">
+                        <a:solidFill>
+                          <a:schemeClr val="tx1"/>
+                        </a:solidFill>
                         <a:latin typeface="Lucida Fax" panose="02060602050505020204" pitchFamily="18" charset="0"/>
                       </a:endParaRPr>
                     </a:p>
@@ -28652,7 +28990,10 @@
                     <a:lstStyle/>
                     <a:p>
                       <a:pPr latinLnBrk="1"/>
-                      <a:endParaRPr lang="ko-KR" altLang="en-US" sz="1200" b="0" dirty="0">
+                      <a:endParaRPr lang="ko-KR" altLang="en-US" sz="1050" b="0" dirty="0">
+                        <a:solidFill>
+                          <a:schemeClr val="tx1"/>
+                        </a:solidFill>
                         <a:latin typeface="Lucida Fax" panose="02060602050505020204" pitchFamily="18" charset="0"/>
                       </a:endParaRPr>
                     </a:p>
@@ -28723,7 +29064,7 @@
                     <a:p>
                       <a:pPr latinLnBrk="1"/>
                       <a:r>
-                        <a:rPr lang="en-US" altLang="ko-KR" sz="1200" b="1" spc="-150" dirty="0">
+                        <a:rPr lang="en-US" altLang="ko-KR" sz="1050" b="1" spc="-150" dirty="0">
                           <a:solidFill>
                             <a:schemeClr val="accent2">
                               <a:lumMod val="50000"/>
@@ -28733,7 +29074,7 @@
                         </a:rPr>
                         <a:t>Total</a:t>
                       </a:r>
-                      <a:endParaRPr lang="ko-KR" altLang="en-US" sz="1200" b="1" spc="-150" dirty="0">
+                      <a:endParaRPr lang="ko-KR" altLang="en-US" sz="1050" b="1" spc="-150" dirty="0">
                         <a:solidFill>
                           <a:schemeClr val="accent2">
                             <a:lumMod val="50000"/>
@@ -28801,7 +29142,7 @@
                     <a:lstStyle/>
                     <a:p>
                       <a:pPr algn="ctr" latinLnBrk="1"/>
-                      <a:endParaRPr lang="ko-KR" altLang="en-US" sz="1200" b="1" spc="-150" dirty="0">
+                      <a:endParaRPr lang="ko-KR" altLang="en-US" sz="1050" b="1" spc="-150" dirty="0">
                         <a:solidFill>
                           <a:schemeClr val="accent2">
                             <a:lumMod val="50000"/>
@@ -28870,7 +29211,7 @@
                     <a:p>
                       <a:pPr algn="r" latinLnBrk="1"/>
                       <a:r>
-                        <a:rPr lang="en-US" altLang="ko-KR" sz="1200" b="1" spc="-150" dirty="0">
+                        <a:rPr lang="en-US" altLang="ko-KR" sz="1050" b="1" spc="-150" dirty="0">
                           <a:solidFill>
                             <a:schemeClr val="accent2">
                               <a:lumMod val="50000"/>
@@ -28880,7 +29221,7 @@
                         </a:rPr>
                         <a:t>$ 1,383</a:t>
                       </a:r>
-                      <a:endParaRPr lang="ko-KR" altLang="en-US" sz="1200" b="1" spc="-150" dirty="0">
+                      <a:endParaRPr lang="ko-KR" altLang="en-US" sz="1050" b="1" spc="-150" dirty="0">
                         <a:solidFill>
                           <a:schemeClr val="accent2">
                             <a:lumMod val="50000"/>
@@ -28949,7 +29290,7 @@
                     <a:p>
                       <a:pPr latinLnBrk="1"/>
                       <a:r>
-                        <a:rPr lang="en-US" altLang="ko-KR" sz="1200" b="1" dirty="0">
+                        <a:rPr lang="en-US" altLang="ko-KR" sz="1050" b="1" dirty="0">
                           <a:solidFill>
                             <a:schemeClr val="accent2">
                               <a:lumMod val="50000"/>
@@ -28959,7 +29300,7 @@
                         </a:rPr>
                         <a:t>&lt; $1,500</a:t>
                       </a:r>
-                      <a:endParaRPr lang="ko-KR" altLang="en-US" sz="1200" b="1" dirty="0">
+                      <a:endParaRPr lang="ko-KR" altLang="en-US" sz="1050" b="1" dirty="0">
                         <a:solidFill>
                           <a:schemeClr val="accent2">
                             <a:lumMod val="50000"/>
@@ -29045,8 +29386,8 @@
         </p:nvSpPr>
         <p:spPr>
           <a:xfrm>
-            <a:off x="6330304" y="3011546"/>
-            <a:ext cx="2130210" cy="3206088"/>
+            <a:off x="6330304" y="3644595"/>
+            <a:ext cx="2130210" cy="3034952"/>
           </a:xfrm>
           <a:prstGeom prst="rect">
             <a:avLst/>
@@ -29112,10 +29453,10 @@
         </p:nvGrpSpPr>
         <p:grpSpPr>
           <a:xfrm>
-            <a:off x="6103984" y="2567666"/>
-            <a:ext cx="5661690" cy="3746543"/>
+            <a:off x="6103984" y="3308930"/>
+            <a:ext cx="5661690" cy="3492260"/>
             <a:chOff x="387558" y="983849"/>
-            <a:chExt cx="5661690" cy="4377137"/>
+            <a:chExt cx="5661690" cy="4169745"/>
           </a:xfrm>
         </p:grpSpPr>
         <p:sp>
@@ -29133,7 +29474,7 @@
           <p:spPr>
             <a:xfrm>
               <a:off x="387558" y="983849"/>
-              <a:ext cx="5661690" cy="4377137"/>
+              <a:ext cx="5661690" cy="4169745"/>
             </a:xfrm>
             <a:prstGeom prst="rect">
               <a:avLst/>
@@ -29213,7 +29554,7 @@
           <p:spPr>
             <a:xfrm>
               <a:off x="387558" y="983849"/>
-              <a:ext cx="330200" cy="330200"/>
+              <a:ext cx="297216" cy="330200"/>
             </a:xfrm>
             <a:prstGeom prst="rect">
               <a:avLst/>
@@ -29235,8 +29576,8 @@
         </p:nvSpPr>
         <p:spPr>
           <a:xfrm>
-            <a:off x="9073504" y="3011546"/>
-            <a:ext cx="2130210" cy="3206088"/>
+            <a:off x="9073504" y="3644595"/>
+            <a:ext cx="2130210" cy="3034952"/>
           </a:xfrm>
           <a:prstGeom prst="rect">
             <a:avLst/>
@@ -29302,7 +29643,7 @@
         </p:nvSpPr>
         <p:spPr>
           <a:xfrm>
-            <a:off x="6451231" y="3494987"/>
+            <a:off x="6451231" y="4128036"/>
             <a:ext cx="4600586" cy="1141495"/>
           </a:xfrm>
           <a:prstGeom prst="rect">
@@ -29370,7 +29711,7 @@
         </p:nvGrpSpPr>
         <p:grpSpPr>
           <a:xfrm>
-            <a:off x="7141273" y="3799499"/>
+            <a:off x="7141273" y="4432548"/>
             <a:ext cx="1769070" cy="738118"/>
             <a:chOff x="1945047" y="3049407"/>
             <a:chExt cx="1769070" cy="738118"/>
@@ -29466,7 +29807,7 @@
         </p:nvSpPr>
         <p:spPr>
           <a:xfrm>
-            <a:off x="6438652" y="4893440"/>
+            <a:off x="6438652" y="5526489"/>
             <a:ext cx="4600586" cy="1141495"/>
           </a:xfrm>
           <a:prstGeom prst="rect">
@@ -29535,7 +29876,7 @@
         </p:nvGrpSpPr>
         <p:grpSpPr>
           <a:xfrm>
-            <a:off x="7270956" y="5217588"/>
+            <a:off x="7270956" y="5850637"/>
             <a:ext cx="1513305" cy="778553"/>
             <a:chOff x="2103569" y="5139094"/>
             <a:chExt cx="1513305" cy="778553"/>
@@ -29631,7 +29972,7 @@
         </p:nvGrpSpPr>
         <p:grpSpPr>
           <a:xfrm>
-            <a:off x="8731496" y="5221103"/>
+            <a:off x="8731496" y="5854152"/>
             <a:ext cx="1513305" cy="778553"/>
             <a:chOff x="2103569" y="5139094"/>
             <a:chExt cx="1513305" cy="778553"/>
@@ -29727,7 +30068,7 @@
         </p:nvGrpSpPr>
         <p:grpSpPr>
           <a:xfrm>
-            <a:off x="8564939" y="3799863"/>
+            <a:off x="8564939" y="4432912"/>
             <a:ext cx="1769070" cy="738118"/>
             <a:chOff x="1945047" y="3049407"/>
             <a:chExt cx="1769070" cy="738118"/>
@@ -29833,7 +30174,7 @@
         </p:nvCxnSpPr>
         <p:spPr>
           <a:xfrm>
-            <a:off x="8262558" y="5452538"/>
+            <a:off x="8262558" y="6085587"/>
             <a:ext cx="990640" cy="3515"/>
           </a:xfrm>
           <a:prstGeom prst="straightConnector1">
@@ -29878,7 +30219,7 @@
         </p:nvSpPr>
         <p:spPr>
           <a:xfrm>
-            <a:off x="7005168" y="4604120"/>
+            <a:off x="7005168" y="5237169"/>
             <a:ext cx="1210735" cy="230832"/>
           </a:xfrm>
           <a:prstGeom prst="rect">
@@ -29916,7 +30257,7 @@
         </p:nvSpPr>
         <p:spPr>
           <a:xfrm>
-            <a:off x="8402650" y="5511559"/>
+            <a:off x="8402650" y="6144608"/>
             <a:ext cx="756653" cy="230832"/>
           </a:xfrm>
           <a:prstGeom prst="rect">
@@ -29968,7 +30309,7 @@
         </p:nvGrpSpPr>
         <p:grpSpPr>
           <a:xfrm>
-            <a:off x="8086651" y="3437361"/>
+            <a:off x="8086651" y="4351765"/>
             <a:ext cx="1323365" cy="780099"/>
             <a:chOff x="4724017" y="3207772"/>
             <a:chExt cx="1420779" cy="840760"/>
@@ -30088,7 +30429,7 @@
         </p:blipFill>
         <p:spPr>
           <a:xfrm>
-            <a:off x="11275238" y="3790868"/>
+            <a:off x="11275238" y="4423917"/>
             <a:ext cx="432000" cy="432000"/>
           </a:xfrm>
           <a:prstGeom prst="rect">
@@ -30110,7 +30451,7 @@
         </p:nvSpPr>
         <p:spPr>
           <a:xfrm>
-            <a:off x="11183652" y="4283893"/>
+            <a:off x="11183652" y="4841192"/>
             <a:ext cx="601022" cy="369332"/>
           </a:xfrm>
           <a:prstGeom prst="rect">
@@ -30159,7 +30500,7 @@
         </p:nvSpPr>
         <p:spPr>
           <a:xfrm>
-            <a:off x="4023360" y="1795284"/>
+            <a:off x="4001716" y="3269862"/>
             <a:ext cx="1945178" cy="215444"/>
           </a:xfrm>
           <a:prstGeom prst="rect">
@@ -30212,7 +30553,7 @@
         </p:nvGrpSpPr>
         <p:grpSpPr>
           <a:xfrm>
-            <a:off x="8056620" y="2543886"/>
+            <a:off x="8056620" y="3285149"/>
             <a:ext cx="1420779" cy="808758"/>
             <a:chOff x="4724017" y="1773408"/>
             <a:chExt cx="1420779" cy="808758"/>
@@ -30318,7 +30659,7 @@
         </p:nvGrpSpPr>
         <p:grpSpPr>
           <a:xfrm>
-            <a:off x="6242130" y="3068616"/>
+            <a:off x="6242130" y="3701665"/>
             <a:ext cx="5033108" cy="3038467"/>
             <a:chOff x="532853" y="2906053"/>
             <a:chExt cx="3923603" cy="3653991"/>
@@ -30444,7 +30785,7 @@
         </p:nvSpPr>
         <p:spPr>
           <a:xfrm>
-            <a:off x="8265662" y="3264206"/>
+            <a:off x="8265662" y="4081220"/>
             <a:ext cx="476260" cy="276999"/>
           </a:xfrm>
           <a:prstGeom prst="rect">
@@ -30486,7 +30827,7 @@
         </p:nvSpPr>
         <p:spPr>
           <a:xfrm>
-            <a:off x="9886498" y="4243978"/>
+            <a:off x="9886498" y="4877027"/>
             <a:ext cx="687186" cy="276999"/>
           </a:xfrm>
           <a:prstGeom prst="rect">
@@ -30544,7 +30885,7 @@
         </p:blipFill>
         <p:spPr>
           <a:xfrm>
-            <a:off x="10026178" y="3810303"/>
+            <a:off x="10026178" y="4443352"/>
             <a:ext cx="432000" cy="432000"/>
           </a:xfrm>
           <a:prstGeom prst="rect">
@@ -30566,7 +30907,7 @@
         </p:nvSpPr>
         <p:spPr>
           <a:xfrm>
-            <a:off x="6785090" y="4294252"/>
+            <a:off x="6785090" y="4927301"/>
             <a:ext cx="687186" cy="276999"/>
           </a:xfrm>
           <a:prstGeom prst="rect">
@@ -30624,7 +30965,7 @@
         </p:blipFill>
         <p:spPr>
           <a:xfrm>
-            <a:off x="6924770" y="3860577"/>
+            <a:off x="6924770" y="4493626"/>
             <a:ext cx="432000" cy="432000"/>
           </a:xfrm>
           <a:prstGeom prst="rect">
@@ -30646,7 +30987,7 @@
         </p:nvGrpSpPr>
         <p:grpSpPr>
           <a:xfrm>
-            <a:off x="10899726" y="4723818"/>
+            <a:off x="10899726" y="5243247"/>
             <a:ext cx="1380448" cy="694842"/>
             <a:chOff x="10497830" y="3853548"/>
             <a:chExt cx="1380448" cy="694842"/>
@@ -30732,6 +31073,4293 @@
     <p:extLst>
       <p:ext uri="{BB962C8B-B14F-4D97-AF65-F5344CB8AC3E}">
         <p14:creationId xmlns:p14="http://schemas.microsoft.com/office/powerpoint/2010/main" val="2610560184"/>
+      </p:ext>
+    </p:extLst>
+  </p:cSld>
+  <p:clrMapOvr>
+    <a:masterClrMapping/>
+  </p:clrMapOvr>
+</p:sld>
+</file>
+
+<file path=ppt/slides/slide22.xml><?xml version="1.0" encoding="utf-8"?>
+<p:sld xmlns:a="http://schemas.openxmlformats.org/drawingml/2006/main" xmlns:r="http://schemas.openxmlformats.org/officeDocument/2006/relationships" xmlns:p="http://schemas.openxmlformats.org/presentationml/2006/main">
+  <p:cSld>
+    <p:spTree>
+      <p:nvGrpSpPr>
+        <p:cNvPr id="1" name=""/>
+        <p:cNvGrpSpPr/>
+        <p:nvPr/>
+      </p:nvGrpSpPr>
+      <p:grpSpPr>
+        <a:xfrm>
+          <a:off x="0" y="0"/>
+          <a:ext cx="0" cy="0"/>
+          <a:chOff x="0" y="0"/>
+          <a:chExt cx="0" cy="0"/>
+        </a:xfrm>
+      </p:grpSpPr>
+      <p:cxnSp>
+        <p:nvCxnSpPr>
+          <p:cNvPr id="5" name="직선 연결선 4">
+            <a:extLst>
+              <a:ext uri="{FF2B5EF4-FFF2-40B4-BE49-F238E27FC236}">
+                <a16:creationId xmlns:a16="http://schemas.microsoft.com/office/drawing/2014/main" id="{2F2984DB-6065-404F-AAEB-FC395AD382A0}"/>
+              </a:ext>
+            </a:extLst>
+          </p:cNvPr>
+          <p:cNvCxnSpPr>
+            <a:cxnSpLocks/>
+          </p:cNvCxnSpPr>
+          <p:nvPr/>
+        </p:nvCxnSpPr>
+        <p:spPr>
+          <a:xfrm>
+            <a:off x="0" y="1039130"/>
+            <a:ext cx="11226188" cy="64095"/>
+          </a:xfrm>
+          <a:prstGeom prst="line">
+            <a:avLst/>
+          </a:prstGeom>
+          <a:ln w="76200">
+            <a:solidFill>
+              <a:schemeClr val="bg1">
+                <a:lumMod val="85000"/>
+              </a:schemeClr>
+            </a:solidFill>
+          </a:ln>
+        </p:spPr>
+        <p:style>
+          <a:lnRef idx="1">
+            <a:schemeClr val="accent1"/>
+          </a:lnRef>
+          <a:fillRef idx="0">
+            <a:schemeClr val="accent1"/>
+          </a:fillRef>
+          <a:effectRef idx="0">
+            <a:schemeClr val="accent1"/>
+          </a:effectRef>
+          <a:fontRef idx="minor">
+            <a:schemeClr val="tx1"/>
+          </a:fontRef>
+        </p:style>
+      </p:cxnSp>
+      <p:sp>
+        <p:nvSpPr>
+          <p:cNvPr id="7" name="TextBox 6">
+            <a:extLst>
+              <a:ext uri="{FF2B5EF4-FFF2-40B4-BE49-F238E27FC236}">
+                <a16:creationId xmlns:a16="http://schemas.microsoft.com/office/drawing/2014/main" id="{47B9FDB6-61F9-4370-BBF9-63BF9BAB904E}"/>
+              </a:ext>
+            </a:extLst>
+          </p:cNvPr>
+          <p:cNvSpPr txBox="1"/>
+          <p:nvPr/>
+        </p:nvSpPr>
+        <p:spPr>
+          <a:xfrm>
+            <a:off x="492087" y="135841"/>
+            <a:ext cx="10474575" cy="646331"/>
+          </a:xfrm>
+          <a:prstGeom prst="rect">
+            <a:avLst/>
+          </a:prstGeom>
+          <a:noFill/>
+        </p:spPr>
+        <p:txBody>
+          <a:bodyPr wrap="square" rtlCol="0">
+            <a:spAutoFit/>
+          </a:bodyPr>
+          <a:lstStyle/>
+          <a:p>
+            <a:r>
+              <a:rPr lang="en-US" altLang="ko-KR" sz="3600" b="1" spc="-300" dirty="0">
+                <a:latin typeface="Lucida Fax" panose="02060602050505020204" pitchFamily="18" charset="0"/>
+                <a:ea typeface="Adobe 고딕 Std B" panose="020B0800000000000000" pitchFamily="34" charset="-127"/>
+                <a:cs typeface="함초롬바탕" panose="02030604000101010101" pitchFamily="18" charset="-127"/>
+              </a:rPr>
+              <a:t>Conclusion :: Explain the propose architecture</a:t>
+            </a:r>
+            <a:endParaRPr lang="ko-KR" altLang="en-US" sz="3600" b="1" spc="-300" dirty="0">
+              <a:latin typeface="Lucida Fax" panose="02060602050505020204" pitchFamily="18" charset="0"/>
+              <a:ea typeface="Adobe 고딕 Std B" panose="020B0800000000000000" pitchFamily="34" charset="-127"/>
+            </a:endParaRPr>
+          </a:p>
+        </p:txBody>
+      </p:sp>
+      <p:sp>
+        <p:nvSpPr>
+          <p:cNvPr id="4" name="TextBox 3">
+            <a:extLst>
+              <a:ext uri="{FF2B5EF4-FFF2-40B4-BE49-F238E27FC236}">
+                <a16:creationId xmlns:a16="http://schemas.microsoft.com/office/drawing/2014/main" id="{DFBF035E-7862-4D48-8B86-B280EB205EB0}"/>
+              </a:ext>
+            </a:extLst>
+          </p:cNvPr>
+          <p:cNvSpPr txBox="1"/>
+          <p:nvPr/>
+        </p:nvSpPr>
+        <p:spPr>
+          <a:xfrm>
+            <a:off x="492087" y="1103225"/>
+            <a:ext cx="11699913" cy="5676426"/>
+          </a:xfrm>
+          <a:prstGeom prst="rect">
+            <a:avLst/>
+          </a:prstGeom>
+          <a:noFill/>
+        </p:spPr>
+        <p:txBody>
+          <a:bodyPr wrap="square" rtlCol="0">
+            <a:spAutoFit/>
+          </a:bodyPr>
+          <a:lstStyle/>
+          <a:p>
+            <a:pPr>
+              <a:lnSpc>
+                <a:spcPct val="150000"/>
+              </a:lnSpc>
+            </a:pPr>
+            <a:r>
+              <a:rPr lang="en-US" altLang="ko-KR" sz="2800" b="1" spc="-150" dirty="0">
+                <a:latin typeface="Lucida Fax" panose="02060602050505020204" pitchFamily="18" charset="0"/>
+                <a:ea typeface="Adobe 고딕 Std B" panose="020B0800000000000000" pitchFamily="34" charset="-127"/>
+              </a:rPr>
+              <a:t>I derived a </a:t>
+            </a:r>
+            <a:r>
+              <a:rPr lang="en-US" altLang="ko-KR" sz="2800" b="1" spc="-150" dirty="0">
+                <a:solidFill>
+                  <a:schemeClr val="accent2">
+                    <a:lumMod val="75000"/>
+                  </a:schemeClr>
+                </a:solidFill>
+                <a:latin typeface="Lucida Fax" panose="02060602050505020204" pitchFamily="18" charset="0"/>
+                <a:ea typeface="Adobe 고딕 Std B" panose="020B0800000000000000" pitchFamily="34" charset="-127"/>
+              </a:rPr>
+              <a:t>some keyword </a:t>
+            </a:r>
+            <a:r>
+              <a:rPr lang="en-US" altLang="ko-KR" sz="2800" b="1" spc="-150" dirty="0">
+                <a:latin typeface="Lucida Fax" panose="02060602050505020204" pitchFamily="18" charset="0"/>
+                <a:ea typeface="Adobe 고딕 Std B" panose="020B0800000000000000" pitchFamily="34" charset="-127"/>
+              </a:rPr>
+              <a:t>for facing user problem and needs (improve the reliability, security, cost, operation and performance before the project goes into production) previous chapter.</a:t>
+            </a:r>
+          </a:p>
+          <a:p>
+            <a:pPr marL="457200" indent="-457200">
+              <a:lnSpc>
+                <a:spcPct val="150000"/>
+              </a:lnSpc>
+              <a:buFontTx/>
+              <a:buChar char="-"/>
+            </a:pPr>
+            <a:r>
+              <a:rPr lang="en-US" altLang="ko-KR" sz="2400" b="1" spc="-150" dirty="0">
+                <a:latin typeface="Lucida Fax" panose="02060602050505020204" pitchFamily="18" charset="0"/>
+                <a:ea typeface="Adobe 고딕 Std B" panose="020B0800000000000000" pitchFamily="34" charset="-127"/>
+              </a:rPr>
+              <a:t>Architecture (Redundancy, Distributed model) for HA</a:t>
+            </a:r>
+          </a:p>
+          <a:p>
+            <a:pPr marL="457200" indent="-457200">
+              <a:lnSpc>
+                <a:spcPct val="150000"/>
+              </a:lnSpc>
+              <a:buFontTx/>
+              <a:buChar char="-"/>
+            </a:pPr>
+            <a:r>
+              <a:rPr lang="en-US" altLang="ko-KR" sz="2400" b="1" spc="-150" dirty="0">
+                <a:latin typeface="Lucida Fax" panose="02060602050505020204" pitchFamily="18" charset="0"/>
+                <a:ea typeface="Adobe 고딕 Std B" panose="020B0800000000000000" pitchFamily="34" charset="-127"/>
+              </a:rPr>
+              <a:t>Load balancing for application level</a:t>
+            </a:r>
+          </a:p>
+          <a:p>
+            <a:pPr marL="457200" indent="-457200">
+              <a:lnSpc>
+                <a:spcPct val="150000"/>
+              </a:lnSpc>
+              <a:buFontTx/>
+              <a:buChar char="-"/>
+            </a:pPr>
+            <a:r>
+              <a:rPr lang="en-US" altLang="ko-KR" sz="2400" b="1" spc="-150" dirty="0">
+                <a:latin typeface="Lucida Fax" panose="02060602050505020204" pitchFamily="18" charset="0"/>
+                <a:ea typeface="Adobe 고딕 Std B" panose="020B0800000000000000" pitchFamily="34" charset="-127"/>
+              </a:rPr>
+              <a:t>Consider scale-up and scale-out</a:t>
+            </a:r>
+          </a:p>
+          <a:p>
+            <a:pPr marL="457200" indent="-457200">
+              <a:lnSpc>
+                <a:spcPct val="150000"/>
+              </a:lnSpc>
+              <a:buFontTx/>
+              <a:buChar char="-"/>
+            </a:pPr>
+            <a:r>
+              <a:rPr lang="en-US" altLang="ko-KR" sz="2400" b="1" spc="-150" dirty="0">
+                <a:latin typeface="Lucida Fax" panose="02060602050505020204" pitchFamily="18" charset="0"/>
+                <a:ea typeface="Adobe 고딕 Std B" panose="020B0800000000000000" pitchFamily="34" charset="-127"/>
+              </a:rPr>
+              <a:t>Network virtualization, isolation, crypto for data and transit security</a:t>
+            </a:r>
+          </a:p>
+          <a:p>
+            <a:pPr marL="457200" indent="-457200">
+              <a:lnSpc>
+                <a:spcPct val="150000"/>
+              </a:lnSpc>
+              <a:buFontTx/>
+              <a:buChar char="-"/>
+            </a:pPr>
+            <a:r>
+              <a:rPr lang="en-US" altLang="ko-KR" sz="2400" b="1" spc="-150" dirty="0">
+                <a:latin typeface="Lucida Fax" panose="02060602050505020204" pitchFamily="18" charset="0"/>
+                <a:ea typeface="Adobe 고딕 Std B" panose="020B0800000000000000" pitchFamily="34" charset="-127"/>
+              </a:rPr>
+              <a:t>IAM hierarchy scheme apply</a:t>
+            </a:r>
+            <a:r>
+              <a:rPr lang="ko-KR" altLang="en-US" sz="2400" b="1" spc="-150" dirty="0">
+                <a:latin typeface="Lucida Fax" panose="02060602050505020204" pitchFamily="18" charset="0"/>
+                <a:ea typeface="Adobe 고딕 Std B" panose="020B0800000000000000" pitchFamily="34" charset="-127"/>
+              </a:rPr>
+              <a:t> </a:t>
+            </a:r>
+            <a:r>
+              <a:rPr lang="en-US" altLang="ko-KR" sz="2400" b="1" spc="-150" dirty="0">
+                <a:latin typeface="Lucida Fax" panose="02060602050505020204" pitchFamily="18" charset="0"/>
+                <a:ea typeface="Adobe 고딕 Std B" panose="020B0800000000000000" pitchFamily="34" charset="-127"/>
+              </a:rPr>
+              <a:t>for</a:t>
+            </a:r>
+            <a:r>
+              <a:rPr lang="ko-KR" altLang="en-US" sz="2400" b="1" spc="-150" dirty="0">
+                <a:latin typeface="Lucida Fax" panose="02060602050505020204" pitchFamily="18" charset="0"/>
+                <a:ea typeface="Adobe 고딕 Std B" panose="020B0800000000000000" pitchFamily="34" charset="-127"/>
+              </a:rPr>
+              <a:t> </a:t>
+            </a:r>
+            <a:r>
+              <a:rPr lang="en-US" altLang="ko-KR" sz="2400" b="1" spc="-150" dirty="0">
+                <a:latin typeface="Lucida Fax" panose="02060602050505020204" pitchFamily="18" charset="0"/>
+                <a:ea typeface="Adobe 고딕 Std B" panose="020B0800000000000000" pitchFamily="34" charset="-127"/>
+              </a:rPr>
+              <a:t>diverse delivery team</a:t>
+            </a:r>
+          </a:p>
+          <a:p>
+            <a:pPr marL="457200" indent="-457200">
+              <a:lnSpc>
+                <a:spcPct val="150000"/>
+              </a:lnSpc>
+              <a:buFontTx/>
+              <a:buChar char="-"/>
+            </a:pPr>
+            <a:r>
+              <a:rPr lang="en-US" altLang="ko-KR" sz="2400" b="1" spc="-150" dirty="0">
+                <a:latin typeface="Lucida Fax" panose="02060602050505020204" pitchFamily="18" charset="0"/>
+                <a:ea typeface="Adobe 고딕 Std B" panose="020B0800000000000000" pitchFamily="34" charset="-127"/>
+              </a:rPr>
+              <a:t>Easy deploy, operation and support visualization</a:t>
+            </a:r>
+          </a:p>
+          <a:p>
+            <a:pPr>
+              <a:lnSpc>
+                <a:spcPct val="150000"/>
+              </a:lnSpc>
+            </a:pPr>
+            <a:endParaRPr lang="en-US" altLang="ko-KR" sz="1600" spc="-150" dirty="0">
+              <a:latin typeface="Lucida Fax" panose="02060602050505020204" pitchFamily="18" charset="0"/>
+              <a:ea typeface="Adobe 고딕 Std B" panose="020B0800000000000000" pitchFamily="34" charset="-127"/>
+            </a:endParaRPr>
+          </a:p>
+        </p:txBody>
+      </p:sp>
+    </p:spTree>
+    <p:extLst>
+      <p:ext uri="{BB962C8B-B14F-4D97-AF65-F5344CB8AC3E}">
+        <p14:creationId xmlns:p14="http://schemas.microsoft.com/office/powerpoint/2010/main" val="1801568943"/>
+      </p:ext>
+    </p:extLst>
+  </p:cSld>
+  <p:clrMapOvr>
+    <a:masterClrMapping/>
+  </p:clrMapOvr>
+</p:sld>
+</file>
+
+<file path=ppt/slides/slide23.xml><?xml version="1.0" encoding="utf-8"?>
+<p:sld xmlns:a="http://schemas.openxmlformats.org/drawingml/2006/main" xmlns:r="http://schemas.openxmlformats.org/officeDocument/2006/relationships" xmlns:p="http://schemas.openxmlformats.org/presentationml/2006/main">
+  <p:cSld>
+    <p:spTree>
+      <p:nvGrpSpPr>
+        <p:cNvPr id="1" name=""/>
+        <p:cNvGrpSpPr/>
+        <p:nvPr/>
+      </p:nvGrpSpPr>
+      <p:grpSpPr>
+        <a:xfrm>
+          <a:off x="0" y="0"/>
+          <a:ext cx="0" cy="0"/>
+          <a:chOff x="0" y="0"/>
+          <a:chExt cx="0" cy="0"/>
+        </a:xfrm>
+      </p:grpSpPr>
+      <p:cxnSp>
+        <p:nvCxnSpPr>
+          <p:cNvPr id="5" name="직선 연결선 4">
+            <a:extLst>
+              <a:ext uri="{FF2B5EF4-FFF2-40B4-BE49-F238E27FC236}">
+                <a16:creationId xmlns:a16="http://schemas.microsoft.com/office/drawing/2014/main" id="{2F2984DB-6065-404F-AAEB-FC395AD382A0}"/>
+              </a:ext>
+            </a:extLst>
+          </p:cNvPr>
+          <p:cNvCxnSpPr>
+            <a:cxnSpLocks/>
+          </p:cNvCxnSpPr>
+          <p:nvPr/>
+        </p:nvCxnSpPr>
+        <p:spPr>
+          <a:xfrm>
+            <a:off x="0" y="1039130"/>
+            <a:ext cx="11226188" cy="64095"/>
+          </a:xfrm>
+          <a:prstGeom prst="line">
+            <a:avLst/>
+          </a:prstGeom>
+          <a:ln w="76200">
+            <a:solidFill>
+              <a:schemeClr val="bg1">
+                <a:lumMod val="85000"/>
+              </a:schemeClr>
+            </a:solidFill>
+          </a:ln>
+        </p:spPr>
+        <p:style>
+          <a:lnRef idx="1">
+            <a:schemeClr val="accent1"/>
+          </a:lnRef>
+          <a:fillRef idx="0">
+            <a:schemeClr val="accent1"/>
+          </a:fillRef>
+          <a:effectRef idx="0">
+            <a:schemeClr val="accent1"/>
+          </a:effectRef>
+          <a:fontRef idx="minor">
+            <a:schemeClr val="tx1"/>
+          </a:fontRef>
+        </p:style>
+      </p:cxnSp>
+      <p:sp>
+        <p:nvSpPr>
+          <p:cNvPr id="7" name="TextBox 6">
+            <a:extLst>
+              <a:ext uri="{FF2B5EF4-FFF2-40B4-BE49-F238E27FC236}">
+                <a16:creationId xmlns:a16="http://schemas.microsoft.com/office/drawing/2014/main" id="{47B9FDB6-61F9-4370-BBF9-63BF9BAB904E}"/>
+              </a:ext>
+            </a:extLst>
+          </p:cNvPr>
+          <p:cNvSpPr txBox="1"/>
+          <p:nvPr/>
+        </p:nvSpPr>
+        <p:spPr>
+          <a:xfrm>
+            <a:off x="492087" y="135841"/>
+            <a:ext cx="10978493" cy="646331"/>
+          </a:xfrm>
+          <a:prstGeom prst="rect">
+            <a:avLst/>
+          </a:prstGeom>
+          <a:noFill/>
+        </p:spPr>
+        <p:txBody>
+          <a:bodyPr wrap="square" rtlCol="0">
+            <a:spAutoFit/>
+          </a:bodyPr>
+          <a:lstStyle/>
+          <a:p>
+            <a:r>
+              <a:rPr lang="en-US" altLang="ko-KR" sz="3600" b="1" spc="-300" dirty="0">
+                <a:latin typeface="Lucida Fax" panose="02060602050505020204" pitchFamily="18" charset="0"/>
+                <a:ea typeface="Adobe 고딕 Std B" panose="020B0800000000000000" pitchFamily="34" charset="-127"/>
+                <a:cs typeface="함초롬바탕" panose="02030604000101010101" pitchFamily="18" charset="-127"/>
+              </a:rPr>
+              <a:t>Conclusion :: Scaling meet the customer demands</a:t>
+            </a:r>
+            <a:endParaRPr lang="ko-KR" altLang="en-US" sz="3600" b="1" spc="-300" dirty="0">
+              <a:latin typeface="Lucida Fax" panose="02060602050505020204" pitchFamily="18" charset="0"/>
+              <a:ea typeface="Adobe 고딕 Std B" panose="020B0800000000000000" pitchFamily="34" charset="-127"/>
+            </a:endParaRPr>
+          </a:p>
+        </p:txBody>
+      </p:sp>
+      <p:graphicFrame>
+        <p:nvGraphicFramePr>
+          <p:cNvPr id="2" name="표 1">
+            <a:extLst>
+              <a:ext uri="{FF2B5EF4-FFF2-40B4-BE49-F238E27FC236}">
+                <a16:creationId xmlns:a16="http://schemas.microsoft.com/office/drawing/2014/main" id="{255158E4-430D-407C-95EA-31B4F520444B}"/>
+              </a:ext>
+            </a:extLst>
+          </p:cNvPr>
+          <p:cNvGraphicFramePr>
+            <a:graphicFrameLocks noGrp="1"/>
+          </p:cNvGraphicFramePr>
+          <p:nvPr>
+            <p:extLst>
+              <p:ext uri="{D42A27DB-BD31-4B8C-83A1-F6EECF244321}">
+                <p14:modId xmlns:p14="http://schemas.microsoft.com/office/powerpoint/2010/main" val="2929665801"/>
+              </p:ext>
+            </p:extLst>
+          </p:nvPr>
+        </p:nvGraphicFramePr>
+        <p:xfrm>
+          <a:off x="608999" y="1287785"/>
+          <a:ext cx="10978492" cy="5425440"/>
+        </p:xfrm>
+        <a:graphic>
+          <a:graphicData uri="http://schemas.openxmlformats.org/drawingml/2006/table">
+            <a:tbl>
+              <a:tblPr firstRow="1" bandRow="1">
+                <a:tableStyleId>{5C22544A-7EE6-4342-B048-85BDC9FD1C3A}</a:tableStyleId>
+              </a:tblPr>
+              <a:tblGrid>
+                <a:gridCol w="2545410">
+                  <a:extLst>
+                    <a:ext uri="{9D8B030D-6E8A-4147-A177-3AD203B41FA5}">
+                      <a16:colId xmlns:a16="http://schemas.microsoft.com/office/drawing/2014/main" val="8346996"/>
+                    </a:ext>
+                  </a:extLst>
+                </a:gridCol>
+                <a:gridCol w="4734320">
+                  <a:extLst>
+                    <a:ext uri="{9D8B030D-6E8A-4147-A177-3AD203B41FA5}">
+                      <a16:colId xmlns:a16="http://schemas.microsoft.com/office/drawing/2014/main" val="1365526771"/>
+                    </a:ext>
+                  </a:extLst>
+                </a:gridCol>
+                <a:gridCol w="1980298">
+                  <a:extLst>
+                    <a:ext uri="{9D8B030D-6E8A-4147-A177-3AD203B41FA5}">
+                      <a16:colId xmlns:a16="http://schemas.microsoft.com/office/drawing/2014/main" val="29277546"/>
+                    </a:ext>
+                  </a:extLst>
+                </a:gridCol>
+                <a:gridCol w="1718464">
+                  <a:extLst>
+                    <a:ext uri="{9D8B030D-6E8A-4147-A177-3AD203B41FA5}">
+                      <a16:colId xmlns:a16="http://schemas.microsoft.com/office/drawing/2014/main" val="4233652125"/>
+                    </a:ext>
+                  </a:extLst>
+                </a:gridCol>
+              </a:tblGrid>
+              <a:tr h="0">
+                <a:tc>
+                  <a:txBody>
+                    <a:bodyPr/>
+                    <a:lstStyle/>
+                    <a:p>
+                      <a:pPr algn="ctr" latinLnBrk="1"/>
+                      <a:r>
+                        <a:rPr lang="en-US" altLang="ko-KR" sz="1600" spc="-150" dirty="0">
+                          <a:solidFill>
+                            <a:schemeClr val="tx1"/>
+                          </a:solidFill>
+                          <a:latin typeface="Lucida Fax" panose="02060602050505020204" pitchFamily="18" charset="0"/>
+                          <a:ea typeface="서울한강체 L" panose="02020603020101020101" pitchFamily="18" charset="-127"/>
+                        </a:rPr>
+                        <a:t>Considerations</a:t>
+                      </a:r>
+                      <a:endParaRPr lang="ko-KR" altLang="en-US" sz="1600" spc="-150" dirty="0">
+                        <a:solidFill>
+                          <a:schemeClr val="tx1"/>
+                        </a:solidFill>
+                        <a:latin typeface="Lucida Fax" panose="02060602050505020204" pitchFamily="18" charset="0"/>
+                        <a:ea typeface="서울한강체 L" panose="02020603020101020101" pitchFamily="18" charset="-127"/>
+                      </a:endParaRPr>
+                    </a:p>
+                  </a:txBody>
+                  <a:tcPr>
+                    <a:lnL w="3175" cap="flat" cmpd="sng" algn="ctr">
+                      <a:solidFill>
+                        <a:schemeClr val="bg1">
+                          <a:lumMod val="75000"/>
+                        </a:schemeClr>
+                      </a:solidFill>
+                      <a:prstDash val="solid"/>
+                      <a:round/>
+                      <a:headEnd type="none" w="med" len="med"/>
+                      <a:tailEnd type="none" w="med" len="med"/>
+                    </a:lnL>
+                    <a:lnR w="3175" cap="flat" cmpd="sng" algn="ctr">
+                      <a:solidFill>
+                        <a:schemeClr val="bg1">
+                          <a:lumMod val="75000"/>
+                        </a:schemeClr>
+                      </a:solidFill>
+                      <a:prstDash val="solid"/>
+                      <a:round/>
+                      <a:headEnd type="none" w="med" len="med"/>
+                      <a:tailEnd type="none" w="med" len="med"/>
+                    </a:lnR>
+                    <a:lnT w="3175" cap="flat" cmpd="sng" algn="ctr">
+                      <a:solidFill>
+                        <a:schemeClr val="bg1">
+                          <a:lumMod val="75000"/>
+                        </a:schemeClr>
+                      </a:solidFill>
+                      <a:prstDash val="solid"/>
+                      <a:round/>
+                      <a:headEnd type="none" w="med" len="med"/>
+                      <a:tailEnd type="none" w="med" len="med"/>
+                    </a:lnT>
+                    <a:lnB w="3175" cap="flat" cmpd="sng" algn="ctr">
+                      <a:solidFill>
+                        <a:schemeClr val="bg1">
+                          <a:lumMod val="75000"/>
+                        </a:schemeClr>
+                      </a:solidFill>
+                      <a:prstDash val="solid"/>
+                      <a:round/>
+                      <a:headEnd type="none" w="med" len="med"/>
+                      <a:tailEnd type="none" w="med" len="med"/>
+                    </a:lnB>
+                    <a:noFill/>
+                  </a:tcPr>
+                </a:tc>
+                <a:tc>
+                  <a:txBody>
+                    <a:bodyPr/>
+                    <a:lstStyle/>
+                    <a:p>
+                      <a:pPr algn="ctr" latinLnBrk="1"/>
+                      <a:r>
+                        <a:rPr lang="en-US" altLang="ko-KR" sz="1600" spc="-150" dirty="0">
+                          <a:solidFill>
+                            <a:schemeClr val="tx1"/>
+                          </a:solidFill>
+                          <a:latin typeface="Lucida Fax" panose="02060602050505020204" pitchFamily="18" charset="0"/>
+                          <a:ea typeface="서울한강체 L" panose="02020603020101020101" pitchFamily="18" charset="-127"/>
+                        </a:rPr>
+                        <a:t>Service</a:t>
+                      </a:r>
+                      <a:endParaRPr lang="ko-KR" altLang="en-US" sz="1600" spc="-150" dirty="0">
+                        <a:solidFill>
+                          <a:schemeClr val="tx1"/>
+                        </a:solidFill>
+                        <a:latin typeface="Lucida Fax" panose="02060602050505020204" pitchFamily="18" charset="0"/>
+                        <a:ea typeface="서울한강체 L" panose="02020603020101020101" pitchFamily="18" charset="-127"/>
+                      </a:endParaRPr>
+                    </a:p>
+                  </a:txBody>
+                  <a:tcPr>
+                    <a:lnL w="3175" cap="flat" cmpd="sng" algn="ctr">
+                      <a:solidFill>
+                        <a:schemeClr val="bg1">
+                          <a:lumMod val="75000"/>
+                        </a:schemeClr>
+                      </a:solidFill>
+                      <a:prstDash val="solid"/>
+                      <a:round/>
+                      <a:headEnd type="none" w="med" len="med"/>
+                      <a:tailEnd type="none" w="med" len="med"/>
+                    </a:lnL>
+                    <a:lnR w="3175" cap="flat" cmpd="sng" algn="ctr">
+                      <a:solidFill>
+                        <a:schemeClr val="bg1">
+                          <a:lumMod val="75000"/>
+                        </a:schemeClr>
+                      </a:solidFill>
+                      <a:prstDash val="solid"/>
+                      <a:round/>
+                      <a:headEnd type="none" w="med" len="med"/>
+                      <a:tailEnd type="none" w="med" len="med"/>
+                    </a:lnR>
+                    <a:lnT w="3175" cap="flat" cmpd="sng" algn="ctr">
+                      <a:solidFill>
+                        <a:schemeClr val="bg1">
+                          <a:lumMod val="75000"/>
+                        </a:schemeClr>
+                      </a:solidFill>
+                      <a:prstDash val="solid"/>
+                      <a:round/>
+                      <a:headEnd type="none" w="med" len="med"/>
+                      <a:tailEnd type="none" w="med" len="med"/>
+                    </a:lnT>
+                    <a:lnB w="3175" cap="flat" cmpd="sng" algn="ctr">
+                      <a:solidFill>
+                        <a:schemeClr val="bg1">
+                          <a:lumMod val="75000"/>
+                        </a:schemeClr>
+                      </a:solidFill>
+                      <a:prstDash val="solid"/>
+                      <a:round/>
+                      <a:headEnd type="none" w="med" len="med"/>
+                      <a:tailEnd type="none" w="med" len="med"/>
+                    </a:lnB>
+                    <a:noFill/>
+                  </a:tcPr>
+                </a:tc>
+                <a:tc>
+                  <a:txBody>
+                    <a:bodyPr/>
+                    <a:lstStyle/>
+                    <a:p>
+                      <a:pPr algn="ctr" latinLnBrk="1"/>
+                      <a:r>
+                        <a:rPr lang="en-US" altLang="ko-KR" sz="1600" spc="-150" dirty="0">
+                          <a:solidFill>
+                            <a:schemeClr val="tx1"/>
+                          </a:solidFill>
+                          <a:latin typeface="Lucida Fax" panose="02060602050505020204" pitchFamily="18" charset="0"/>
+                          <a:ea typeface="서울한강체 L" panose="02020603020101020101" pitchFamily="18" charset="-127"/>
+                        </a:rPr>
+                        <a:t>Using/Scale-out </a:t>
+                      </a:r>
+                    </a:p>
+                    <a:p>
+                      <a:pPr algn="ctr" latinLnBrk="1"/>
+                      <a:r>
+                        <a:rPr lang="en-US" altLang="ko-KR" sz="1600" spc="-150" dirty="0">
+                          <a:solidFill>
+                            <a:schemeClr val="tx1"/>
+                          </a:solidFill>
+                          <a:latin typeface="Lucida Fax" panose="02060602050505020204" pitchFamily="18" charset="0"/>
+                          <a:ea typeface="서울한강체 L" panose="02020603020101020101" pitchFamily="18" charset="-127"/>
+                        </a:rPr>
+                        <a:t>Checkpoint</a:t>
+                      </a:r>
+                      <a:endParaRPr lang="ko-KR" altLang="en-US" sz="1600" spc="-150" dirty="0">
+                        <a:solidFill>
+                          <a:schemeClr val="tx1"/>
+                        </a:solidFill>
+                        <a:latin typeface="Lucida Fax" panose="02060602050505020204" pitchFamily="18" charset="0"/>
+                        <a:ea typeface="서울한강체 L" panose="02020603020101020101" pitchFamily="18" charset="-127"/>
+                      </a:endParaRPr>
+                    </a:p>
+                  </a:txBody>
+                  <a:tcPr>
+                    <a:lnL w="3175" cap="flat" cmpd="sng" algn="ctr">
+                      <a:solidFill>
+                        <a:schemeClr val="bg1">
+                          <a:lumMod val="75000"/>
+                        </a:schemeClr>
+                      </a:solidFill>
+                      <a:prstDash val="solid"/>
+                      <a:round/>
+                      <a:headEnd type="none" w="med" len="med"/>
+                      <a:tailEnd type="none" w="med" len="med"/>
+                    </a:lnL>
+                    <a:lnR w="3175" cap="flat" cmpd="sng" algn="ctr">
+                      <a:solidFill>
+                        <a:schemeClr val="bg1">
+                          <a:lumMod val="75000"/>
+                        </a:schemeClr>
+                      </a:solidFill>
+                      <a:prstDash val="solid"/>
+                      <a:round/>
+                      <a:headEnd type="none" w="med" len="med"/>
+                      <a:tailEnd type="none" w="med" len="med"/>
+                    </a:lnR>
+                    <a:lnT w="3175" cap="flat" cmpd="sng" algn="ctr">
+                      <a:solidFill>
+                        <a:schemeClr val="bg1">
+                          <a:lumMod val="75000"/>
+                        </a:schemeClr>
+                      </a:solidFill>
+                      <a:prstDash val="solid"/>
+                      <a:round/>
+                      <a:headEnd type="none" w="med" len="med"/>
+                      <a:tailEnd type="none" w="med" len="med"/>
+                    </a:lnT>
+                    <a:lnB w="3175" cap="flat" cmpd="sng" algn="ctr">
+                      <a:solidFill>
+                        <a:schemeClr val="bg1">
+                          <a:lumMod val="75000"/>
+                        </a:schemeClr>
+                      </a:solidFill>
+                      <a:prstDash val="solid"/>
+                      <a:round/>
+                      <a:headEnd type="none" w="med" len="med"/>
+                      <a:tailEnd type="none" w="med" len="med"/>
+                    </a:lnB>
+                    <a:noFill/>
+                  </a:tcPr>
+                </a:tc>
+                <a:tc>
+                  <a:txBody>
+                    <a:bodyPr/>
+                    <a:lstStyle/>
+                    <a:p>
+                      <a:pPr algn="ctr" latinLnBrk="1"/>
+                      <a:r>
+                        <a:rPr lang="en-US" altLang="ko-KR" sz="1600" spc="-150" dirty="0">
+                          <a:solidFill>
+                            <a:schemeClr val="tx1">
+                              <a:lumMod val="50000"/>
+                              <a:lumOff val="50000"/>
+                            </a:schemeClr>
+                          </a:solidFill>
+                          <a:latin typeface="Lucida Fax" panose="02060602050505020204" pitchFamily="18" charset="0"/>
+                          <a:ea typeface="서울한강체 L" panose="02020603020101020101" pitchFamily="18" charset="-127"/>
+                        </a:rPr>
+                        <a:t>Add on service </a:t>
+                      </a:r>
+                    </a:p>
+                    <a:p>
+                      <a:pPr algn="ctr" latinLnBrk="1"/>
+                      <a:r>
+                        <a:rPr lang="en-US" altLang="ko-KR" sz="1600" spc="-150" dirty="0">
+                          <a:solidFill>
+                            <a:schemeClr val="tx1">
+                              <a:lumMod val="50000"/>
+                              <a:lumOff val="50000"/>
+                            </a:schemeClr>
+                          </a:solidFill>
+                          <a:latin typeface="Lucida Fax" panose="02060602050505020204" pitchFamily="18" charset="0"/>
+                          <a:ea typeface="서울한강체 L" panose="02020603020101020101" pitchFamily="18" charset="-127"/>
+                        </a:rPr>
+                        <a:t>(for large-scale and global biz)</a:t>
+                      </a:r>
+                      <a:endParaRPr lang="ko-KR" altLang="en-US" sz="1600" spc="-150" dirty="0">
+                        <a:solidFill>
+                          <a:schemeClr val="tx1">
+                            <a:lumMod val="50000"/>
+                            <a:lumOff val="50000"/>
+                          </a:schemeClr>
+                        </a:solidFill>
+                        <a:latin typeface="Lucida Fax" panose="02060602050505020204" pitchFamily="18" charset="0"/>
+                        <a:ea typeface="서울한강체 L" panose="02020603020101020101" pitchFamily="18" charset="-127"/>
+                      </a:endParaRPr>
+                    </a:p>
+                  </a:txBody>
+                  <a:tcPr>
+                    <a:lnL w="3175" cap="flat" cmpd="sng" algn="ctr">
+                      <a:solidFill>
+                        <a:schemeClr val="bg1">
+                          <a:lumMod val="75000"/>
+                        </a:schemeClr>
+                      </a:solidFill>
+                      <a:prstDash val="solid"/>
+                      <a:round/>
+                      <a:headEnd type="none" w="med" len="med"/>
+                      <a:tailEnd type="none" w="med" len="med"/>
+                    </a:lnL>
+                    <a:lnR w="3175" cap="flat" cmpd="sng" algn="ctr">
+                      <a:solidFill>
+                        <a:schemeClr val="bg1">
+                          <a:lumMod val="75000"/>
+                        </a:schemeClr>
+                      </a:solidFill>
+                      <a:prstDash val="solid"/>
+                      <a:round/>
+                      <a:headEnd type="none" w="med" len="med"/>
+                      <a:tailEnd type="none" w="med" len="med"/>
+                    </a:lnR>
+                    <a:lnT w="3175" cap="flat" cmpd="sng" algn="ctr">
+                      <a:solidFill>
+                        <a:schemeClr val="bg1">
+                          <a:lumMod val="75000"/>
+                        </a:schemeClr>
+                      </a:solidFill>
+                      <a:prstDash val="solid"/>
+                      <a:round/>
+                      <a:headEnd type="none" w="med" len="med"/>
+                      <a:tailEnd type="none" w="med" len="med"/>
+                    </a:lnT>
+                    <a:lnB w="3175" cap="flat" cmpd="sng" algn="ctr">
+                      <a:solidFill>
+                        <a:schemeClr val="bg1">
+                          <a:lumMod val="75000"/>
+                        </a:schemeClr>
+                      </a:solidFill>
+                      <a:prstDash val="solid"/>
+                      <a:round/>
+                      <a:headEnd type="none" w="med" len="med"/>
+                      <a:tailEnd type="none" w="med" len="med"/>
+                    </a:lnB>
+                    <a:noFill/>
+                  </a:tcPr>
+                </a:tc>
+                <a:extLst>
+                  <a:ext uri="{0D108BD9-81ED-4DB2-BD59-A6C34878D82A}">
+                    <a16:rowId xmlns:a16="http://schemas.microsoft.com/office/drawing/2014/main" val="503147993"/>
+                  </a:ext>
+                </a:extLst>
+              </a:tr>
+              <a:tr h="0">
+                <a:tc>
+                  <a:txBody>
+                    <a:bodyPr/>
+                    <a:lstStyle/>
+                    <a:p>
+                      <a:pPr latinLnBrk="1"/>
+                      <a:r>
+                        <a:rPr lang="en-US" altLang="ko-KR" sz="1600" spc="-150" dirty="0">
+                          <a:solidFill>
+                            <a:schemeClr val="tx1"/>
+                          </a:solidFill>
+                          <a:latin typeface="Lucida Fax" panose="02060602050505020204" pitchFamily="18" charset="0"/>
+                          <a:ea typeface="서울한강체 L" panose="02020603020101020101" pitchFamily="18" charset="-127"/>
+                        </a:rPr>
+                        <a:t>HA architecture (for zero downtime)</a:t>
+                      </a:r>
+                      <a:endParaRPr lang="ko-KR" altLang="en-US" sz="1600" spc="-150" dirty="0">
+                        <a:solidFill>
+                          <a:schemeClr val="tx1"/>
+                        </a:solidFill>
+                        <a:latin typeface="Lucida Fax" panose="02060602050505020204" pitchFamily="18" charset="0"/>
+                        <a:ea typeface="서울한강체 L" panose="02020603020101020101" pitchFamily="18" charset="-127"/>
+                      </a:endParaRPr>
+                    </a:p>
+                  </a:txBody>
+                  <a:tcPr>
+                    <a:lnL w="3175" cap="flat" cmpd="sng" algn="ctr">
+                      <a:solidFill>
+                        <a:schemeClr val="bg1">
+                          <a:lumMod val="75000"/>
+                        </a:schemeClr>
+                      </a:solidFill>
+                      <a:prstDash val="solid"/>
+                      <a:round/>
+                      <a:headEnd type="none" w="med" len="med"/>
+                      <a:tailEnd type="none" w="med" len="med"/>
+                    </a:lnL>
+                    <a:lnR w="3175" cap="flat" cmpd="sng" algn="ctr">
+                      <a:solidFill>
+                        <a:schemeClr val="bg1">
+                          <a:lumMod val="75000"/>
+                        </a:schemeClr>
+                      </a:solidFill>
+                      <a:prstDash val="solid"/>
+                      <a:round/>
+                      <a:headEnd type="none" w="med" len="med"/>
+                      <a:tailEnd type="none" w="med" len="med"/>
+                    </a:lnR>
+                    <a:lnT w="3175" cap="flat" cmpd="sng" algn="ctr">
+                      <a:solidFill>
+                        <a:schemeClr val="bg1">
+                          <a:lumMod val="75000"/>
+                        </a:schemeClr>
+                      </a:solidFill>
+                      <a:prstDash val="solid"/>
+                      <a:round/>
+                      <a:headEnd type="none" w="med" len="med"/>
+                      <a:tailEnd type="none" w="med" len="med"/>
+                    </a:lnT>
+                    <a:lnB w="3175" cap="flat" cmpd="sng" algn="ctr">
+                      <a:solidFill>
+                        <a:schemeClr val="bg1">
+                          <a:lumMod val="75000"/>
+                        </a:schemeClr>
+                      </a:solidFill>
+                      <a:prstDash val="solid"/>
+                      <a:round/>
+                      <a:headEnd type="none" w="med" len="med"/>
+                      <a:tailEnd type="none" w="med" len="med"/>
+                    </a:lnB>
+                    <a:noFill/>
+                  </a:tcPr>
+                </a:tc>
+                <a:tc>
+                  <a:txBody>
+                    <a:bodyPr/>
+                    <a:lstStyle/>
+                    <a:p>
+                      <a:pPr latinLnBrk="1"/>
+                      <a:r>
+                        <a:rPr lang="en-US" altLang="ko-KR" sz="1600" spc="-150" dirty="0">
+                          <a:solidFill>
+                            <a:schemeClr val="tx1"/>
+                          </a:solidFill>
+                          <a:latin typeface="Lucida Fax" panose="02060602050505020204" pitchFamily="18" charset="0"/>
+                          <a:ea typeface="서울한강체 L" panose="02020603020101020101" pitchFamily="18" charset="-127"/>
+                        </a:rPr>
+                        <a:t>Dual EC2 (+EBS) w/ auto-scaling</a:t>
+                      </a:r>
+                    </a:p>
+                    <a:p>
+                      <a:pPr latinLnBrk="1"/>
+                      <a:r>
+                        <a:rPr lang="en-US" altLang="ko-KR" sz="1600" spc="-150" dirty="0">
+                          <a:solidFill>
+                            <a:schemeClr val="tx1"/>
+                          </a:solidFill>
+                          <a:latin typeface="Lucida Fax" panose="02060602050505020204" pitchFamily="18" charset="0"/>
+                          <a:ea typeface="서울한강체 L" panose="02020603020101020101" pitchFamily="18" charset="-127"/>
+                        </a:rPr>
+                        <a:t>S3</a:t>
+                      </a:r>
+                    </a:p>
+                    <a:p>
+                      <a:pPr latinLnBrk="1"/>
+                      <a:r>
+                        <a:rPr lang="en-US" altLang="ko-KR" sz="1600" spc="-150" dirty="0">
+                          <a:solidFill>
+                            <a:schemeClr val="tx1"/>
+                          </a:solidFill>
+                          <a:latin typeface="Lucida Fax" panose="02060602050505020204" pitchFamily="18" charset="0"/>
+                          <a:ea typeface="서울한강체 L" panose="02020603020101020101" pitchFamily="18" charset="-127"/>
+                        </a:rPr>
+                        <a:t>RDS </a:t>
+                      </a:r>
+                      <a:endParaRPr lang="ko-KR" altLang="en-US" sz="1600" spc="-150" dirty="0">
+                        <a:solidFill>
+                          <a:schemeClr val="tx1"/>
+                        </a:solidFill>
+                        <a:latin typeface="Lucida Fax" panose="02060602050505020204" pitchFamily="18" charset="0"/>
+                        <a:ea typeface="서울한강체 L" panose="02020603020101020101" pitchFamily="18" charset="-127"/>
+                      </a:endParaRPr>
+                    </a:p>
+                  </a:txBody>
+                  <a:tcPr>
+                    <a:lnL w="3175" cap="flat" cmpd="sng" algn="ctr">
+                      <a:solidFill>
+                        <a:schemeClr val="bg1">
+                          <a:lumMod val="75000"/>
+                        </a:schemeClr>
+                      </a:solidFill>
+                      <a:prstDash val="solid"/>
+                      <a:round/>
+                      <a:headEnd type="none" w="med" len="med"/>
+                      <a:tailEnd type="none" w="med" len="med"/>
+                    </a:lnL>
+                    <a:lnR w="3175" cap="flat" cmpd="sng" algn="ctr">
+                      <a:solidFill>
+                        <a:schemeClr val="bg1">
+                          <a:lumMod val="75000"/>
+                        </a:schemeClr>
+                      </a:solidFill>
+                      <a:prstDash val="solid"/>
+                      <a:round/>
+                      <a:headEnd type="none" w="med" len="med"/>
+                      <a:tailEnd type="none" w="med" len="med"/>
+                    </a:lnR>
+                    <a:lnT w="3175" cap="flat" cmpd="sng" algn="ctr">
+                      <a:solidFill>
+                        <a:schemeClr val="bg1">
+                          <a:lumMod val="75000"/>
+                        </a:schemeClr>
+                      </a:solidFill>
+                      <a:prstDash val="solid"/>
+                      <a:round/>
+                      <a:headEnd type="none" w="med" len="med"/>
+                      <a:tailEnd type="none" w="med" len="med"/>
+                    </a:lnT>
+                    <a:lnB w="3175" cap="flat" cmpd="sng" algn="ctr">
+                      <a:solidFill>
+                        <a:schemeClr val="bg1">
+                          <a:lumMod val="75000"/>
+                        </a:schemeClr>
+                      </a:solidFill>
+                      <a:prstDash val="solid"/>
+                      <a:round/>
+                      <a:headEnd type="none" w="med" len="med"/>
+                      <a:tailEnd type="none" w="med" len="med"/>
+                    </a:lnB>
+                    <a:noFill/>
+                  </a:tcPr>
+                </a:tc>
+                <a:tc>
+                  <a:txBody>
+                    <a:bodyPr/>
+                    <a:lstStyle/>
+                    <a:p>
+                      <a:pPr latinLnBrk="1"/>
+                      <a:r>
+                        <a:rPr lang="en-US" altLang="ko-KR" sz="1600" spc="-150" dirty="0">
+                          <a:solidFill>
+                            <a:schemeClr val="tx1"/>
+                          </a:solidFill>
+                          <a:latin typeface="Lucida Fax" panose="02060602050505020204" pitchFamily="18" charset="0"/>
+                          <a:ea typeface="서울한강체 L" panose="02020603020101020101" pitchFamily="18" charset="-127"/>
+                        </a:rPr>
+                        <a:t>When increasing user and traffic </a:t>
+                      </a:r>
+                    </a:p>
+                    <a:p>
+                      <a:pPr latinLnBrk="1"/>
+                      <a:r>
+                        <a:rPr lang="en-US" altLang="ko-KR" sz="1600" spc="-150" dirty="0">
+                          <a:solidFill>
+                            <a:schemeClr val="tx1"/>
+                          </a:solidFill>
+                          <a:latin typeface="Lucida Fax" panose="02060602050505020204" pitchFamily="18" charset="0"/>
+                          <a:ea typeface="서울한강체 L" panose="02020603020101020101" pitchFamily="18" charset="-127"/>
+                        </a:rPr>
+                        <a:t>(2,600 tpmC /+EC2)</a:t>
+                      </a:r>
+                      <a:endParaRPr lang="ko-KR" altLang="en-US" sz="1600" spc="-150" dirty="0">
+                        <a:solidFill>
+                          <a:schemeClr val="tx1"/>
+                        </a:solidFill>
+                        <a:latin typeface="Lucida Fax" panose="02060602050505020204" pitchFamily="18" charset="0"/>
+                        <a:ea typeface="서울한강체 L" panose="02020603020101020101" pitchFamily="18" charset="-127"/>
+                      </a:endParaRPr>
+                    </a:p>
+                  </a:txBody>
+                  <a:tcPr>
+                    <a:lnL w="3175" cap="flat" cmpd="sng" algn="ctr">
+                      <a:solidFill>
+                        <a:schemeClr val="bg1">
+                          <a:lumMod val="75000"/>
+                        </a:schemeClr>
+                      </a:solidFill>
+                      <a:prstDash val="solid"/>
+                      <a:round/>
+                      <a:headEnd type="none" w="med" len="med"/>
+                      <a:tailEnd type="none" w="med" len="med"/>
+                    </a:lnL>
+                    <a:lnR w="3175" cap="flat" cmpd="sng" algn="ctr">
+                      <a:solidFill>
+                        <a:schemeClr val="bg1">
+                          <a:lumMod val="75000"/>
+                        </a:schemeClr>
+                      </a:solidFill>
+                      <a:prstDash val="solid"/>
+                      <a:round/>
+                      <a:headEnd type="none" w="med" len="med"/>
+                      <a:tailEnd type="none" w="med" len="med"/>
+                    </a:lnR>
+                    <a:lnT w="3175" cap="flat" cmpd="sng" algn="ctr">
+                      <a:solidFill>
+                        <a:schemeClr val="bg1">
+                          <a:lumMod val="75000"/>
+                        </a:schemeClr>
+                      </a:solidFill>
+                      <a:prstDash val="solid"/>
+                      <a:round/>
+                      <a:headEnd type="none" w="med" len="med"/>
+                      <a:tailEnd type="none" w="med" len="med"/>
+                    </a:lnT>
+                    <a:lnB w="3175" cap="flat" cmpd="sng" algn="ctr">
+                      <a:solidFill>
+                        <a:schemeClr val="bg1">
+                          <a:lumMod val="75000"/>
+                        </a:schemeClr>
+                      </a:solidFill>
+                      <a:prstDash val="solid"/>
+                      <a:round/>
+                      <a:headEnd type="none" w="med" len="med"/>
+                      <a:tailEnd type="none" w="med" len="med"/>
+                    </a:lnB>
+                    <a:noFill/>
+                  </a:tcPr>
+                </a:tc>
+                <a:tc>
+                  <a:txBody>
+                    <a:bodyPr/>
+                    <a:lstStyle/>
+                    <a:p>
+                      <a:pPr latinLnBrk="1"/>
+                      <a:r>
+                        <a:rPr lang="en-US" altLang="ko-KR" sz="1600" spc="-150" dirty="0">
+                          <a:solidFill>
+                            <a:schemeClr val="tx1">
+                              <a:lumMod val="50000"/>
+                              <a:lumOff val="50000"/>
+                            </a:schemeClr>
+                          </a:solidFill>
+                          <a:latin typeface="Lucida Fax" panose="02060602050505020204" pitchFamily="18" charset="0"/>
+                          <a:ea typeface="서울한강체 L" panose="02020603020101020101" pitchFamily="18" charset="-127"/>
+                        </a:rPr>
+                        <a:t>Consider DB Clustering</a:t>
+                      </a:r>
+                      <a:endParaRPr lang="ko-KR" altLang="en-US" sz="1600" spc="-150" dirty="0">
+                        <a:solidFill>
+                          <a:schemeClr val="tx1">
+                            <a:lumMod val="50000"/>
+                            <a:lumOff val="50000"/>
+                          </a:schemeClr>
+                        </a:solidFill>
+                        <a:latin typeface="Lucida Fax" panose="02060602050505020204" pitchFamily="18" charset="0"/>
+                        <a:ea typeface="서울한강체 L" panose="02020603020101020101" pitchFamily="18" charset="-127"/>
+                      </a:endParaRPr>
+                    </a:p>
+                  </a:txBody>
+                  <a:tcPr>
+                    <a:lnL w="3175" cap="flat" cmpd="sng" algn="ctr">
+                      <a:solidFill>
+                        <a:schemeClr val="bg1">
+                          <a:lumMod val="75000"/>
+                        </a:schemeClr>
+                      </a:solidFill>
+                      <a:prstDash val="solid"/>
+                      <a:round/>
+                      <a:headEnd type="none" w="med" len="med"/>
+                      <a:tailEnd type="none" w="med" len="med"/>
+                    </a:lnL>
+                    <a:lnR w="3175" cap="flat" cmpd="sng" algn="ctr">
+                      <a:solidFill>
+                        <a:schemeClr val="bg1">
+                          <a:lumMod val="75000"/>
+                        </a:schemeClr>
+                      </a:solidFill>
+                      <a:prstDash val="solid"/>
+                      <a:round/>
+                      <a:headEnd type="none" w="med" len="med"/>
+                      <a:tailEnd type="none" w="med" len="med"/>
+                    </a:lnR>
+                    <a:lnT w="3175" cap="flat" cmpd="sng" algn="ctr">
+                      <a:solidFill>
+                        <a:schemeClr val="bg1">
+                          <a:lumMod val="75000"/>
+                        </a:schemeClr>
+                      </a:solidFill>
+                      <a:prstDash val="solid"/>
+                      <a:round/>
+                      <a:headEnd type="none" w="med" len="med"/>
+                      <a:tailEnd type="none" w="med" len="med"/>
+                    </a:lnT>
+                    <a:lnB w="3175" cap="flat" cmpd="sng" algn="ctr">
+                      <a:solidFill>
+                        <a:schemeClr val="bg1">
+                          <a:lumMod val="75000"/>
+                        </a:schemeClr>
+                      </a:solidFill>
+                      <a:prstDash val="solid"/>
+                      <a:round/>
+                      <a:headEnd type="none" w="med" len="med"/>
+                      <a:tailEnd type="none" w="med" len="med"/>
+                    </a:lnB>
+                    <a:noFill/>
+                  </a:tcPr>
+                </a:tc>
+                <a:extLst>
+                  <a:ext uri="{0D108BD9-81ED-4DB2-BD59-A6C34878D82A}">
+                    <a16:rowId xmlns:a16="http://schemas.microsoft.com/office/drawing/2014/main" val="4150643713"/>
+                  </a:ext>
+                </a:extLst>
+              </a:tr>
+              <a:tr h="0">
+                <a:tc>
+                  <a:txBody>
+                    <a:bodyPr/>
+                    <a:lstStyle/>
+                    <a:p>
+                      <a:pPr latinLnBrk="1"/>
+                      <a:r>
+                        <a:rPr lang="en-US" altLang="ko-KR" sz="1600" spc="-150" dirty="0">
+                          <a:solidFill>
+                            <a:schemeClr val="tx1"/>
+                          </a:solidFill>
+                          <a:latin typeface="Lucida Fax" panose="02060602050505020204" pitchFamily="18" charset="0"/>
+                          <a:ea typeface="서울한강체 L" panose="02020603020101020101" pitchFamily="18" charset="-127"/>
+                        </a:rPr>
+                        <a:t>Resist to regional failure</a:t>
+                      </a:r>
+                      <a:endParaRPr lang="ko-KR" altLang="en-US" sz="1600" spc="-150" dirty="0">
+                        <a:solidFill>
+                          <a:schemeClr val="tx1"/>
+                        </a:solidFill>
+                        <a:latin typeface="Lucida Fax" panose="02060602050505020204" pitchFamily="18" charset="0"/>
+                        <a:ea typeface="서울한강체 L" panose="02020603020101020101" pitchFamily="18" charset="-127"/>
+                      </a:endParaRPr>
+                    </a:p>
+                  </a:txBody>
+                  <a:tcPr>
+                    <a:lnL w="3175" cap="flat" cmpd="sng" algn="ctr">
+                      <a:solidFill>
+                        <a:schemeClr val="bg1">
+                          <a:lumMod val="75000"/>
+                        </a:schemeClr>
+                      </a:solidFill>
+                      <a:prstDash val="solid"/>
+                      <a:round/>
+                      <a:headEnd type="none" w="med" len="med"/>
+                      <a:tailEnd type="none" w="med" len="med"/>
+                    </a:lnL>
+                    <a:lnR w="3175" cap="flat" cmpd="sng" algn="ctr">
+                      <a:solidFill>
+                        <a:schemeClr val="bg1">
+                          <a:lumMod val="75000"/>
+                        </a:schemeClr>
+                      </a:solidFill>
+                      <a:prstDash val="solid"/>
+                      <a:round/>
+                      <a:headEnd type="none" w="med" len="med"/>
+                      <a:tailEnd type="none" w="med" len="med"/>
+                    </a:lnR>
+                    <a:lnT w="3175" cap="flat" cmpd="sng" algn="ctr">
+                      <a:solidFill>
+                        <a:schemeClr val="bg1">
+                          <a:lumMod val="75000"/>
+                        </a:schemeClr>
+                      </a:solidFill>
+                      <a:prstDash val="solid"/>
+                      <a:round/>
+                      <a:headEnd type="none" w="med" len="med"/>
+                      <a:tailEnd type="none" w="med" len="med"/>
+                    </a:lnT>
+                    <a:lnB w="3175" cap="flat" cmpd="sng" algn="ctr">
+                      <a:solidFill>
+                        <a:schemeClr val="bg1">
+                          <a:lumMod val="75000"/>
+                        </a:schemeClr>
+                      </a:solidFill>
+                      <a:prstDash val="solid"/>
+                      <a:round/>
+                      <a:headEnd type="none" w="med" len="med"/>
+                      <a:tailEnd type="none" w="med" len="med"/>
+                    </a:lnB>
+                    <a:noFill/>
+                  </a:tcPr>
+                </a:tc>
+                <a:tc>
+                  <a:txBody>
+                    <a:bodyPr/>
+                    <a:lstStyle/>
+                    <a:p>
+                      <a:pPr latinLnBrk="1"/>
+                      <a:r>
+                        <a:rPr lang="en-US" altLang="ko-KR" sz="1600" spc="-150" dirty="0">
+                          <a:solidFill>
+                            <a:schemeClr val="tx1"/>
+                          </a:solidFill>
+                          <a:latin typeface="Lucida Fax" panose="02060602050505020204" pitchFamily="18" charset="0"/>
+                          <a:ea typeface="서울한강체 L" panose="02020603020101020101" pitchFamily="18" charset="-127"/>
+                        </a:rPr>
+                        <a:t>Using different regions</a:t>
+                      </a:r>
+                    </a:p>
+                    <a:p>
+                      <a:pPr latinLnBrk="1"/>
+                      <a:r>
+                        <a:rPr lang="en-US" altLang="ko-KR" sz="1600" spc="-150" dirty="0">
+                          <a:solidFill>
+                            <a:schemeClr val="tx1"/>
+                          </a:solidFill>
+                          <a:latin typeface="Lucida Fax" panose="02060602050505020204" pitchFamily="18" charset="0"/>
+                          <a:ea typeface="서울한강체 L" panose="02020603020101020101" pitchFamily="18" charset="-127"/>
+                        </a:rPr>
+                        <a:t>(VPC and RDS/Multi-AZ)</a:t>
+                      </a:r>
+                      <a:endParaRPr lang="ko-KR" altLang="en-US" sz="1600" spc="-150" dirty="0">
+                        <a:solidFill>
+                          <a:schemeClr val="tx1"/>
+                        </a:solidFill>
+                        <a:latin typeface="Lucida Fax" panose="02060602050505020204" pitchFamily="18" charset="0"/>
+                        <a:ea typeface="서울한강체 L" panose="02020603020101020101" pitchFamily="18" charset="-127"/>
+                      </a:endParaRPr>
+                    </a:p>
+                  </a:txBody>
+                  <a:tcPr>
+                    <a:lnL w="3175" cap="flat" cmpd="sng" algn="ctr">
+                      <a:solidFill>
+                        <a:schemeClr val="bg1">
+                          <a:lumMod val="75000"/>
+                        </a:schemeClr>
+                      </a:solidFill>
+                      <a:prstDash val="solid"/>
+                      <a:round/>
+                      <a:headEnd type="none" w="med" len="med"/>
+                      <a:tailEnd type="none" w="med" len="med"/>
+                    </a:lnL>
+                    <a:lnR w="3175" cap="flat" cmpd="sng" algn="ctr">
+                      <a:solidFill>
+                        <a:schemeClr val="bg1">
+                          <a:lumMod val="75000"/>
+                        </a:schemeClr>
+                      </a:solidFill>
+                      <a:prstDash val="solid"/>
+                      <a:round/>
+                      <a:headEnd type="none" w="med" len="med"/>
+                      <a:tailEnd type="none" w="med" len="med"/>
+                    </a:lnR>
+                    <a:lnT w="3175" cap="flat" cmpd="sng" algn="ctr">
+                      <a:solidFill>
+                        <a:schemeClr val="bg1">
+                          <a:lumMod val="75000"/>
+                        </a:schemeClr>
+                      </a:solidFill>
+                      <a:prstDash val="solid"/>
+                      <a:round/>
+                      <a:headEnd type="none" w="med" len="med"/>
+                      <a:tailEnd type="none" w="med" len="med"/>
+                    </a:lnT>
+                    <a:lnB w="3175" cap="flat" cmpd="sng" algn="ctr">
+                      <a:solidFill>
+                        <a:schemeClr val="bg1">
+                          <a:lumMod val="75000"/>
+                        </a:schemeClr>
+                      </a:solidFill>
+                      <a:prstDash val="solid"/>
+                      <a:round/>
+                      <a:headEnd type="none" w="med" len="med"/>
+                      <a:tailEnd type="none" w="med" len="med"/>
+                    </a:lnB>
+                    <a:noFill/>
+                  </a:tcPr>
+                </a:tc>
+                <a:tc>
+                  <a:txBody>
+                    <a:bodyPr/>
+                    <a:lstStyle/>
+                    <a:p>
+                      <a:pPr latinLnBrk="1"/>
+                      <a:endParaRPr lang="ko-KR" altLang="en-US" sz="1600" spc="-150" dirty="0">
+                        <a:solidFill>
+                          <a:schemeClr val="tx1"/>
+                        </a:solidFill>
+                        <a:latin typeface="Lucida Fax" panose="02060602050505020204" pitchFamily="18" charset="0"/>
+                        <a:ea typeface="서울한강체 L" panose="02020603020101020101" pitchFamily="18" charset="-127"/>
+                      </a:endParaRPr>
+                    </a:p>
+                  </a:txBody>
+                  <a:tcPr>
+                    <a:lnL w="3175" cap="flat" cmpd="sng" algn="ctr">
+                      <a:solidFill>
+                        <a:schemeClr val="bg1">
+                          <a:lumMod val="75000"/>
+                        </a:schemeClr>
+                      </a:solidFill>
+                      <a:prstDash val="solid"/>
+                      <a:round/>
+                      <a:headEnd type="none" w="med" len="med"/>
+                      <a:tailEnd type="none" w="med" len="med"/>
+                    </a:lnL>
+                    <a:lnR w="3175" cap="flat" cmpd="sng" algn="ctr">
+                      <a:solidFill>
+                        <a:schemeClr val="bg1">
+                          <a:lumMod val="75000"/>
+                        </a:schemeClr>
+                      </a:solidFill>
+                      <a:prstDash val="solid"/>
+                      <a:round/>
+                      <a:headEnd type="none" w="med" len="med"/>
+                      <a:tailEnd type="none" w="med" len="med"/>
+                    </a:lnR>
+                    <a:lnT w="3175" cap="flat" cmpd="sng" algn="ctr">
+                      <a:solidFill>
+                        <a:schemeClr val="bg1">
+                          <a:lumMod val="75000"/>
+                        </a:schemeClr>
+                      </a:solidFill>
+                      <a:prstDash val="solid"/>
+                      <a:round/>
+                      <a:headEnd type="none" w="med" len="med"/>
+                      <a:tailEnd type="none" w="med" len="med"/>
+                    </a:lnT>
+                    <a:lnB w="3175" cap="flat" cmpd="sng" algn="ctr">
+                      <a:solidFill>
+                        <a:schemeClr val="bg1">
+                          <a:lumMod val="75000"/>
+                        </a:schemeClr>
+                      </a:solidFill>
+                      <a:prstDash val="solid"/>
+                      <a:round/>
+                      <a:headEnd type="none" w="med" len="med"/>
+                      <a:tailEnd type="none" w="med" len="med"/>
+                    </a:lnB>
+                    <a:noFill/>
+                  </a:tcPr>
+                </a:tc>
+                <a:tc>
+                  <a:txBody>
+                    <a:bodyPr/>
+                    <a:lstStyle/>
+                    <a:p>
+                      <a:pPr latinLnBrk="1"/>
+                      <a:endParaRPr lang="ko-KR" altLang="en-US" sz="1600" spc="-150" dirty="0">
+                        <a:solidFill>
+                          <a:schemeClr val="tx1">
+                            <a:lumMod val="50000"/>
+                            <a:lumOff val="50000"/>
+                          </a:schemeClr>
+                        </a:solidFill>
+                        <a:latin typeface="Lucida Fax" panose="02060602050505020204" pitchFamily="18" charset="0"/>
+                        <a:ea typeface="서울한강체 L" panose="02020603020101020101" pitchFamily="18" charset="-127"/>
+                      </a:endParaRPr>
+                    </a:p>
+                  </a:txBody>
+                  <a:tcPr>
+                    <a:lnL w="3175" cap="flat" cmpd="sng" algn="ctr">
+                      <a:solidFill>
+                        <a:schemeClr val="bg1">
+                          <a:lumMod val="75000"/>
+                        </a:schemeClr>
+                      </a:solidFill>
+                      <a:prstDash val="solid"/>
+                      <a:round/>
+                      <a:headEnd type="none" w="med" len="med"/>
+                      <a:tailEnd type="none" w="med" len="med"/>
+                    </a:lnL>
+                    <a:lnR w="3175" cap="flat" cmpd="sng" algn="ctr">
+                      <a:solidFill>
+                        <a:schemeClr val="bg1">
+                          <a:lumMod val="75000"/>
+                        </a:schemeClr>
+                      </a:solidFill>
+                      <a:prstDash val="solid"/>
+                      <a:round/>
+                      <a:headEnd type="none" w="med" len="med"/>
+                      <a:tailEnd type="none" w="med" len="med"/>
+                    </a:lnR>
+                    <a:lnT w="3175" cap="flat" cmpd="sng" algn="ctr">
+                      <a:solidFill>
+                        <a:schemeClr val="bg1">
+                          <a:lumMod val="75000"/>
+                        </a:schemeClr>
+                      </a:solidFill>
+                      <a:prstDash val="solid"/>
+                      <a:round/>
+                      <a:headEnd type="none" w="med" len="med"/>
+                      <a:tailEnd type="none" w="med" len="med"/>
+                    </a:lnT>
+                    <a:lnB w="3175" cap="flat" cmpd="sng" algn="ctr">
+                      <a:solidFill>
+                        <a:schemeClr val="bg1">
+                          <a:lumMod val="75000"/>
+                        </a:schemeClr>
+                      </a:solidFill>
+                      <a:prstDash val="solid"/>
+                      <a:round/>
+                      <a:headEnd type="none" w="med" len="med"/>
+                      <a:tailEnd type="none" w="med" len="med"/>
+                    </a:lnB>
+                    <a:noFill/>
+                  </a:tcPr>
+                </a:tc>
+                <a:extLst>
+                  <a:ext uri="{0D108BD9-81ED-4DB2-BD59-A6C34878D82A}">
+                    <a16:rowId xmlns:a16="http://schemas.microsoft.com/office/drawing/2014/main" val="1685618004"/>
+                  </a:ext>
+                </a:extLst>
+              </a:tr>
+              <a:tr h="0">
+                <a:tc>
+                  <a:txBody>
+                    <a:bodyPr/>
+                    <a:lstStyle/>
+                    <a:p>
+                      <a:pPr latinLnBrk="1"/>
+                      <a:r>
+                        <a:rPr lang="en-US" altLang="ko-KR" sz="1600" spc="-150" dirty="0">
+                          <a:solidFill>
+                            <a:schemeClr val="tx1"/>
+                          </a:solidFill>
+                          <a:latin typeface="Lucida Fax" panose="02060602050505020204" pitchFamily="18" charset="0"/>
+                          <a:ea typeface="서울한강체 L" panose="02020603020101020101" pitchFamily="18" charset="-127"/>
+                        </a:rPr>
+                        <a:t>Support security</a:t>
+                      </a:r>
+                      <a:endParaRPr lang="ko-KR" altLang="en-US" sz="1600" spc="-150" dirty="0">
+                        <a:solidFill>
+                          <a:schemeClr val="tx1"/>
+                        </a:solidFill>
+                        <a:latin typeface="Lucida Fax" panose="02060602050505020204" pitchFamily="18" charset="0"/>
+                        <a:ea typeface="서울한강체 L" panose="02020603020101020101" pitchFamily="18" charset="-127"/>
+                      </a:endParaRPr>
+                    </a:p>
+                  </a:txBody>
+                  <a:tcPr>
+                    <a:lnL w="3175" cap="flat" cmpd="sng" algn="ctr">
+                      <a:solidFill>
+                        <a:schemeClr val="bg1">
+                          <a:lumMod val="75000"/>
+                        </a:schemeClr>
+                      </a:solidFill>
+                      <a:prstDash val="solid"/>
+                      <a:round/>
+                      <a:headEnd type="none" w="med" len="med"/>
+                      <a:tailEnd type="none" w="med" len="med"/>
+                    </a:lnL>
+                    <a:lnR w="3175" cap="flat" cmpd="sng" algn="ctr">
+                      <a:solidFill>
+                        <a:schemeClr val="bg1">
+                          <a:lumMod val="75000"/>
+                        </a:schemeClr>
+                      </a:solidFill>
+                      <a:prstDash val="solid"/>
+                      <a:round/>
+                      <a:headEnd type="none" w="med" len="med"/>
+                      <a:tailEnd type="none" w="med" len="med"/>
+                    </a:lnR>
+                    <a:lnT w="3175" cap="flat" cmpd="sng" algn="ctr">
+                      <a:solidFill>
+                        <a:schemeClr val="bg1">
+                          <a:lumMod val="75000"/>
+                        </a:schemeClr>
+                      </a:solidFill>
+                      <a:prstDash val="solid"/>
+                      <a:round/>
+                      <a:headEnd type="none" w="med" len="med"/>
+                      <a:tailEnd type="none" w="med" len="med"/>
+                    </a:lnT>
+                    <a:lnB w="3175" cap="flat" cmpd="sng" algn="ctr">
+                      <a:solidFill>
+                        <a:schemeClr val="bg1">
+                          <a:lumMod val="75000"/>
+                        </a:schemeClr>
+                      </a:solidFill>
+                      <a:prstDash val="solid"/>
+                      <a:round/>
+                      <a:headEnd type="none" w="med" len="med"/>
+                      <a:tailEnd type="none" w="med" len="med"/>
+                    </a:lnB>
+                    <a:noFill/>
+                  </a:tcPr>
+                </a:tc>
+                <a:tc>
+                  <a:txBody>
+                    <a:bodyPr/>
+                    <a:lstStyle/>
+                    <a:p>
+                      <a:pPr latinLnBrk="1"/>
+                      <a:r>
+                        <a:rPr lang="en-US" altLang="ko-KR" sz="1600" spc="-150" dirty="0">
+                          <a:solidFill>
+                            <a:schemeClr val="tx1"/>
+                          </a:solidFill>
+                          <a:latin typeface="Lucida Fax" panose="02060602050505020204" pitchFamily="18" charset="0"/>
+                          <a:ea typeface="서울한강체 L" panose="02020603020101020101" pitchFamily="18" charset="-127"/>
+                        </a:rPr>
+                        <a:t>Using HTTPS (with certification)</a:t>
+                      </a:r>
+                    </a:p>
+                    <a:p>
+                      <a:pPr latinLnBrk="1"/>
+                      <a:r>
+                        <a:rPr lang="en-US" altLang="ko-KR" sz="1600" spc="-150" dirty="0">
+                          <a:solidFill>
+                            <a:schemeClr val="tx1"/>
+                          </a:solidFill>
+                          <a:latin typeface="Lucida Fax" panose="02060602050505020204" pitchFamily="18" charset="0"/>
+                          <a:ea typeface="서울한강체 L" panose="02020603020101020101" pitchFamily="18" charset="-127"/>
+                        </a:rPr>
+                        <a:t>Network virtualization (VPC) and topology hidding with public and private subnet segmentation.</a:t>
+                      </a:r>
+                    </a:p>
+                    <a:p>
+                      <a:pPr latinLnBrk="1"/>
+                      <a:r>
+                        <a:rPr lang="en-US" altLang="ko-KR" sz="1600" spc="-150" dirty="0">
+                          <a:solidFill>
+                            <a:schemeClr val="tx1"/>
+                          </a:solidFill>
+                          <a:latin typeface="Lucida Fax" panose="02060602050505020204" pitchFamily="18" charset="0"/>
+                          <a:ea typeface="서울한강체 L" panose="02020603020101020101" pitchFamily="18" charset="-127"/>
+                        </a:rPr>
+                        <a:t>Access-control with IAM (prepare policy and group, then allocate group to user/delivery team)</a:t>
+                      </a:r>
+                      <a:endParaRPr lang="ko-KR" altLang="en-US" sz="1600" spc="-150" dirty="0">
+                        <a:solidFill>
+                          <a:schemeClr val="tx1"/>
+                        </a:solidFill>
+                        <a:latin typeface="Lucida Fax" panose="02060602050505020204" pitchFamily="18" charset="0"/>
+                        <a:ea typeface="서울한강체 L" panose="02020603020101020101" pitchFamily="18" charset="-127"/>
+                      </a:endParaRPr>
+                    </a:p>
+                  </a:txBody>
+                  <a:tcPr>
+                    <a:lnL w="3175" cap="flat" cmpd="sng" algn="ctr">
+                      <a:solidFill>
+                        <a:schemeClr val="bg1">
+                          <a:lumMod val="75000"/>
+                        </a:schemeClr>
+                      </a:solidFill>
+                      <a:prstDash val="solid"/>
+                      <a:round/>
+                      <a:headEnd type="none" w="med" len="med"/>
+                      <a:tailEnd type="none" w="med" len="med"/>
+                    </a:lnL>
+                    <a:lnR w="3175" cap="flat" cmpd="sng" algn="ctr">
+                      <a:solidFill>
+                        <a:schemeClr val="bg1">
+                          <a:lumMod val="75000"/>
+                        </a:schemeClr>
+                      </a:solidFill>
+                      <a:prstDash val="solid"/>
+                      <a:round/>
+                      <a:headEnd type="none" w="med" len="med"/>
+                      <a:tailEnd type="none" w="med" len="med"/>
+                    </a:lnR>
+                    <a:lnT w="3175" cap="flat" cmpd="sng" algn="ctr">
+                      <a:solidFill>
+                        <a:schemeClr val="bg1">
+                          <a:lumMod val="75000"/>
+                        </a:schemeClr>
+                      </a:solidFill>
+                      <a:prstDash val="solid"/>
+                      <a:round/>
+                      <a:headEnd type="none" w="med" len="med"/>
+                      <a:tailEnd type="none" w="med" len="med"/>
+                    </a:lnT>
+                    <a:lnB w="3175" cap="flat" cmpd="sng" algn="ctr">
+                      <a:solidFill>
+                        <a:schemeClr val="bg1">
+                          <a:lumMod val="75000"/>
+                        </a:schemeClr>
+                      </a:solidFill>
+                      <a:prstDash val="solid"/>
+                      <a:round/>
+                      <a:headEnd type="none" w="med" len="med"/>
+                      <a:tailEnd type="none" w="med" len="med"/>
+                    </a:lnB>
+                    <a:noFill/>
+                  </a:tcPr>
+                </a:tc>
+                <a:tc>
+                  <a:txBody>
+                    <a:bodyPr/>
+                    <a:lstStyle/>
+                    <a:p>
+                      <a:pPr latinLnBrk="1"/>
+                      <a:r>
+                        <a:rPr lang="en-US" altLang="ko-KR" sz="1600" spc="-150" dirty="0">
+                          <a:solidFill>
+                            <a:schemeClr val="tx1"/>
+                          </a:solidFill>
+                          <a:latin typeface="Lucida Fax" panose="02060602050505020204" pitchFamily="18" charset="0"/>
+                          <a:ea typeface="서울한강체 L" panose="02020603020101020101" pitchFamily="18" charset="-127"/>
+                        </a:rPr>
+                        <a:t>Each service policy and permission  divided 3 grade with admin / operation (start/stop)/ support (view)  </a:t>
+                      </a:r>
+                      <a:endParaRPr lang="ko-KR" altLang="en-US" sz="1600" spc="-150" dirty="0">
+                        <a:solidFill>
+                          <a:schemeClr val="tx1"/>
+                        </a:solidFill>
+                        <a:latin typeface="Lucida Fax" panose="02060602050505020204" pitchFamily="18" charset="0"/>
+                        <a:ea typeface="서울한강체 L" panose="02020603020101020101" pitchFamily="18" charset="-127"/>
+                      </a:endParaRPr>
+                    </a:p>
+                  </a:txBody>
+                  <a:tcPr>
+                    <a:lnL w="3175" cap="flat" cmpd="sng" algn="ctr">
+                      <a:solidFill>
+                        <a:schemeClr val="bg1">
+                          <a:lumMod val="75000"/>
+                        </a:schemeClr>
+                      </a:solidFill>
+                      <a:prstDash val="solid"/>
+                      <a:round/>
+                      <a:headEnd type="none" w="med" len="med"/>
+                      <a:tailEnd type="none" w="med" len="med"/>
+                    </a:lnL>
+                    <a:lnR w="3175" cap="flat" cmpd="sng" algn="ctr">
+                      <a:solidFill>
+                        <a:schemeClr val="bg1">
+                          <a:lumMod val="75000"/>
+                        </a:schemeClr>
+                      </a:solidFill>
+                      <a:prstDash val="solid"/>
+                      <a:round/>
+                      <a:headEnd type="none" w="med" len="med"/>
+                      <a:tailEnd type="none" w="med" len="med"/>
+                    </a:lnR>
+                    <a:lnT w="3175" cap="flat" cmpd="sng" algn="ctr">
+                      <a:solidFill>
+                        <a:schemeClr val="bg1">
+                          <a:lumMod val="75000"/>
+                        </a:schemeClr>
+                      </a:solidFill>
+                      <a:prstDash val="solid"/>
+                      <a:round/>
+                      <a:headEnd type="none" w="med" len="med"/>
+                      <a:tailEnd type="none" w="med" len="med"/>
+                    </a:lnT>
+                    <a:lnB w="3175" cap="flat" cmpd="sng" algn="ctr">
+                      <a:solidFill>
+                        <a:schemeClr val="bg1">
+                          <a:lumMod val="75000"/>
+                        </a:schemeClr>
+                      </a:solidFill>
+                      <a:prstDash val="solid"/>
+                      <a:round/>
+                      <a:headEnd type="none" w="med" len="med"/>
+                      <a:tailEnd type="none" w="med" len="med"/>
+                    </a:lnB>
+                    <a:noFill/>
+                  </a:tcPr>
+                </a:tc>
+                <a:tc>
+                  <a:txBody>
+                    <a:bodyPr/>
+                    <a:lstStyle/>
+                    <a:p>
+                      <a:pPr latinLnBrk="1"/>
+                      <a:endParaRPr lang="ko-KR" altLang="en-US" sz="1600" spc="-150" dirty="0">
+                        <a:solidFill>
+                          <a:schemeClr val="tx1">
+                            <a:lumMod val="50000"/>
+                            <a:lumOff val="50000"/>
+                          </a:schemeClr>
+                        </a:solidFill>
+                        <a:latin typeface="Lucida Fax" panose="02060602050505020204" pitchFamily="18" charset="0"/>
+                        <a:ea typeface="서울한강체 L" panose="02020603020101020101" pitchFamily="18" charset="-127"/>
+                      </a:endParaRPr>
+                    </a:p>
+                  </a:txBody>
+                  <a:tcPr>
+                    <a:lnL w="3175" cap="flat" cmpd="sng" algn="ctr">
+                      <a:solidFill>
+                        <a:schemeClr val="bg1">
+                          <a:lumMod val="75000"/>
+                        </a:schemeClr>
+                      </a:solidFill>
+                      <a:prstDash val="solid"/>
+                      <a:round/>
+                      <a:headEnd type="none" w="med" len="med"/>
+                      <a:tailEnd type="none" w="med" len="med"/>
+                    </a:lnL>
+                    <a:lnR w="3175" cap="flat" cmpd="sng" algn="ctr">
+                      <a:solidFill>
+                        <a:schemeClr val="bg1">
+                          <a:lumMod val="75000"/>
+                        </a:schemeClr>
+                      </a:solidFill>
+                      <a:prstDash val="solid"/>
+                      <a:round/>
+                      <a:headEnd type="none" w="med" len="med"/>
+                      <a:tailEnd type="none" w="med" len="med"/>
+                    </a:lnR>
+                    <a:lnT w="3175" cap="flat" cmpd="sng" algn="ctr">
+                      <a:solidFill>
+                        <a:schemeClr val="bg1">
+                          <a:lumMod val="75000"/>
+                        </a:schemeClr>
+                      </a:solidFill>
+                      <a:prstDash val="solid"/>
+                      <a:round/>
+                      <a:headEnd type="none" w="med" len="med"/>
+                      <a:tailEnd type="none" w="med" len="med"/>
+                    </a:lnT>
+                    <a:lnB w="3175" cap="flat" cmpd="sng" algn="ctr">
+                      <a:solidFill>
+                        <a:schemeClr val="bg1">
+                          <a:lumMod val="75000"/>
+                        </a:schemeClr>
+                      </a:solidFill>
+                      <a:prstDash val="solid"/>
+                      <a:round/>
+                      <a:headEnd type="none" w="med" len="med"/>
+                      <a:tailEnd type="none" w="med" len="med"/>
+                    </a:lnB>
+                    <a:noFill/>
+                  </a:tcPr>
+                </a:tc>
+                <a:extLst>
+                  <a:ext uri="{0D108BD9-81ED-4DB2-BD59-A6C34878D82A}">
+                    <a16:rowId xmlns:a16="http://schemas.microsoft.com/office/drawing/2014/main" val="1824153894"/>
+                  </a:ext>
+                </a:extLst>
+              </a:tr>
+              <a:tr h="0">
+                <a:tc>
+                  <a:txBody>
+                    <a:bodyPr/>
+                    <a:lstStyle/>
+                    <a:p>
+                      <a:pPr latinLnBrk="1"/>
+                      <a:r>
+                        <a:rPr lang="en-US" altLang="ko-KR" sz="1600" spc="-150" dirty="0">
+                          <a:solidFill>
+                            <a:schemeClr val="tx1"/>
+                          </a:solidFill>
+                          <a:latin typeface="Lucida Fax" panose="02060602050505020204" pitchFamily="18" charset="0"/>
+                          <a:ea typeface="서울한강체 L" panose="02020603020101020101" pitchFamily="18" charset="-127"/>
+                        </a:rPr>
+                        <a:t>Performance</a:t>
+                      </a:r>
+                      <a:endParaRPr lang="ko-KR" altLang="en-US" sz="1600" spc="-150" dirty="0">
+                        <a:solidFill>
+                          <a:schemeClr val="tx1"/>
+                        </a:solidFill>
+                        <a:latin typeface="Lucida Fax" panose="02060602050505020204" pitchFamily="18" charset="0"/>
+                        <a:ea typeface="서울한강체 L" panose="02020603020101020101" pitchFamily="18" charset="-127"/>
+                      </a:endParaRPr>
+                    </a:p>
+                  </a:txBody>
+                  <a:tcPr>
+                    <a:lnL w="3175" cap="flat" cmpd="sng" algn="ctr">
+                      <a:solidFill>
+                        <a:schemeClr val="bg1">
+                          <a:lumMod val="75000"/>
+                        </a:schemeClr>
+                      </a:solidFill>
+                      <a:prstDash val="solid"/>
+                      <a:round/>
+                      <a:headEnd type="none" w="med" len="med"/>
+                      <a:tailEnd type="none" w="med" len="med"/>
+                    </a:lnL>
+                    <a:lnR w="3175" cap="flat" cmpd="sng" algn="ctr">
+                      <a:solidFill>
+                        <a:schemeClr val="bg1">
+                          <a:lumMod val="75000"/>
+                        </a:schemeClr>
+                      </a:solidFill>
+                      <a:prstDash val="solid"/>
+                      <a:round/>
+                      <a:headEnd type="none" w="med" len="med"/>
+                      <a:tailEnd type="none" w="med" len="med"/>
+                    </a:lnR>
+                    <a:lnT w="3175" cap="flat" cmpd="sng" algn="ctr">
+                      <a:solidFill>
+                        <a:schemeClr val="bg1">
+                          <a:lumMod val="75000"/>
+                        </a:schemeClr>
+                      </a:solidFill>
+                      <a:prstDash val="solid"/>
+                      <a:round/>
+                      <a:headEnd type="none" w="med" len="med"/>
+                      <a:tailEnd type="none" w="med" len="med"/>
+                    </a:lnT>
+                    <a:lnB w="3175" cap="flat" cmpd="sng" algn="ctr">
+                      <a:solidFill>
+                        <a:schemeClr val="bg1">
+                          <a:lumMod val="75000"/>
+                        </a:schemeClr>
+                      </a:solidFill>
+                      <a:prstDash val="solid"/>
+                      <a:round/>
+                      <a:headEnd type="none" w="med" len="med"/>
+                      <a:tailEnd type="none" w="med" len="med"/>
+                    </a:lnB>
+                    <a:noFill/>
+                  </a:tcPr>
+                </a:tc>
+                <a:tc>
+                  <a:txBody>
+                    <a:bodyPr/>
+                    <a:lstStyle/>
+                    <a:p>
+                      <a:pPr latinLnBrk="1"/>
+                      <a:r>
+                        <a:rPr lang="en-US" altLang="ko-KR" sz="1600" spc="-150" dirty="0">
+                          <a:solidFill>
+                            <a:schemeClr val="tx1"/>
+                          </a:solidFill>
+                          <a:latin typeface="Lucida Fax" panose="02060602050505020204" pitchFamily="18" charset="0"/>
+                          <a:ea typeface="서울한강체 L" panose="02020603020101020101" pitchFamily="18" charset="-127"/>
+                        </a:rPr>
+                        <a:t>Using Application LoadBalancer (some latency exist)</a:t>
+                      </a:r>
+                    </a:p>
+                    <a:p>
+                      <a:pPr latinLnBrk="1"/>
+                      <a:r>
+                        <a:rPr lang="en-US" altLang="ko-KR" sz="1600" spc="-150" dirty="0">
+                          <a:solidFill>
+                            <a:schemeClr val="tx1"/>
+                          </a:solidFill>
+                          <a:latin typeface="Lucida Fax" panose="02060602050505020204" pitchFamily="18" charset="0"/>
+                          <a:ea typeface="서울한강체 L" panose="02020603020101020101" pitchFamily="18" charset="-127"/>
+                        </a:rPr>
+                        <a:t>Apply service grouping (like RDS/multi-AZ, </a:t>
+                      </a:r>
+                      <a:r>
+                        <a:rPr lang="en-US" altLang="ko-KR" sz="1600" spc="-150" dirty="0" err="1">
+                          <a:solidFill>
+                            <a:schemeClr val="tx1"/>
+                          </a:solidFill>
+                          <a:latin typeface="Lucida Fax" panose="02060602050505020204" pitchFamily="18" charset="0"/>
+                          <a:ea typeface="서울한강체 L" panose="02020603020101020101" pitchFamily="18" charset="-127"/>
+                        </a:rPr>
+                        <a:t>autoscale</a:t>
+                      </a:r>
+                      <a:r>
+                        <a:rPr lang="en-US" altLang="ko-KR" sz="1600" spc="-150" dirty="0">
+                          <a:solidFill>
+                            <a:schemeClr val="tx1"/>
+                          </a:solidFill>
+                          <a:latin typeface="Lucida Fax" panose="02060602050505020204" pitchFamily="18" charset="0"/>
+                          <a:ea typeface="서울한강체 L" panose="02020603020101020101" pitchFamily="18" charset="-127"/>
+                        </a:rPr>
+                        <a:t>)</a:t>
+                      </a:r>
+                      <a:endParaRPr lang="ko-KR" altLang="en-US" sz="1600" spc="-150" dirty="0">
+                        <a:solidFill>
+                          <a:schemeClr val="tx1"/>
+                        </a:solidFill>
+                        <a:latin typeface="Lucida Fax" panose="02060602050505020204" pitchFamily="18" charset="0"/>
+                        <a:ea typeface="서울한강체 L" panose="02020603020101020101" pitchFamily="18" charset="-127"/>
+                      </a:endParaRPr>
+                    </a:p>
+                  </a:txBody>
+                  <a:tcPr>
+                    <a:lnL w="3175" cap="flat" cmpd="sng" algn="ctr">
+                      <a:solidFill>
+                        <a:schemeClr val="bg1">
+                          <a:lumMod val="75000"/>
+                        </a:schemeClr>
+                      </a:solidFill>
+                      <a:prstDash val="solid"/>
+                      <a:round/>
+                      <a:headEnd type="none" w="med" len="med"/>
+                      <a:tailEnd type="none" w="med" len="med"/>
+                    </a:lnL>
+                    <a:lnR w="3175" cap="flat" cmpd="sng" algn="ctr">
+                      <a:solidFill>
+                        <a:schemeClr val="bg1">
+                          <a:lumMod val="75000"/>
+                        </a:schemeClr>
+                      </a:solidFill>
+                      <a:prstDash val="solid"/>
+                      <a:round/>
+                      <a:headEnd type="none" w="med" len="med"/>
+                      <a:tailEnd type="none" w="med" len="med"/>
+                    </a:lnR>
+                    <a:lnT w="3175" cap="flat" cmpd="sng" algn="ctr">
+                      <a:solidFill>
+                        <a:schemeClr val="bg1">
+                          <a:lumMod val="75000"/>
+                        </a:schemeClr>
+                      </a:solidFill>
+                      <a:prstDash val="solid"/>
+                      <a:round/>
+                      <a:headEnd type="none" w="med" len="med"/>
+                      <a:tailEnd type="none" w="med" len="med"/>
+                    </a:lnT>
+                    <a:lnB w="3175" cap="flat" cmpd="sng" algn="ctr">
+                      <a:solidFill>
+                        <a:schemeClr val="bg1">
+                          <a:lumMod val="75000"/>
+                        </a:schemeClr>
+                      </a:solidFill>
+                      <a:prstDash val="solid"/>
+                      <a:round/>
+                      <a:headEnd type="none" w="med" len="med"/>
+                      <a:tailEnd type="none" w="med" len="med"/>
+                    </a:lnB>
+                    <a:noFill/>
+                  </a:tcPr>
+                </a:tc>
+                <a:tc>
+                  <a:txBody>
+                    <a:bodyPr/>
+                    <a:lstStyle/>
+                    <a:p>
+                      <a:pPr latinLnBrk="1"/>
+                      <a:endParaRPr lang="ko-KR" altLang="en-US" sz="1600" spc="-150" dirty="0">
+                        <a:solidFill>
+                          <a:schemeClr val="tx1"/>
+                        </a:solidFill>
+                        <a:latin typeface="Lucida Fax" panose="02060602050505020204" pitchFamily="18" charset="0"/>
+                        <a:ea typeface="서울한강체 L" panose="02020603020101020101" pitchFamily="18" charset="-127"/>
+                      </a:endParaRPr>
+                    </a:p>
+                  </a:txBody>
+                  <a:tcPr>
+                    <a:lnL w="3175" cap="flat" cmpd="sng" algn="ctr">
+                      <a:solidFill>
+                        <a:schemeClr val="bg1">
+                          <a:lumMod val="75000"/>
+                        </a:schemeClr>
+                      </a:solidFill>
+                      <a:prstDash val="solid"/>
+                      <a:round/>
+                      <a:headEnd type="none" w="med" len="med"/>
+                      <a:tailEnd type="none" w="med" len="med"/>
+                    </a:lnL>
+                    <a:lnR w="3175" cap="flat" cmpd="sng" algn="ctr">
+                      <a:solidFill>
+                        <a:schemeClr val="bg1">
+                          <a:lumMod val="75000"/>
+                        </a:schemeClr>
+                      </a:solidFill>
+                      <a:prstDash val="solid"/>
+                      <a:round/>
+                      <a:headEnd type="none" w="med" len="med"/>
+                      <a:tailEnd type="none" w="med" len="med"/>
+                    </a:lnR>
+                    <a:lnT w="3175" cap="flat" cmpd="sng" algn="ctr">
+                      <a:solidFill>
+                        <a:schemeClr val="bg1">
+                          <a:lumMod val="75000"/>
+                        </a:schemeClr>
+                      </a:solidFill>
+                      <a:prstDash val="solid"/>
+                      <a:round/>
+                      <a:headEnd type="none" w="med" len="med"/>
+                      <a:tailEnd type="none" w="med" len="med"/>
+                    </a:lnT>
+                    <a:lnB w="3175" cap="flat" cmpd="sng" algn="ctr">
+                      <a:solidFill>
+                        <a:schemeClr val="bg1">
+                          <a:lumMod val="75000"/>
+                        </a:schemeClr>
+                      </a:solidFill>
+                      <a:prstDash val="solid"/>
+                      <a:round/>
+                      <a:headEnd type="none" w="med" len="med"/>
+                      <a:tailEnd type="none" w="med" len="med"/>
+                    </a:lnB>
+                    <a:noFill/>
+                  </a:tcPr>
+                </a:tc>
+                <a:tc>
+                  <a:txBody>
+                    <a:bodyPr/>
+                    <a:lstStyle/>
+                    <a:p>
+                      <a:pPr latinLnBrk="1"/>
+                      <a:r>
+                        <a:rPr lang="en-US" altLang="ko-KR" sz="1600" spc="-150" dirty="0">
+                          <a:solidFill>
+                            <a:schemeClr val="tx1">
+                              <a:lumMod val="50000"/>
+                              <a:lumOff val="50000"/>
+                            </a:schemeClr>
+                          </a:solidFill>
+                          <a:latin typeface="Lucida Fax" panose="02060602050505020204" pitchFamily="18" charset="0"/>
+                          <a:ea typeface="서울한강체 L" panose="02020603020101020101" pitchFamily="18" charset="-127"/>
+                        </a:rPr>
+                        <a:t>CloudFront</a:t>
+                      </a:r>
+                      <a:endParaRPr lang="ko-KR" altLang="en-US" sz="1600" spc="-150" dirty="0">
+                        <a:solidFill>
+                          <a:schemeClr val="tx1">
+                            <a:lumMod val="50000"/>
+                            <a:lumOff val="50000"/>
+                          </a:schemeClr>
+                        </a:solidFill>
+                        <a:latin typeface="Lucida Fax" panose="02060602050505020204" pitchFamily="18" charset="0"/>
+                        <a:ea typeface="서울한강체 L" panose="02020603020101020101" pitchFamily="18" charset="-127"/>
+                      </a:endParaRPr>
+                    </a:p>
+                  </a:txBody>
+                  <a:tcPr>
+                    <a:lnL w="3175" cap="flat" cmpd="sng" algn="ctr">
+                      <a:solidFill>
+                        <a:schemeClr val="bg1">
+                          <a:lumMod val="75000"/>
+                        </a:schemeClr>
+                      </a:solidFill>
+                      <a:prstDash val="solid"/>
+                      <a:round/>
+                      <a:headEnd type="none" w="med" len="med"/>
+                      <a:tailEnd type="none" w="med" len="med"/>
+                    </a:lnL>
+                    <a:lnR w="3175" cap="flat" cmpd="sng" algn="ctr">
+                      <a:solidFill>
+                        <a:schemeClr val="bg1">
+                          <a:lumMod val="75000"/>
+                        </a:schemeClr>
+                      </a:solidFill>
+                      <a:prstDash val="solid"/>
+                      <a:round/>
+                      <a:headEnd type="none" w="med" len="med"/>
+                      <a:tailEnd type="none" w="med" len="med"/>
+                    </a:lnR>
+                    <a:lnT w="3175" cap="flat" cmpd="sng" algn="ctr">
+                      <a:solidFill>
+                        <a:schemeClr val="bg1">
+                          <a:lumMod val="75000"/>
+                        </a:schemeClr>
+                      </a:solidFill>
+                      <a:prstDash val="solid"/>
+                      <a:round/>
+                      <a:headEnd type="none" w="med" len="med"/>
+                      <a:tailEnd type="none" w="med" len="med"/>
+                    </a:lnT>
+                    <a:lnB w="3175" cap="flat" cmpd="sng" algn="ctr">
+                      <a:solidFill>
+                        <a:schemeClr val="bg1">
+                          <a:lumMod val="75000"/>
+                        </a:schemeClr>
+                      </a:solidFill>
+                      <a:prstDash val="solid"/>
+                      <a:round/>
+                      <a:headEnd type="none" w="med" len="med"/>
+                      <a:tailEnd type="none" w="med" len="med"/>
+                    </a:lnB>
+                    <a:noFill/>
+                  </a:tcPr>
+                </a:tc>
+                <a:extLst>
+                  <a:ext uri="{0D108BD9-81ED-4DB2-BD59-A6C34878D82A}">
+                    <a16:rowId xmlns:a16="http://schemas.microsoft.com/office/drawing/2014/main" val="2616646417"/>
+                  </a:ext>
+                </a:extLst>
+              </a:tr>
+              <a:tr h="0">
+                <a:tc>
+                  <a:txBody>
+                    <a:bodyPr/>
+                    <a:lstStyle/>
+                    <a:p>
+                      <a:pPr latinLnBrk="1"/>
+                      <a:r>
+                        <a:rPr lang="en-US" altLang="ko-KR" sz="1600" spc="-150" dirty="0">
+                          <a:solidFill>
+                            <a:schemeClr val="tx1"/>
+                          </a:solidFill>
+                          <a:latin typeface="Lucida Fax" panose="02060602050505020204" pitchFamily="18" charset="0"/>
+                          <a:ea typeface="서울한강체 L" panose="02020603020101020101" pitchFamily="18" charset="-127"/>
+                        </a:rPr>
+                        <a:t>Operation / Visualization</a:t>
+                      </a:r>
+                      <a:endParaRPr lang="ko-KR" altLang="en-US" sz="1600" spc="-150" dirty="0">
+                        <a:solidFill>
+                          <a:schemeClr val="tx1"/>
+                        </a:solidFill>
+                        <a:latin typeface="Lucida Fax" panose="02060602050505020204" pitchFamily="18" charset="0"/>
+                        <a:ea typeface="서울한강체 L" panose="02020603020101020101" pitchFamily="18" charset="-127"/>
+                      </a:endParaRPr>
+                    </a:p>
+                  </a:txBody>
+                  <a:tcPr>
+                    <a:lnL w="3175" cap="flat" cmpd="sng" algn="ctr">
+                      <a:solidFill>
+                        <a:schemeClr val="bg1">
+                          <a:lumMod val="75000"/>
+                        </a:schemeClr>
+                      </a:solidFill>
+                      <a:prstDash val="solid"/>
+                      <a:round/>
+                      <a:headEnd type="none" w="med" len="med"/>
+                      <a:tailEnd type="none" w="med" len="med"/>
+                    </a:lnL>
+                    <a:lnR w="3175" cap="flat" cmpd="sng" algn="ctr">
+                      <a:solidFill>
+                        <a:schemeClr val="bg1">
+                          <a:lumMod val="75000"/>
+                        </a:schemeClr>
+                      </a:solidFill>
+                      <a:prstDash val="solid"/>
+                      <a:round/>
+                      <a:headEnd type="none" w="med" len="med"/>
+                      <a:tailEnd type="none" w="med" len="med"/>
+                    </a:lnR>
+                    <a:lnT w="3175" cap="flat" cmpd="sng" algn="ctr">
+                      <a:solidFill>
+                        <a:schemeClr val="bg1">
+                          <a:lumMod val="75000"/>
+                        </a:schemeClr>
+                      </a:solidFill>
+                      <a:prstDash val="solid"/>
+                      <a:round/>
+                      <a:headEnd type="none" w="med" len="med"/>
+                      <a:tailEnd type="none" w="med" len="med"/>
+                    </a:lnT>
+                    <a:lnB w="3175" cap="flat" cmpd="sng" algn="ctr">
+                      <a:solidFill>
+                        <a:schemeClr val="bg1">
+                          <a:lumMod val="75000"/>
+                        </a:schemeClr>
+                      </a:solidFill>
+                      <a:prstDash val="solid"/>
+                      <a:round/>
+                      <a:headEnd type="none" w="med" len="med"/>
+                      <a:tailEnd type="none" w="med" len="med"/>
+                    </a:lnB>
+                    <a:noFill/>
+                  </a:tcPr>
+                </a:tc>
+                <a:tc>
+                  <a:txBody>
+                    <a:bodyPr/>
+                    <a:lstStyle/>
+                    <a:p>
+                      <a:pPr latinLnBrk="1"/>
+                      <a:r>
+                        <a:rPr lang="en-US" altLang="ko-KR" sz="1600" spc="-150" dirty="0">
+                          <a:solidFill>
+                            <a:schemeClr val="tx1"/>
+                          </a:solidFill>
+                          <a:latin typeface="Lucida Fax" panose="02060602050505020204" pitchFamily="18" charset="0"/>
+                          <a:ea typeface="서울한강체 L" panose="02020603020101020101" pitchFamily="18" charset="-127"/>
+                        </a:rPr>
+                        <a:t>using AWS admin console</a:t>
+                      </a:r>
+                      <a:r>
+                        <a:rPr lang="ko-KR" altLang="en-US" sz="1600" spc="-150" dirty="0">
+                          <a:solidFill>
+                            <a:schemeClr val="tx1"/>
+                          </a:solidFill>
+                          <a:latin typeface="Lucida Fax" panose="02060602050505020204" pitchFamily="18" charset="0"/>
+                          <a:ea typeface="서울한강체 L" panose="02020603020101020101" pitchFamily="18" charset="-127"/>
+                        </a:rPr>
+                        <a:t> </a:t>
+                      </a:r>
+                      <a:r>
+                        <a:rPr lang="en-US" altLang="ko-KR" sz="1600" spc="-150" dirty="0">
+                          <a:solidFill>
+                            <a:schemeClr val="tx1"/>
+                          </a:solidFill>
+                          <a:latin typeface="Lucida Fax" panose="02060602050505020204" pitchFamily="18" charset="0"/>
+                          <a:ea typeface="서울한강체 L" panose="02020603020101020101" pitchFamily="18" charset="-127"/>
+                        </a:rPr>
+                        <a:t>and</a:t>
+                      </a:r>
+                    </a:p>
+                    <a:p>
+                      <a:pPr latinLnBrk="1"/>
+                      <a:r>
+                        <a:rPr lang="en-US" altLang="ko-KR" sz="1600" spc="-150" dirty="0">
+                          <a:solidFill>
+                            <a:schemeClr val="tx1"/>
+                          </a:solidFill>
+                          <a:latin typeface="Lucida Fax" panose="02060602050505020204" pitchFamily="18" charset="0"/>
+                          <a:ea typeface="서울한강체 L" panose="02020603020101020101" pitchFamily="18" charset="-127"/>
+                        </a:rPr>
+                        <a:t>CloudWatch dashboard (monitoring component event – predefined and save to S3 bucket)</a:t>
+                      </a:r>
+                    </a:p>
+                    <a:p>
+                      <a:pPr latinLnBrk="1"/>
+                      <a:r>
+                        <a:rPr lang="en-US" altLang="ko-KR" sz="1600" spc="-150" dirty="0">
+                          <a:solidFill>
+                            <a:schemeClr val="tx1"/>
+                          </a:solidFill>
+                          <a:latin typeface="Lucida Fax" panose="02060602050505020204" pitchFamily="18" charset="0"/>
+                          <a:ea typeface="서울한강체 L" panose="02020603020101020101" pitchFamily="18" charset="-127"/>
+                        </a:rPr>
+                        <a:t>Using CloudWatch agent logs on EC2 (pre-install)</a:t>
+                      </a:r>
+                      <a:endParaRPr lang="ko-KR" altLang="en-US" sz="1600" spc="-150" dirty="0">
+                        <a:solidFill>
+                          <a:schemeClr val="tx1"/>
+                        </a:solidFill>
+                        <a:latin typeface="Lucida Fax" panose="02060602050505020204" pitchFamily="18" charset="0"/>
+                        <a:ea typeface="서울한강체 L" panose="02020603020101020101" pitchFamily="18" charset="-127"/>
+                      </a:endParaRPr>
+                    </a:p>
+                  </a:txBody>
+                  <a:tcPr>
+                    <a:lnL w="3175" cap="flat" cmpd="sng" algn="ctr">
+                      <a:solidFill>
+                        <a:schemeClr val="bg1">
+                          <a:lumMod val="75000"/>
+                        </a:schemeClr>
+                      </a:solidFill>
+                      <a:prstDash val="solid"/>
+                      <a:round/>
+                      <a:headEnd type="none" w="med" len="med"/>
+                      <a:tailEnd type="none" w="med" len="med"/>
+                    </a:lnL>
+                    <a:lnR w="3175" cap="flat" cmpd="sng" algn="ctr">
+                      <a:solidFill>
+                        <a:schemeClr val="bg1">
+                          <a:lumMod val="75000"/>
+                        </a:schemeClr>
+                      </a:solidFill>
+                      <a:prstDash val="solid"/>
+                      <a:round/>
+                      <a:headEnd type="none" w="med" len="med"/>
+                      <a:tailEnd type="none" w="med" len="med"/>
+                    </a:lnR>
+                    <a:lnT w="3175" cap="flat" cmpd="sng" algn="ctr">
+                      <a:solidFill>
+                        <a:schemeClr val="bg1">
+                          <a:lumMod val="75000"/>
+                        </a:schemeClr>
+                      </a:solidFill>
+                      <a:prstDash val="solid"/>
+                      <a:round/>
+                      <a:headEnd type="none" w="med" len="med"/>
+                      <a:tailEnd type="none" w="med" len="med"/>
+                    </a:lnT>
+                    <a:lnB w="3175" cap="flat" cmpd="sng" algn="ctr">
+                      <a:solidFill>
+                        <a:schemeClr val="bg1">
+                          <a:lumMod val="75000"/>
+                        </a:schemeClr>
+                      </a:solidFill>
+                      <a:prstDash val="solid"/>
+                      <a:round/>
+                      <a:headEnd type="none" w="med" len="med"/>
+                      <a:tailEnd type="none" w="med" len="med"/>
+                    </a:lnB>
+                    <a:noFill/>
+                  </a:tcPr>
+                </a:tc>
+                <a:tc>
+                  <a:txBody>
+                    <a:bodyPr/>
+                    <a:lstStyle/>
+                    <a:p>
+                      <a:pPr latinLnBrk="1"/>
+                      <a:endParaRPr lang="ko-KR" altLang="en-US" sz="1600" spc="-150" dirty="0">
+                        <a:solidFill>
+                          <a:schemeClr val="tx1"/>
+                        </a:solidFill>
+                        <a:latin typeface="Lucida Fax" panose="02060602050505020204" pitchFamily="18" charset="0"/>
+                        <a:ea typeface="서울한강체 L" panose="02020603020101020101" pitchFamily="18" charset="-127"/>
+                      </a:endParaRPr>
+                    </a:p>
+                  </a:txBody>
+                  <a:tcPr>
+                    <a:lnL w="3175" cap="flat" cmpd="sng" algn="ctr">
+                      <a:solidFill>
+                        <a:schemeClr val="bg1">
+                          <a:lumMod val="75000"/>
+                        </a:schemeClr>
+                      </a:solidFill>
+                      <a:prstDash val="solid"/>
+                      <a:round/>
+                      <a:headEnd type="none" w="med" len="med"/>
+                      <a:tailEnd type="none" w="med" len="med"/>
+                    </a:lnL>
+                    <a:lnR w="3175" cap="flat" cmpd="sng" algn="ctr">
+                      <a:solidFill>
+                        <a:schemeClr val="bg1">
+                          <a:lumMod val="75000"/>
+                        </a:schemeClr>
+                      </a:solidFill>
+                      <a:prstDash val="solid"/>
+                      <a:round/>
+                      <a:headEnd type="none" w="med" len="med"/>
+                      <a:tailEnd type="none" w="med" len="med"/>
+                    </a:lnR>
+                    <a:lnT w="3175" cap="flat" cmpd="sng" algn="ctr">
+                      <a:solidFill>
+                        <a:schemeClr val="bg1">
+                          <a:lumMod val="75000"/>
+                        </a:schemeClr>
+                      </a:solidFill>
+                      <a:prstDash val="solid"/>
+                      <a:round/>
+                      <a:headEnd type="none" w="med" len="med"/>
+                      <a:tailEnd type="none" w="med" len="med"/>
+                    </a:lnT>
+                    <a:lnB w="3175" cap="flat" cmpd="sng" algn="ctr">
+                      <a:solidFill>
+                        <a:schemeClr val="bg1">
+                          <a:lumMod val="75000"/>
+                        </a:schemeClr>
+                      </a:solidFill>
+                      <a:prstDash val="solid"/>
+                      <a:round/>
+                      <a:headEnd type="none" w="med" len="med"/>
+                      <a:tailEnd type="none" w="med" len="med"/>
+                    </a:lnB>
+                    <a:noFill/>
+                  </a:tcPr>
+                </a:tc>
+                <a:tc>
+                  <a:txBody>
+                    <a:bodyPr/>
+                    <a:lstStyle/>
+                    <a:p>
+                      <a:pPr latinLnBrk="1"/>
+                      <a:r>
+                        <a:rPr lang="en-US" altLang="ko-KR" sz="1600" spc="-150" dirty="0">
+                          <a:solidFill>
+                            <a:schemeClr val="tx1">
+                              <a:lumMod val="50000"/>
+                              <a:lumOff val="50000"/>
+                            </a:schemeClr>
+                          </a:solidFill>
+                          <a:latin typeface="Lucida Fax" panose="02060602050505020204" pitchFamily="18" charset="0"/>
+                          <a:ea typeface="서울한강체 L" panose="02020603020101020101" pitchFamily="18" charset="-127"/>
+                        </a:rPr>
+                        <a:t>Lambda</a:t>
+                      </a:r>
+                    </a:p>
+                    <a:p>
+                      <a:pPr latinLnBrk="1"/>
+                      <a:r>
+                        <a:rPr lang="en-US" altLang="ko-KR" sz="1600" spc="-150" dirty="0">
+                          <a:solidFill>
+                            <a:schemeClr val="tx1">
+                              <a:lumMod val="50000"/>
+                              <a:lumOff val="50000"/>
+                            </a:schemeClr>
+                          </a:solidFill>
+                          <a:latin typeface="Lucida Fax" panose="02060602050505020204" pitchFamily="18" charset="0"/>
+                          <a:ea typeface="서울한강체 L" panose="02020603020101020101" pitchFamily="18" charset="-127"/>
+                        </a:rPr>
+                        <a:t>SNS</a:t>
+                      </a:r>
+                    </a:p>
+                    <a:p>
+                      <a:pPr latinLnBrk="1"/>
+                      <a:r>
+                        <a:rPr lang="en-US" altLang="ko-KR" sz="1600" spc="-150" dirty="0">
+                          <a:solidFill>
+                            <a:schemeClr val="tx1">
+                              <a:lumMod val="50000"/>
+                              <a:lumOff val="50000"/>
+                            </a:schemeClr>
+                          </a:solidFill>
+                          <a:latin typeface="Lucida Fax" panose="02060602050505020204" pitchFamily="18" charset="0"/>
+                          <a:ea typeface="서울한강체 L" panose="02020603020101020101" pitchFamily="18" charset="-127"/>
+                        </a:rPr>
+                        <a:t>ES</a:t>
+                      </a:r>
+                      <a:endParaRPr lang="ko-KR" altLang="en-US" sz="1600" spc="-150" dirty="0">
+                        <a:solidFill>
+                          <a:schemeClr val="tx1">
+                            <a:lumMod val="50000"/>
+                            <a:lumOff val="50000"/>
+                          </a:schemeClr>
+                        </a:solidFill>
+                        <a:latin typeface="Lucida Fax" panose="02060602050505020204" pitchFamily="18" charset="0"/>
+                        <a:ea typeface="서울한강체 L" panose="02020603020101020101" pitchFamily="18" charset="-127"/>
+                      </a:endParaRPr>
+                    </a:p>
+                  </a:txBody>
+                  <a:tcPr>
+                    <a:lnL w="3175" cap="flat" cmpd="sng" algn="ctr">
+                      <a:solidFill>
+                        <a:schemeClr val="bg1">
+                          <a:lumMod val="75000"/>
+                        </a:schemeClr>
+                      </a:solidFill>
+                      <a:prstDash val="solid"/>
+                      <a:round/>
+                      <a:headEnd type="none" w="med" len="med"/>
+                      <a:tailEnd type="none" w="med" len="med"/>
+                    </a:lnL>
+                    <a:lnR w="3175" cap="flat" cmpd="sng" algn="ctr">
+                      <a:solidFill>
+                        <a:schemeClr val="bg1">
+                          <a:lumMod val="75000"/>
+                        </a:schemeClr>
+                      </a:solidFill>
+                      <a:prstDash val="solid"/>
+                      <a:round/>
+                      <a:headEnd type="none" w="med" len="med"/>
+                      <a:tailEnd type="none" w="med" len="med"/>
+                    </a:lnR>
+                    <a:lnT w="3175" cap="flat" cmpd="sng" algn="ctr">
+                      <a:solidFill>
+                        <a:schemeClr val="bg1">
+                          <a:lumMod val="75000"/>
+                        </a:schemeClr>
+                      </a:solidFill>
+                      <a:prstDash val="solid"/>
+                      <a:round/>
+                      <a:headEnd type="none" w="med" len="med"/>
+                      <a:tailEnd type="none" w="med" len="med"/>
+                    </a:lnT>
+                    <a:lnB w="3175" cap="flat" cmpd="sng" algn="ctr">
+                      <a:solidFill>
+                        <a:schemeClr val="bg1">
+                          <a:lumMod val="75000"/>
+                        </a:schemeClr>
+                      </a:solidFill>
+                      <a:prstDash val="solid"/>
+                      <a:round/>
+                      <a:headEnd type="none" w="med" len="med"/>
+                      <a:tailEnd type="none" w="med" len="med"/>
+                    </a:lnB>
+                    <a:noFill/>
+                  </a:tcPr>
+                </a:tc>
+                <a:extLst>
+                  <a:ext uri="{0D108BD9-81ED-4DB2-BD59-A6C34878D82A}">
+                    <a16:rowId xmlns:a16="http://schemas.microsoft.com/office/drawing/2014/main" val="1269812907"/>
+                  </a:ext>
+                </a:extLst>
+              </a:tr>
+            </a:tbl>
+          </a:graphicData>
+        </a:graphic>
+      </p:graphicFrame>
+    </p:spTree>
+    <p:extLst>
+      <p:ext uri="{BB962C8B-B14F-4D97-AF65-F5344CB8AC3E}">
+        <p14:creationId xmlns:p14="http://schemas.microsoft.com/office/powerpoint/2010/main" val="748619192"/>
+      </p:ext>
+    </p:extLst>
+  </p:cSld>
+  <p:clrMapOvr>
+    <a:masterClrMapping/>
+  </p:clrMapOvr>
+</p:sld>
+</file>
+
+<file path=ppt/slides/slide24.xml><?xml version="1.0" encoding="utf-8"?>
+<p:sld xmlns:a="http://schemas.openxmlformats.org/drawingml/2006/main" xmlns:r="http://schemas.openxmlformats.org/officeDocument/2006/relationships" xmlns:p="http://schemas.openxmlformats.org/presentationml/2006/main">
+  <p:cSld>
+    <p:spTree>
+      <p:nvGrpSpPr>
+        <p:cNvPr id="1" name=""/>
+        <p:cNvGrpSpPr/>
+        <p:nvPr/>
+      </p:nvGrpSpPr>
+      <p:grpSpPr>
+        <a:xfrm>
+          <a:off x="0" y="0"/>
+          <a:ext cx="0" cy="0"/>
+          <a:chOff x="0" y="0"/>
+          <a:chExt cx="0" cy="0"/>
+        </a:xfrm>
+      </p:grpSpPr>
+      <p:cxnSp>
+        <p:nvCxnSpPr>
+          <p:cNvPr id="5" name="직선 연결선 4">
+            <a:extLst>
+              <a:ext uri="{FF2B5EF4-FFF2-40B4-BE49-F238E27FC236}">
+                <a16:creationId xmlns:a16="http://schemas.microsoft.com/office/drawing/2014/main" id="{2F2984DB-6065-404F-AAEB-FC395AD382A0}"/>
+              </a:ext>
+            </a:extLst>
+          </p:cNvPr>
+          <p:cNvCxnSpPr>
+            <a:cxnSpLocks/>
+          </p:cNvCxnSpPr>
+          <p:nvPr/>
+        </p:nvCxnSpPr>
+        <p:spPr>
+          <a:xfrm>
+            <a:off x="0" y="1039130"/>
+            <a:ext cx="11226188" cy="64095"/>
+          </a:xfrm>
+          <a:prstGeom prst="line">
+            <a:avLst/>
+          </a:prstGeom>
+          <a:ln w="76200">
+            <a:solidFill>
+              <a:schemeClr val="bg1">
+                <a:lumMod val="85000"/>
+              </a:schemeClr>
+            </a:solidFill>
+          </a:ln>
+        </p:spPr>
+        <p:style>
+          <a:lnRef idx="1">
+            <a:schemeClr val="accent1"/>
+          </a:lnRef>
+          <a:fillRef idx="0">
+            <a:schemeClr val="accent1"/>
+          </a:fillRef>
+          <a:effectRef idx="0">
+            <a:schemeClr val="accent1"/>
+          </a:effectRef>
+          <a:fontRef idx="minor">
+            <a:schemeClr val="tx1"/>
+          </a:fontRef>
+        </p:style>
+      </p:cxnSp>
+      <p:sp>
+        <p:nvSpPr>
+          <p:cNvPr id="7" name="TextBox 6">
+            <a:extLst>
+              <a:ext uri="{FF2B5EF4-FFF2-40B4-BE49-F238E27FC236}">
+                <a16:creationId xmlns:a16="http://schemas.microsoft.com/office/drawing/2014/main" id="{47B9FDB6-61F9-4370-BBF9-63BF9BAB904E}"/>
+              </a:ext>
+            </a:extLst>
+          </p:cNvPr>
+          <p:cNvSpPr txBox="1"/>
+          <p:nvPr/>
+        </p:nvSpPr>
+        <p:spPr>
+          <a:xfrm>
+            <a:off x="492087" y="135841"/>
+            <a:ext cx="10978493" cy="646331"/>
+          </a:xfrm>
+          <a:prstGeom prst="rect">
+            <a:avLst/>
+          </a:prstGeom>
+          <a:noFill/>
+        </p:spPr>
+        <p:txBody>
+          <a:bodyPr wrap="square" rtlCol="0">
+            <a:spAutoFit/>
+          </a:bodyPr>
+          <a:lstStyle/>
+          <a:p>
+            <a:r>
+              <a:rPr lang="en-US" altLang="ko-KR" sz="3600" b="1" spc="-300" dirty="0">
+                <a:latin typeface="Lucida Fax" panose="02060602050505020204" pitchFamily="18" charset="0"/>
+                <a:ea typeface="Adobe 고딕 Std B" panose="020B0800000000000000" pitchFamily="34" charset="-127"/>
+                <a:cs typeface="함초롬바탕" panose="02030604000101010101" pitchFamily="18" charset="-127"/>
+              </a:rPr>
+              <a:t>Conclusion :: Scaling meet the customer demands</a:t>
+            </a:r>
+            <a:endParaRPr lang="ko-KR" altLang="en-US" sz="3600" b="1" spc="-300" dirty="0">
+              <a:latin typeface="Lucida Fax" panose="02060602050505020204" pitchFamily="18" charset="0"/>
+              <a:ea typeface="Adobe 고딕 Std B" panose="020B0800000000000000" pitchFamily="34" charset="-127"/>
+            </a:endParaRPr>
+          </a:p>
+        </p:txBody>
+      </p:sp>
+      <p:graphicFrame>
+        <p:nvGraphicFramePr>
+          <p:cNvPr id="2" name="표 1">
+            <a:extLst>
+              <a:ext uri="{FF2B5EF4-FFF2-40B4-BE49-F238E27FC236}">
+                <a16:creationId xmlns:a16="http://schemas.microsoft.com/office/drawing/2014/main" id="{255158E4-430D-407C-95EA-31B4F520444B}"/>
+              </a:ext>
+            </a:extLst>
+          </p:cNvPr>
+          <p:cNvGraphicFramePr>
+            <a:graphicFrameLocks noGrp="1"/>
+          </p:cNvGraphicFramePr>
+          <p:nvPr>
+            <p:extLst>
+              <p:ext uri="{D42A27DB-BD31-4B8C-83A1-F6EECF244321}">
+                <p14:modId xmlns:p14="http://schemas.microsoft.com/office/powerpoint/2010/main" val="3962710592"/>
+              </p:ext>
+            </p:extLst>
+          </p:nvPr>
+        </p:nvGraphicFramePr>
+        <p:xfrm>
+          <a:off x="608999" y="1287785"/>
+          <a:ext cx="10978492" cy="4602480"/>
+        </p:xfrm>
+        <a:graphic>
+          <a:graphicData uri="http://schemas.openxmlformats.org/drawingml/2006/table">
+            <a:tbl>
+              <a:tblPr firstRow="1" bandRow="1">
+                <a:tableStyleId>{5C22544A-7EE6-4342-B048-85BDC9FD1C3A}</a:tableStyleId>
+              </a:tblPr>
+              <a:tblGrid>
+                <a:gridCol w="2545410">
+                  <a:extLst>
+                    <a:ext uri="{9D8B030D-6E8A-4147-A177-3AD203B41FA5}">
+                      <a16:colId xmlns:a16="http://schemas.microsoft.com/office/drawing/2014/main" val="8346996"/>
+                    </a:ext>
+                  </a:extLst>
+                </a:gridCol>
+                <a:gridCol w="4734320">
+                  <a:extLst>
+                    <a:ext uri="{9D8B030D-6E8A-4147-A177-3AD203B41FA5}">
+                      <a16:colId xmlns:a16="http://schemas.microsoft.com/office/drawing/2014/main" val="1365526771"/>
+                    </a:ext>
+                  </a:extLst>
+                </a:gridCol>
+                <a:gridCol w="1980298">
+                  <a:extLst>
+                    <a:ext uri="{9D8B030D-6E8A-4147-A177-3AD203B41FA5}">
+                      <a16:colId xmlns:a16="http://schemas.microsoft.com/office/drawing/2014/main" val="29277546"/>
+                    </a:ext>
+                  </a:extLst>
+                </a:gridCol>
+                <a:gridCol w="1718464">
+                  <a:extLst>
+                    <a:ext uri="{9D8B030D-6E8A-4147-A177-3AD203B41FA5}">
+                      <a16:colId xmlns:a16="http://schemas.microsoft.com/office/drawing/2014/main" val="4233652125"/>
+                    </a:ext>
+                  </a:extLst>
+                </a:gridCol>
+              </a:tblGrid>
+              <a:tr h="0">
+                <a:tc>
+                  <a:txBody>
+                    <a:bodyPr/>
+                    <a:lstStyle/>
+                    <a:p>
+                      <a:pPr algn="ctr" latinLnBrk="1"/>
+                      <a:r>
+                        <a:rPr lang="en-US" altLang="ko-KR" sz="1600" spc="-150" dirty="0">
+                          <a:solidFill>
+                            <a:schemeClr val="tx1"/>
+                          </a:solidFill>
+                          <a:latin typeface="Lucida Fax" panose="02060602050505020204" pitchFamily="18" charset="0"/>
+                          <a:ea typeface="서울한강체 L" panose="02020603020101020101" pitchFamily="18" charset="-127"/>
+                        </a:rPr>
+                        <a:t>Considerations</a:t>
+                      </a:r>
+                      <a:endParaRPr lang="ko-KR" altLang="en-US" sz="1600" spc="-150" dirty="0">
+                        <a:solidFill>
+                          <a:schemeClr val="tx1"/>
+                        </a:solidFill>
+                        <a:latin typeface="Lucida Fax" panose="02060602050505020204" pitchFamily="18" charset="0"/>
+                        <a:ea typeface="서울한강체 L" panose="02020603020101020101" pitchFamily="18" charset="-127"/>
+                      </a:endParaRPr>
+                    </a:p>
+                  </a:txBody>
+                  <a:tcPr>
+                    <a:lnL w="3175" cap="flat" cmpd="sng" algn="ctr">
+                      <a:solidFill>
+                        <a:schemeClr val="bg1">
+                          <a:lumMod val="75000"/>
+                        </a:schemeClr>
+                      </a:solidFill>
+                      <a:prstDash val="solid"/>
+                      <a:round/>
+                      <a:headEnd type="none" w="med" len="med"/>
+                      <a:tailEnd type="none" w="med" len="med"/>
+                    </a:lnL>
+                    <a:lnR w="3175" cap="flat" cmpd="sng" algn="ctr">
+                      <a:solidFill>
+                        <a:schemeClr val="bg1">
+                          <a:lumMod val="75000"/>
+                        </a:schemeClr>
+                      </a:solidFill>
+                      <a:prstDash val="solid"/>
+                      <a:round/>
+                      <a:headEnd type="none" w="med" len="med"/>
+                      <a:tailEnd type="none" w="med" len="med"/>
+                    </a:lnR>
+                    <a:lnT w="3175" cap="flat" cmpd="sng" algn="ctr">
+                      <a:solidFill>
+                        <a:schemeClr val="bg1">
+                          <a:lumMod val="75000"/>
+                        </a:schemeClr>
+                      </a:solidFill>
+                      <a:prstDash val="solid"/>
+                      <a:round/>
+                      <a:headEnd type="none" w="med" len="med"/>
+                      <a:tailEnd type="none" w="med" len="med"/>
+                    </a:lnT>
+                    <a:lnB w="3175" cap="flat" cmpd="sng" algn="ctr">
+                      <a:solidFill>
+                        <a:schemeClr val="bg1">
+                          <a:lumMod val="75000"/>
+                        </a:schemeClr>
+                      </a:solidFill>
+                      <a:prstDash val="solid"/>
+                      <a:round/>
+                      <a:headEnd type="none" w="med" len="med"/>
+                      <a:tailEnd type="none" w="med" len="med"/>
+                    </a:lnB>
+                    <a:noFill/>
+                  </a:tcPr>
+                </a:tc>
+                <a:tc>
+                  <a:txBody>
+                    <a:bodyPr/>
+                    <a:lstStyle/>
+                    <a:p>
+                      <a:pPr algn="ctr" latinLnBrk="1"/>
+                      <a:r>
+                        <a:rPr lang="en-US" altLang="ko-KR" sz="1600" spc="-150" dirty="0">
+                          <a:solidFill>
+                            <a:schemeClr val="tx1"/>
+                          </a:solidFill>
+                          <a:latin typeface="Lucida Fax" panose="02060602050505020204" pitchFamily="18" charset="0"/>
+                          <a:ea typeface="서울한강체 L" panose="02020603020101020101" pitchFamily="18" charset="-127"/>
+                        </a:rPr>
+                        <a:t>Service</a:t>
+                      </a:r>
+                      <a:endParaRPr lang="ko-KR" altLang="en-US" sz="1600" spc="-150" dirty="0">
+                        <a:solidFill>
+                          <a:schemeClr val="tx1"/>
+                        </a:solidFill>
+                        <a:latin typeface="Lucida Fax" panose="02060602050505020204" pitchFamily="18" charset="0"/>
+                        <a:ea typeface="서울한강체 L" panose="02020603020101020101" pitchFamily="18" charset="-127"/>
+                      </a:endParaRPr>
+                    </a:p>
+                  </a:txBody>
+                  <a:tcPr>
+                    <a:lnL w="3175" cap="flat" cmpd="sng" algn="ctr">
+                      <a:solidFill>
+                        <a:schemeClr val="bg1">
+                          <a:lumMod val="75000"/>
+                        </a:schemeClr>
+                      </a:solidFill>
+                      <a:prstDash val="solid"/>
+                      <a:round/>
+                      <a:headEnd type="none" w="med" len="med"/>
+                      <a:tailEnd type="none" w="med" len="med"/>
+                    </a:lnL>
+                    <a:lnR w="3175" cap="flat" cmpd="sng" algn="ctr">
+                      <a:solidFill>
+                        <a:schemeClr val="bg1">
+                          <a:lumMod val="75000"/>
+                        </a:schemeClr>
+                      </a:solidFill>
+                      <a:prstDash val="solid"/>
+                      <a:round/>
+                      <a:headEnd type="none" w="med" len="med"/>
+                      <a:tailEnd type="none" w="med" len="med"/>
+                    </a:lnR>
+                    <a:lnT w="3175" cap="flat" cmpd="sng" algn="ctr">
+                      <a:solidFill>
+                        <a:schemeClr val="bg1">
+                          <a:lumMod val="75000"/>
+                        </a:schemeClr>
+                      </a:solidFill>
+                      <a:prstDash val="solid"/>
+                      <a:round/>
+                      <a:headEnd type="none" w="med" len="med"/>
+                      <a:tailEnd type="none" w="med" len="med"/>
+                    </a:lnT>
+                    <a:lnB w="3175" cap="flat" cmpd="sng" algn="ctr">
+                      <a:solidFill>
+                        <a:schemeClr val="bg1">
+                          <a:lumMod val="75000"/>
+                        </a:schemeClr>
+                      </a:solidFill>
+                      <a:prstDash val="solid"/>
+                      <a:round/>
+                      <a:headEnd type="none" w="med" len="med"/>
+                      <a:tailEnd type="none" w="med" len="med"/>
+                    </a:lnB>
+                    <a:noFill/>
+                  </a:tcPr>
+                </a:tc>
+                <a:tc>
+                  <a:txBody>
+                    <a:bodyPr/>
+                    <a:lstStyle/>
+                    <a:p>
+                      <a:pPr algn="ctr" latinLnBrk="1"/>
+                      <a:r>
+                        <a:rPr lang="en-US" altLang="ko-KR" sz="1600" spc="-150" dirty="0">
+                          <a:solidFill>
+                            <a:schemeClr val="tx1"/>
+                          </a:solidFill>
+                          <a:latin typeface="Lucida Fax" panose="02060602050505020204" pitchFamily="18" charset="0"/>
+                          <a:ea typeface="서울한강체 L" panose="02020603020101020101" pitchFamily="18" charset="-127"/>
+                        </a:rPr>
+                        <a:t>Using/Scale-out </a:t>
+                      </a:r>
+                    </a:p>
+                    <a:p>
+                      <a:pPr algn="ctr" latinLnBrk="1"/>
+                      <a:r>
+                        <a:rPr lang="en-US" altLang="ko-KR" sz="1600" spc="-150" dirty="0">
+                          <a:solidFill>
+                            <a:schemeClr val="tx1"/>
+                          </a:solidFill>
+                          <a:latin typeface="Lucida Fax" panose="02060602050505020204" pitchFamily="18" charset="0"/>
+                          <a:ea typeface="서울한강체 L" panose="02020603020101020101" pitchFamily="18" charset="-127"/>
+                        </a:rPr>
+                        <a:t>Checkpoint</a:t>
+                      </a:r>
+                      <a:endParaRPr lang="ko-KR" altLang="en-US" sz="1600" spc="-150" dirty="0">
+                        <a:solidFill>
+                          <a:schemeClr val="tx1"/>
+                        </a:solidFill>
+                        <a:latin typeface="Lucida Fax" panose="02060602050505020204" pitchFamily="18" charset="0"/>
+                        <a:ea typeface="서울한강체 L" panose="02020603020101020101" pitchFamily="18" charset="-127"/>
+                      </a:endParaRPr>
+                    </a:p>
+                  </a:txBody>
+                  <a:tcPr>
+                    <a:lnL w="3175" cap="flat" cmpd="sng" algn="ctr">
+                      <a:solidFill>
+                        <a:schemeClr val="bg1">
+                          <a:lumMod val="75000"/>
+                        </a:schemeClr>
+                      </a:solidFill>
+                      <a:prstDash val="solid"/>
+                      <a:round/>
+                      <a:headEnd type="none" w="med" len="med"/>
+                      <a:tailEnd type="none" w="med" len="med"/>
+                    </a:lnL>
+                    <a:lnR w="3175" cap="flat" cmpd="sng" algn="ctr">
+                      <a:solidFill>
+                        <a:schemeClr val="bg1">
+                          <a:lumMod val="75000"/>
+                        </a:schemeClr>
+                      </a:solidFill>
+                      <a:prstDash val="solid"/>
+                      <a:round/>
+                      <a:headEnd type="none" w="med" len="med"/>
+                      <a:tailEnd type="none" w="med" len="med"/>
+                    </a:lnR>
+                    <a:lnT w="3175" cap="flat" cmpd="sng" algn="ctr">
+                      <a:solidFill>
+                        <a:schemeClr val="bg1">
+                          <a:lumMod val="75000"/>
+                        </a:schemeClr>
+                      </a:solidFill>
+                      <a:prstDash val="solid"/>
+                      <a:round/>
+                      <a:headEnd type="none" w="med" len="med"/>
+                      <a:tailEnd type="none" w="med" len="med"/>
+                    </a:lnT>
+                    <a:lnB w="3175" cap="flat" cmpd="sng" algn="ctr">
+                      <a:solidFill>
+                        <a:schemeClr val="bg1">
+                          <a:lumMod val="75000"/>
+                        </a:schemeClr>
+                      </a:solidFill>
+                      <a:prstDash val="solid"/>
+                      <a:round/>
+                      <a:headEnd type="none" w="med" len="med"/>
+                      <a:tailEnd type="none" w="med" len="med"/>
+                    </a:lnB>
+                    <a:noFill/>
+                  </a:tcPr>
+                </a:tc>
+                <a:tc>
+                  <a:txBody>
+                    <a:bodyPr/>
+                    <a:lstStyle/>
+                    <a:p>
+                      <a:pPr algn="ctr" latinLnBrk="1"/>
+                      <a:r>
+                        <a:rPr lang="en-US" altLang="ko-KR" sz="1600" spc="-150" dirty="0">
+                          <a:solidFill>
+                            <a:schemeClr val="tx1">
+                              <a:lumMod val="50000"/>
+                              <a:lumOff val="50000"/>
+                            </a:schemeClr>
+                          </a:solidFill>
+                          <a:latin typeface="Lucida Fax" panose="02060602050505020204" pitchFamily="18" charset="0"/>
+                          <a:ea typeface="서울한강체 L" panose="02020603020101020101" pitchFamily="18" charset="-127"/>
+                        </a:rPr>
+                        <a:t>Add on service </a:t>
+                      </a:r>
+                    </a:p>
+                    <a:p>
+                      <a:pPr algn="ctr" latinLnBrk="1"/>
+                      <a:r>
+                        <a:rPr lang="en-US" altLang="ko-KR" sz="1600" spc="-150" dirty="0">
+                          <a:solidFill>
+                            <a:schemeClr val="tx1">
+                              <a:lumMod val="50000"/>
+                              <a:lumOff val="50000"/>
+                            </a:schemeClr>
+                          </a:solidFill>
+                          <a:latin typeface="Lucida Fax" panose="02060602050505020204" pitchFamily="18" charset="0"/>
+                          <a:ea typeface="서울한강체 L" panose="02020603020101020101" pitchFamily="18" charset="-127"/>
+                        </a:rPr>
+                        <a:t>(for large-scale and global biz)</a:t>
+                      </a:r>
+                      <a:endParaRPr lang="ko-KR" altLang="en-US" sz="1600" spc="-150" dirty="0">
+                        <a:solidFill>
+                          <a:schemeClr val="tx1">
+                            <a:lumMod val="50000"/>
+                            <a:lumOff val="50000"/>
+                          </a:schemeClr>
+                        </a:solidFill>
+                        <a:latin typeface="Lucida Fax" panose="02060602050505020204" pitchFamily="18" charset="0"/>
+                        <a:ea typeface="서울한강체 L" panose="02020603020101020101" pitchFamily="18" charset="-127"/>
+                      </a:endParaRPr>
+                    </a:p>
+                  </a:txBody>
+                  <a:tcPr>
+                    <a:lnL w="3175" cap="flat" cmpd="sng" algn="ctr">
+                      <a:solidFill>
+                        <a:schemeClr val="bg1">
+                          <a:lumMod val="75000"/>
+                        </a:schemeClr>
+                      </a:solidFill>
+                      <a:prstDash val="solid"/>
+                      <a:round/>
+                      <a:headEnd type="none" w="med" len="med"/>
+                      <a:tailEnd type="none" w="med" len="med"/>
+                    </a:lnL>
+                    <a:lnR w="3175" cap="flat" cmpd="sng" algn="ctr">
+                      <a:solidFill>
+                        <a:schemeClr val="bg1">
+                          <a:lumMod val="75000"/>
+                        </a:schemeClr>
+                      </a:solidFill>
+                      <a:prstDash val="solid"/>
+                      <a:round/>
+                      <a:headEnd type="none" w="med" len="med"/>
+                      <a:tailEnd type="none" w="med" len="med"/>
+                    </a:lnR>
+                    <a:lnT w="3175" cap="flat" cmpd="sng" algn="ctr">
+                      <a:solidFill>
+                        <a:schemeClr val="bg1">
+                          <a:lumMod val="75000"/>
+                        </a:schemeClr>
+                      </a:solidFill>
+                      <a:prstDash val="solid"/>
+                      <a:round/>
+                      <a:headEnd type="none" w="med" len="med"/>
+                      <a:tailEnd type="none" w="med" len="med"/>
+                    </a:lnT>
+                    <a:lnB w="3175" cap="flat" cmpd="sng" algn="ctr">
+                      <a:solidFill>
+                        <a:schemeClr val="bg1">
+                          <a:lumMod val="75000"/>
+                        </a:schemeClr>
+                      </a:solidFill>
+                      <a:prstDash val="solid"/>
+                      <a:round/>
+                      <a:headEnd type="none" w="med" len="med"/>
+                      <a:tailEnd type="none" w="med" len="med"/>
+                    </a:lnB>
+                    <a:noFill/>
+                  </a:tcPr>
+                </a:tc>
+                <a:extLst>
+                  <a:ext uri="{0D108BD9-81ED-4DB2-BD59-A6C34878D82A}">
+                    <a16:rowId xmlns:a16="http://schemas.microsoft.com/office/drawing/2014/main" val="503147993"/>
+                  </a:ext>
+                </a:extLst>
+              </a:tr>
+              <a:tr h="0">
+                <a:tc>
+                  <a:txBody>
+                    <a:bodyPr/>
+                    <a:lstStyle/>
+                    <a:p>
+                      <a:pPr latinLnBrk="1"/>
+                      <a:r>
+                        <a:rPr lang="en-US" altLang="ko-KR" sz="1600" spc="-150" dirty="0">
+                          <a:solidFill>
+                            <a:schemeClr val="tx1"/>
+                          </a:solidFill>
+                          <a:latin typeface="Lucida Fax" panose="02060602050505020204" pitchFamily="18" charset="0"/>
+                          <a:ea typeface="서울한강체 L" panose="02020603020101020101" pitchFamily="18" charset="-127"/>
+                        </a:rPr>
+                        <a:t>instance/object/data </a:t>
+                      </a:r>
+                    </a:p>
+                    <a:p>
+                      <a:pPr latinLnBrk="1"/>
+                      <a:r>
+                        <a:rPr lang="en-US" altLang="ko-KR" sz="1600" spc="-150" dirty="0">
+                          <a:solidFill>
+                            <a:schemeClr val="tx1"/>
+                          </a:solidFill>
+                          <a:latin typeface="Lucida Fax" panose="02060602050505020204" pitchFamily="18" charset="0"/>
+                          <a:ea typeface="서울한강체 L" panose="02020603020101020101" pitchFamily="18" charset="-127"/>
+                        </a:rPr>
+                        <a:t>life cycle management</a:t>
+                      </a:r>
+                      <a:endParaRPr lang="ko-KR" altLang="en-US" sz="1600" spc="-150" dirty="0">
+                        <a:solidFill>
+                          <a:schemeClr val="tx1"/>
+                        </a:solidFill>
+                        <a:latin typeface="Lucida Fax" panose="02060602050505020204" pitchFamily="18" charset="0"/>
+                        <a:ea typeface="서울한강체 L" panose="02020603020101020101" pitchFamily="18" charset="-127"/>
+                      </a:endParaRPr>
+                    </a:p>
+                  </a:txBody>
+                  <a:tcPr>
+                    <a:lnL w="3175" cap="flat" cmpd="sng" algn="ctr">
+                      <a:solidFill>
+                        <a:schemeClr val="bg1">
+                          <a:lumMod val="75000"/>
+                        </a:schemeClr>
+                      </a:solidFill>
+                      <a:prstDash val="solid"/>
+                      <a:round/>
+                      <a:headEnd type="none" w="med" len="med"/>
+                      <a:tailEnd type="none" w="med" len="med"/>
+                    </a:lnL>
+                    <a:lnR w="3175" cap="flat" cmpd="sng" algn="ctr">
+                      <a:solidFill>
+                        <a:schemeClr val="bg1">
+                          <a:lumMod val="75000"/>
+                        </a:schemeClr>
+                      </a:solidFill>
+                      <a:prstDash val="solid"/>
+                      <a:round/>
+                      <a:headEnd type="none" w="med" len="med"/>
+                      <a:tailEnd type="none" w="med" len="med"/>
+                    </a:lnR>
+                    <a:lnT w="3175" cap="flat" cmpd="sng" algn="ctr">
+                      <a:solidFill>
+                        <a:schemeClr val="bg1">
+                          <a:lumMod val="75000"/>
+                        </a:schemeClr>
+                      </a:solidFill>
+                      <a:prstDash val="solid"/>
+                      <a:round/>
+                      <a:headEnd type="none" w="med" len="med"/>
+                      <a:tailEnd type="none" w="med" len="med"/>
+                    </a:lnT>
+                    <a:lnB w="3175" cap="flat" cmpd="sng" algn="ctr">
+                      <a:solidFill>
+                        <a:schemeClr val="bg1">
+                          <a:lumMod val="75000"/>
+                        </a:schemeClr>
+                      </a:solidFill>
+                      <a:prstDash val="solid"/>
+                      <a:round/>
+                      <a:headEnd type="none" w="med" len="med"/>
+                      <a:tailEnd type="none" w="med" len="med"/>
+                    </a:lnB>
+                    <a:noFill/>
+                  </a:tcPr>
+                </a:tc>
+                <a:tc>
+                  <a:txBody>
+                    <a:bodyPr/>
+                    <a:lstStyle/>
+                    <a:p>
+                      <a:pPr latinLnBrk="1"/>
+                      <a:r>
+                        <a:rPr lang="en-US" altLang="ko-KR" sz="1600" spc="-150" dirty="0">
+                          <a:solidFill>
+                            <a:schemeClr val="tx1"/>
+                          </a:solidFill>
+                          <a:latin typeface="Lucida Fax" panose="02060602050505020204" pitchFamily="18" charset="0"/>
+                          <a:ea typeface="서울한강체 L" panose="02020603020101020101" pitchFamily="18" charset="-127"/>
+                        </a:rPr>
+                        <a:t>Using AMI and snapshot service for EC2</a:t>
+                      </a:r>
+                    </a:p>
+                    <a:p>
+                      <a:pPr latinLnBrk="1"/>
+                      <a:r>
+                        <a:rPr lang="en-US" altLang="ko-KR" sz="1600" spc="-150" dirty="0">
+                          <a:solidFill>
+                            <a:schemeClr val="tx1"/>
+                          </a:solidFill>
+                          <a:latin typeface="Lucida Fax" panose="02060602050505020204" pitchFamily="18" charset="0"/>
+                          <a:ea typeface="서울한강체 L" panose="02020603020101020101" pitchFamily="18" charset="-127"/>
+                        </a:rPr>
+                        <a:t>S3 bucket life-cycle mgmt.’</a:t>
+                      </a:r>
+                    </a:p>
+                    <a:p>
+                      <a:pPr latinLnBrk="1"/>
+                      <a:r>
+                        <a:rPr lang="en-US" altLang="ko-KR" sz="1600" spc="-150" dirty="0">
+                          <a:solidFill>
+                            <a:schemeClr val="tx1"/>
+                          </a:solidFill>
+                          <a:latin typeface="Lucida Fax" panose="02060602050505020204" pitchFamily="18" charset="0"/>
+                          <a:ea typeface="서울한강체 L" panose="02020603020101020101" pitchFamily="18" charset="-127"/>
+                        </a:rPr>
+                        <a:t>EBS backup schedule</a:t>
+                      </a:r>
+                    </a:p>
+                  </a:txBody>
+                  <a:tcPr>
+                    <a:lnL w="3175" cap="flat" cmpd="sng" algn="ctr">
+                      <a:solidFill>
+                        <a:schemeClr val="bg1">
+                          <a:lumMod val="75000"/>
+                        </a:schemeClr>
+                      </a:solidFill>
+                      <a:prstDash val="solid"/>
+                      <a:round/>
+                      <a:headEnd type="none" w="med" len="med"/>
+                      <a:tailEnd type="none" w="med" len="med"/>
+                    </a:lnL>
+                    <a:lnR w="3175" cap="flat" cmpd="sng" algn="ctr">
+                      <a:solidFill>
+                        <a:schemeClr val="bg1">
+                          <a:lumMod val="75000"/>
+                        </a:schemeClr>
+                      </a:solidFill>
+                      <a:prstDash val="solid"/>
+                      <a:round/>
+                      <a:headEnd type="none" w="med" len="med"/>
+                      <a:tailEnd type="none" w="med" len="med"/>
+                    </a:lnR>
+                    <a:lnT w="3175" cap="flat" cmpd="sng" algn="ctr">
+                      <a:solidFill>
+                        <a:schemeClr val="bg1">
+                          <a:lumMod val="75000"/>
+                        </a:schemeClr>
+                      </a:solidFill>
+                      <a:prstDash val="solid"/>
+                      <a:round/>
+                      <a:headEnd type="none" w="med" len="med"/>
+                      <a:tailEnd type="none" w="med" len="med"/>
+                    </a:lnT>
+                    <a:lnB w="3175" cap="flat" cmpd="sng" algn="ctr">
+                      <a:solidFill>
+                        <a:schemeClr val="bg1">
+                          <a:lumMod val="75000"/>
+                        </a:schemeClr>
+                      </a:solidFill>
+                      <a:prstDash val="solid"/>
+                      <a:round/>
+                      <a:headEnd type="none" w="med" len="med"/>
+                      <a:tailEnd type="none" w="med" len="med"/>
+                    </a:lnB>
+                    <a:noFill/>
+                  </a:tcPr>
+                </a:tc>
+                <a:tc>
+                  <a:txBody>
+                    <a:bodyPr/>
+                    <a:lstStyle/>
+                    <a:p>
+                      <a:pPr latinLnBrk="1"/>
+                      <a:r>
+                        <a:rPr lang="en-US" altLang="ko-KR" sz="1600" spc="-150" dirty="0">
+                          <a:solidFill>
+                            <a:schemeClr val="tx1"/>
+                          </a:solidFill>
+                          <a:latin typeface="Lucida Fax" panose="02060602050505020204" pitchFamily="18" charset="0"/>
+                          <a:ea typeface="서울한강체 L" panose="02020603020101020101" pitchFamily="18" charset="-127"/>
+                        </a:rPr>
+                        <a:t>Daily backup</a:t>
+                      </a:r>
+                    </a:p>
+                    <a:p>
+                      <a:pPr latinLnBrk="1"/>
+                      <a:r>
+                        <a:rPr lang="en-US" altLang="ko-KR" sz="1600" spc="-150" dirty="0">
+                          <a:solidFill>
+                            <a:schemeClr val="tx1"/>
+                          </a:solidFill>
+                          <a:latin typeface="Lucida Fax" panose="02060602050505020204" pitchFamily="18" charset="0"/>
+                          <a:ea typeface="서울한강체 L" panose="02020603020101020101" pitchFamily="18" charset="-127"/>
+                        </a:rPr>
+                        <a:t>Expired S3 bucket objects will be archiving and removed</a:t>
+                      </a:r>
+                      <a:endParaRPr lang="ko-KR" altLang="en-US" sz="1600" spc="-150" dirty="0">
+                        <a:solidFill>
+                          <a:schemeClr val="tx1"/>
+                        </a:solidFill>
+                        <a:latin typeface="Lucida Fax" panose="02060602050505020204" pitchFamily="18" charset="0"/>
+                        <a:ea typeface="서울한강체 L" panose="02020603020101020101" pitchFamily="18" charset="-127"/>
+                      </a:endParaRPr>
+                    </a:p>
+                  </a:txBody>
+                  <a:tcPr>
+                    <a:lnL w="3175" cap="flat" cmpd="sng" algn="ctr">
+                      <a:solidFill>
+                        <a:schemeClr val="bg1">
+                          <a:lumMod val="75000"/>
+                        </a:schemeClr>
+                      </a:solidFill>
+                      <a:prstDash val="solid"/>
+                      <a:round/>
+                      <a:headEnd type="none" w="med" len="med"/>
+                      <a:tailEnd type="none" w="med" len="med"/>
+                    </a:lnL>
+                    <a:lnR w="3175" cap="flat" cmpd="sng" algn="ctr">
+                      <a:solidFill>
+                        <a:schemeClr val="bg1">
+                          <a:lumMod val="75000"/>
+                        </a:schemeClr>
+                      </a:solidFill>
+                      <a:prstDash val="solid"/>
+                      <a:round/>
+                      <a:headEnd type="none" w="med" len="med"/>
+                      <a:tailEnd type="none" w="med" len="med"/>
+                    </a:lnR>
+                    <a:lnT w="3175" cap="flat" cmpd="sng" algn="ctr">
+                      <a:solidFill>
+                        <a:schemeClr val="bg1">
+                          <a:lumMod val="75000"/>
+                        </a:schemeClr>
+                      </a:solidFill>
+                      <a:prstDash val="solid"/>
+                      <a:round/>
+                      <a:headEnd type="none" w="med" len="med"/>
+                      <a:tailEnd type="none" w="med" len="med"/>
+                    </a:lnT>
+                    <a:lnB w="3175" cap="flat" cmpd="sng" algn="ctr">
+                      <a:solidFill>
+                        <a:schemeClr val="bg1">
+                          <a:lumMod val="75000"/>
+                        </a:schemeClr>
+                      </a:solidFill>
+                      <a:prstDash val="solid"/>
+                      <a:round/>
+                      <a:headEnd type="none" w="med" len="med"/>
+                      <a:tailEnd type="none" w="med" len="med"/>
+                    </a:lnB>
+                    <a:noFill/>
+                  </a:tcPr>
+                </a:tc>
+                <a:tc>
+                  <a:txBody>
+                    <a:bodyPr/>
+                    <a:lstStyle/>
+                    <a:p>
+                      <a:pPr latinLnBrk="1"/>
+                      <a:endParaRPr lang="ko-KR" altLang="en-US" sz="1600" spc="-150" dirty="0">
+                        <a:solidFill>
+                          <a:schemeClr val="tx1">
+                            <a:lumMod val="50000"/>
+                            <a:lumOff val="50000"/>
+                          </a:schemeClr>
+                        </a:solidFill>
+                        <a:latin typeface="Lucida Fax" panose="02060602050505020204" pitchFamily="18" charset="0"/>
+                        <a:ea typeface="서울한강체 L" panose="02020603020101020101" pitchFamily="18" charset="-127"/>
+                      </a:endParaRPr>
+                    </a:p>
+                  </a:txBody>
+                  <a:tcPr>
+                    <a:lnL w="3175" cap="flat" cmpd="sng" algn="ctr">
+                      <a:solidFill>
+                        <a:schemeClr val="bg1">
+                          <a:lumMod val="75000"/>
+                        </a:schemeClr>
+                      </a:solidFill>
+                      <a:prstDash val="solid"/>
+                      <a:round/>
+                      <a:headEnd type="none" w="med" len="med"/>
+                      <a:tailEnd type="none" w="med" len="med"/>
+                    </a:lnL>
+                    <a:lnR w="3175" cap="flat" cmpd="sng" algn="ctr">
+                      <a:solidFill>
+                        <a:schemeClr val="bg1">
+                          <a:lumMod val="75000"/>
+                        </a:schemeClr>
+                      </a:solidFill>
+                      <a:prstDash val="solid"/>
+                      <a:round/>
+                      <a:headEnd type="none" w="med" len="med"/>
+                      <a:tailEnd type="none" w="med" len="med"/>
+                    </a:lnR>
+                    <a:lnT w="3175" cap="flat" cmpd="sng" algn="ctr">
+                      <a:solidFill>
+                        <a:schemeClr val="bg1">
+                          <a:lumMod val="75000"/>
+                        </a:schemeClr>
+                      </a:solidFill>
+                      <a:prstDash val="solid"/>
+                      <a:round/>
+                      <a:headEnd type="none" w="med" len="med"/>
+                      <a:tailEnd type="none" w="med" len="med"/>
+                    </a:lnT>
+                    <a:lnB w="3175" cap="flat" cmpd="sng" algn="ctr">
+                      <a:solidFill>
+                        <a:schemeClr val="bg1">
+                          <a:lumMod val="75000"/>
+                        </a:schemeClr>
+                      </a:solidFill>
+                      <a:prstDash val="solid"/>
+                      <a:round/>
+                      <a:headEnd type="none" w="med" len="med"/>
+                      <a:tailEnd type="none" w="med" len="med"/>
+                    </a:lnB>
+                    <a:noFill/>
+                  </a:tcPr>
+                </a:tc>
+                <a:extLst>
+                  <a:ext uri="{0D108BD9-81ED-4DB2-BD59-A6C34878D82A}">
+                    <a16:rowId xmlns:a16="http://schemas.microsoft.com/office/drawing/2014/main" val="3067856389"/>
+                  </a:ext>
+                </a:extLst>
+              </a:tr>
+              <a:tr h="0">
+                <a:tc>
+                  <a:txBody>
+                    <a:bodyPr/>
+                    <a:lstStyle/>
+                    <a:p>
+                      <a:pPr latinLnBrk="1"/>
+                      <a:r>
+                        <a:rPr lang="en-US" altLang="ko-KR" sz="1600" spc="-150" dirty="0">
+                          <a:solidFill>
+                            <a:schemeClr val="tx1"/>
+                          </a:solidFill>
+                          <a:latin typeface="Lucida Fax" panose="02060602050505020204" pitchFamily="18" charset="0"/>
+                          <a:ea typeface="서울한강체 L" panose="02020603020101020101" pitchFamily="18" charset="-127"/>
+                        </a:rPr>
+                        <a:t>DR (backup and restore)</a:t>
+                      </a:r>
+                    </a:p>
+                    <a:p>
+                      <a:pPr latinLnBrk="1"/>
+                      <a:endParaRPr lang="ko-KR" altLang="en-US" sz="1600" spc="-150" dirty="0">
+                        <a:solidFill>
+                          <a:schemeClr val="tx1"/>
+                        </a:solidFill>
+                        <a:latin typeface="Lucida Fax" panose="02060602050505020204" pitchFamily="18" charset="0"/>
+                        <a:ea typeface="서울한강체 L" panose="02020603020101020101" pitchFamily="18" charset="-127"/>
+                      </a:endParaRPr>
+                    </a:p>
+                  </a:txBody>
+                  <a:tcPr>
+                    <a:lnL w="3175" cap="flat" cmpd="sng" algn="ctr">
+                      <a:solidFill>
+                        <a:schemeClr val="bg1">
+                          <a:lumMod val="75000"/>
+                        </a:schemeClr>
+                      </a:solidFill>
+                      <a:prstDash val="solid"/>
+                      <a:round/>
+                      <a:headEnd type="none" w="med" len="med"/>
+                      <a:tailEnd type="none" w="med" len="med"/>
+                    </a:lnL>
+                    <a:lnR w="3175" cap="flat" cmpd="sng" algn="ctr">
+                      <a:solidFill>
+                        <a:schemeClr val="bg1">
+                          <a:lumMod val="75000"/>
+                        </a:schemeClr>
+                      </a:solidFill>
+                      <a:prstDash val="solid"/>
+                      <a:round/>
+                      <a:headEnd type="none" w="med" len="med"/>
+                      <a:tailEnd type="none" w="med" len="med"/>
+                    </a:lnR>
+                    <a:lnT w="3175" cap="flat" cmpd="sng" algn="ctr">
+                      <a:solidFill>
+                        <a:schemeClr val="bg1">
+                          <a:lumMod val="75000"/>
+                        </a:schemeClr>
+                      </a:solidFill>
+                      <a:prstDash val="solid"/>
+                      <a:round/>
+                      <a:headEnd type="none" w="med" len="med"/>
+                      <a:tailEnd type="none" w="med" len="med"/>
+                    </a:lnT>
+                    <a:lnB w="3175" cap="flat" cmpd="sng" algn="ctr">
+                      <a:solidFill>
+                        <a:schemeClr val="bg1">
+                          <a:lumMod val="75000"/>
+                        </a:schemeClr>
+                      </a:solidFill>
+                      <a:prstDash val="solid"/>
+                      <a:round/>
+                      <a:headEnd type="none" w="med" len="med"/>
+                      <a:tailEnd type="none" w="med" len="med"/>
+                    </a:lnB>
+                    <a:noFill/>
+                  </a:tcPr>
+                </a:tc>
+                <a:tc>
+                  <a:txBody>
+                    <a:bodyPr/>
+                    <a:lstStyle/>
+                    <a:p>
+                      <a:pPr latinLnBrk="1"/>
+                      <a:r>
+                        <a:rPr lang="en-US" altLang="ko-KR" sz="1600" spc="-150" dirty="0">
+                          <a:solidFill>
+                            <a:schemeClr val="tx1"/>
+                          </a:solidFill>
+                          <a:latin typeface="Lucida Fax" panose="02060602050505020204" pitchFamily="18" charset="0"/>
+                          <a:ea typeface="서울한강체 L" panose="02020603020101020101" pitchFamily="18" charset="-127"/>
+                        </a:rPr>
+                        <a:t>Restore EC2 w/ AMI or backup snapshot</a:t>
+                      </a:r>
+                    </a:p>
+                    <a:p>
+                      <a:pPr latinLnBrk="1"/>
+                      <a:r>
+                        <a:rPr lang="en-US" altLang="ko-KR" sz="1600" spc="-150" dirty="0">
+                          <a:solidFill>
+                            <a:schemeClr val="tx1"/>
+                          </a:solidFill>
+                          <a:latin typeface="Lucida Fax" panose="02060602050505020204" pitchFamily="18" charset="0"/>
+                          <a:ea typeface="서울한강체 L" panose="02020603020101020101" pitchFamily="18" charset="-127"/>
+                        </a:rPr>
+                        <a:t>Restore backup EBS</a:t>
+                      </a:r>
+                      <a:endParaRPr lang="ko-KR" altLang="en-US" sz="1600" spc="-150" dirty="0">
+                        <a:solidFill>
+                          <a:schemeClr val="tx1"/>
+                        </a:solidFill>
+                        <a:latin typeface="Lucida Fax" panose="02060602050505020204" pitchFamily="18" charset="0"/>
+                        <a:ea typeface="서울한강체 L" panose="02020603020101020101" pitchFamily="18" charset="-127"/>
+                      </a:endParaRPr>
+                    </a:p>
+                  </a:txBody>
+                  <a:tcPr>
+                    <a:lnL w="3175" cap="flat" cmpd="sng" algn="ctr">
+                      <a:solidFill>
+                        <a:schemeClr val="bg1">
+                          <a:lumMod val="75000"/>
+                        </a:schemeClr>
+                      </a:solidFill>
+                      <a:prstDash val="solid"/>
+                      <a:round/>
+                      <a:headEnd type="none" w="med" len="med"/>
+                      <a:tailEnd type="none" w="med" len="med"/>
+                    </a:lnL>
+                    <a:lnR w="3175" cap="flat" cmpd="sng" algn="ctr">
+                      <a:solidFill>
+                        <a:schemeClr val="bg1">
+                          <a:lumMod val="75000"/>
+                        </a:schemeClr>
+                      </a:solidFill>
+                      <a:prstDash val="solid"/>
+                      <a:round/>
+                      <a:headEnd type="none" w="med" len="med"/>
+                      <a:tailEnd type="none" w="med" len="med"/>
+                    </a:lnR>
+                    <a:lnT w="3175" cap="flat" cmpd="sng" algn="ctr">
+                      <a:solidFill>
+                        <a:schemeClr val="bg1">
+                          <a:lumMod val="75000"/>
+                        </a:schemeClr>
+                      </a:solidFill>
+                      <a:prstDash val="solid"/>
+                      <a:round/>
+                      <a:headEnd type="none" w="med" len="med"/>
+                      <a:tailEnd type="none" w="med" len="med"/>
+                    </a:lnT>
+                    <a:lnB w="3175" cap="flat" cmpd="sng" algn="ctr">
+                      <a:solidFill>
+                        <a:schemeClr val="bg1">
+                          <a:lumMod val="75000"/>
+                        </a:schemeClr>
+                      </a:solidFill>
+                      <a:prstDash val="solid"/>
+                      <a:round/>
+                      <a:headEnd type="none" w="med" len="med"/>
+                      <a:tailEnd type="none" w="med" len="med"/>
+                    </a:lnB>
+                    <a:noFill/>
+                  </a:tcPr>
+                </a:tc>
+                <a:tc>
+                  <a:txBody>
+                    <a:bodyPr/>
+                    <a:lstStyle/>
+                    <a:p>
+                      <a:pPr latinLnBrk="1"/>
+                      <a:endParaRPr lang="ko-KR" altLang="en-US" sz="1600" spc="-150" dirty="0">
+                        <a:solidFill>
+                          <a:schemeClr val="tx1"/>
+                        </a:solidFill>
+                        <a:latin typeface="Lucida Fax" panose="02060602050505020204" pitchFamily="18" charset="0"/>
+                        <a:ea typeface="서울한강체 L" panose="02020603020101020101" pitchFamily="18" charset="-127"/>
+                      </a:endParaRPr>
+                    </a:p>
+                  </a:txBody>
+                  <a:tcPr>
+                    <a:lnL w="3175" cap="flat" cmpd="sng" algn="ctr">
+                      <a:solidFill>
+                        <a:schemeClr val="bg1">
+                          <a:lumMod val="75000"/>
+                        </a:schemeClr>
+                      </a:solidFill>
+                      <a:prstDash val="solid"/>
+                      <a:round/>
+                      <a:headEnd type="none" w="med" len="med"/>
+                      <a:tailEnd type="none" w="med" len="med"/>
+                    </a:lnL>
+                    <a:lnR w="3175" cap="flat" cmpd="sng" algn="ctr">
+                      <a:solidFill>
+                        <a:schemeClr val="bg1">
+                          <a:lumMod val="75000"/>
+                        </a:schemeClr>
+                      </a:solidFill>
+                      <a:prstDash val="solid"/>
+                      <a:round/>
+                      <a:headEnd type="none" w="med" len="med"/>
+                      <a:tailEnd type="none" w="med" len="med"/>
+                    </a:lnR>
+                    <a:lnT w="3175" cap="flat" cmpd="sng" algn="ctr">
+                      <a:solidFill>
+                        <a:schemeClr val="bg1">
+                          <a:lumMod val="75000"/>
+                        </a:schemeClr>
+                      </a:solidFill>
+                      <a:prstDash val="solid"/>
+                      <a:round/>
+                      <a:headEnd type="none" w="med" len="med"/>
+                      <a:tailEnd type="none" w="med" len="med"/>
+                    </a:lnT>
+                    <a:lnB w="3175" cap="flat" cmpd="sng" algn="ctr">
+                      <a:solidFill>
+                        <a:schemeClr val="bg1">
+                          <a:lumMod val="75000"/>
+                        </a:schemeClr>
+                      </a:solidFill>
+                      <a:prstDash val="solid"/>
+                      <a:round/>
+                      <a:headEnd type="none" w="med" len="med"/>
+                      <a:tailEnd type="none" w="med" len="med"/>
+                    </a:lnB>
+                    <a:noFill/>
+                  </a:tcPr>
+                </a:tc>
+                <a:tc>
+                  <a:txBody>
+                    <a:bodyPr/>
+                    <a:lstStyle/>
+                    <a:p>
+                      <a:pPr latinLnBrk="1"/>
+                      <a:endParaRPr lang="ko-KR" altLang="en-US" sz="1600" spc="-150" dirty="0">
+                        <a:solidFill>
+                          <a:schemeClr val="tx1">
+                            <a:lumMod val="50000"/>
+                            <a:lumOff val="50000"/>
+                          </a:schemeClr>
+                        </a:solidFill>
+                        <a:latin typeface="Lucida Fax" panose="02060602050505020204" pitchFamily="18" charset="0"/>
+                        <a:ea typeface="서울한강체 L" panose="02020603020101020101" pitchFamily="18" charset="-127"/>
+                      </a:endParaRPr>
+                    </a:p>
+                  </a:txBody>
+                  <a:tcPr>
+                    <a:lnL w="3175" cap="flat" cmpd="sng" algn="ctr">
+                      <a:solidFill>
+                        <a:schemeClr val="bg1">
+                          <a:lumMod val="75000"/>
+                        </a:schemeClr>
+                      </a:solidFill>
+                      <a:prstDash val="solid"/>
+                      <a:round/>
+                      <a:headEnd type="none" w="med" len="med"/>
+                      <a:tailEnd type="none" w="med" len="med"/>
+                    </a:lnL>
+                    <a:lnR w="3175" cap="flat" cmpd="sng" algn="ctr">
+                      <a:solidFill>
+                        <a:schemeClr val="bg1">
+                          <a:lumMod val="75000"/>
+                        </a:schemeClr>
+                      </a:solidFill>
+                      <a:prstDash val="solid"/>
+                      <a:round/>
+                      <a:headEnd type="none" w="med" len="med"/>
+                      <a:tailEnd type="none" w="med" len="med"/>
+                    </a:lnR>
+                    <a:lnT w="3175" cap="flat" cmpd="sng" algn="ctr">
+                      <a:solidFill>
+                        <a:schemeClr val="bg1">
+                          <a:lumMod val="75000"/>
+                        </a:schemeClr>
+                      </a:solidFill>
+                      <a:prstDash val="solid"/>
+                      <a:round/>
+                      <a:headEnd type="none" w="med" len="med"/>
+                      <a:tailEnd type="none" w="med" len="med"/>
+                    </a:lnT>
+                    <a:lnB w="3175" cap="flat" cmpd="sng" algn="ctr">
+                      <a:solidFill>
+                        <a:schemeClr val="bg1">
+                          <a:lumMod val="75000"/>
+                        </a:schemeClr>
+                      </a:solidFill>
+                      <a:prstDash val="solid"/>
+                      <a:round/>
+                      <a:headEnd type="none" w="med" len="med"/>
+                      <a:tailEnd type="none" w="med" len="med"/>
+                    </a:lnB>
+                    <a:noFill/>
+                  </a:tcPr>
+                </a:tc>
+                <a:extLst>
+                  <a:ext uri="{0D108BD9-81ED-4DB2-BD59-A6C34878D82A}">
+                    <a16:rowId xmlns:a16="http://schemas.microsoft.com/office/drawing/2014/main" val="2105354281"/>
+                  </a:ext>
+                </a:extLst>
+              </a:tr>
+              <a:tr h="0">
+                <a:tc>
+                  <a:txBody>
+                    <a:bodyPr/>
+                    <a:lstStyle/>
+                    <a:p>
+                      <a:pPr latinLnBrk="1"/>
+                      <a:r>
+                        <a:rPr lang="en-US" altLang="ko-KR" sz="1600" spc="-150" dirty="0">
+                          <a:solidFill>
+                            <a:schemeClr val="tx1"/>
+                          </a:solidFill>
+                          <a:latin typeface="Lucida Fax" panose="02060602050505020204" pitchFamily="18" charset="0"/>
+                          <a:ea typeface="서울한강체 L" panose="02020603020101020101" pitchFamily="18" charset="-127"/>
+                        </a:rPr>
+                        <a:t>Blueprint deploy</a:t>
+                      </a:r>
+                      <a:endParaRPr lang="ko-KR" altLang="en-US" sz="1600" spc="-150" dirty="0">
+                        <a:solidFill>
+                          <a:schemeClr val="tx1"/>
+                        </a:solidFill>
+                        <a:latin typeface="Lucida Fax" panose="02060602050505020204" pitchFamily="18" charset="0"/>
+                        <a:ea typeface="서울한강체 L" panose="02020603020101020101" pitchFamily="18" charset="-127"/>
+                      </a:endParaRPr>
+                    </a:p>
+                  </a:txBody>
+                  <a:tcPr>
+                    <a:lnL w="3175" cap="flat" cmpd="sng" algn="ctr">
+                      <a:solidFill>
+                        <a:schemeClr val="bg1">
+                          <a:lumMod val="75000"/>
+                        </a:schemeClr>
+                      </a:solidFill>
+                      <a:prstDash val="solid"/>
+                      <a:round/>
+                      <a:headEnd type="none" w="med" len="med"/>
+                      <a:tailEnd type="none" w="med" len="med"/>
+                    </a:lnL>
+                    <a:lnR w="3175" cap="flat" cmpd="sng" algn="ctr">
+                      <a:solidFill>
+                        <a:schemeClr val="bg1">
+                          <a:lumMod val="75000"/>
+                        </a:schemeClr>
+                      </a:solidFill>
+                      <a:prstDash val="solid"/>
+                      <a:round/>
+                      <a:headEnd type="none" w="med" len="med"/>
+                      <a:tailEnd type="none" w="med" len="med"/>
+                    </a:lnR>
+                    <a:lnT w="3175" cap="flat" cmpd="sng" algn="ctr">
+                      <a:solidFill>
+                        <a:schemeClr val="bg1">
+                          <a:lumMod val="75000"/>
+                        </a:schemeClr>
+                      </a:solidFill>
+                      <a:prstDash val="solid"/>
+                      <a:round/>
+                      <a:headEnd type="none" w="med" len="med"/>
+                      <a:tailEnd type="none" w="med" len="med"/>
+                    </a:lnT>
+                    <a:lnB w="3175" cap="flat" cmpd="sng" algn="ctr">
+                      <a:solidFill>
+                        <a:schemeClr val="bg1">
+                          <a:lumMod val="75000"/>
+                        </a:schemeClr>
+                      </a:solidFill>
+                      <a:prstDash val="solid"/>
+                      <a:round/>
+                      <a:headEnd type="none" w="med" len="med"/>
+                      <a:tailEnd type="none" w="med" len="med"/>
+                    </a:lnB>
+                    <a:noFill/>
+                  </a:tcPr>
+                </a:tc>
+                <a:tc>
+                  <a:txBody>
+                    <a:bodyPr/>
+                    <a:lstStyle/>
+                    <a:p>
+                      <a:pPr marL="0" marR="0" lvl="0" indent="0" algn="l" defTabSz="914400" rtl="0" eaLnBrk="1" fontAlgn="auto" latinLnBrk="1" hangingPunct="1">
+                        <a:lnSpc>
+                          <a:spcPct val="100000"/>
+                        </a:lnSpc>
+                        <a:spcBef>
+                          <a:spcPts val="0"/>
+                        </a:spcBef>
+                        <a:spcAft>
+                          <a:spcPts val="0"/>
+                        </a:spcAft>
+                        <a:buClrTx/>
+                        <a:buSzTx/>
+                        <a:buFontTx/>
+                        <a:buNone/>
+                        <a:tabLst/>
+                        <a:defRPr/>
+                      </a:pPr>
+                      <a:r>
+                        <a:rPr lang="en-US" altLang="ko-KR" sz="1600" spc="-150" dirty="0">
+                          <a:solidFill>
+                            <a:schemeClr val="tx1"/>
+                          </a:solidFill>
+                          <a:latin typeface="Lucida Fax" panose="02060602050505020204" pitchFamily="18" charset="0"/>
+                          <a:ea typeface="서울한강체 L" panose="02020603020101020101" pitchFamily="18" charset="-127"/>
+                        </a:rPr>
+                        <a:t>Using CloudFormation(+ansible) for infrastructure</a:t>
+                      </a:r>
+                    </a:p>
+                  </a:txBody>
+                  <a:tcPr>
+                    <a:lnL w="3175" cap="flat" cmpd="sng" algn="ctr">
+                      <a:solidFill>
+                        <a:schemeClr val="bg1">
+                          <a:lumMod val="75000"/>
+                        </a:schemeClr>
+                      </a:solidFill>
+                      <a:prstDash val="solid"/>
+                      <a:round/>
+                      <a:headEnd type="none" w="med" len="med"/>
+                      <a:tailEnd type="none" w="med" len="med"/>
+                    </a:lnL>
+                    <a:lnR w="3175" cap="flat" cmpd="sng" algn="ctr">
+                      <a:solidFill>
+                        <a:schemeClr val="bg1">
+                          <a:lumMod val="75000"/>
+                        </a:schemeClr>
+                      </a:solidFill>
+                      <a:prstDash val="solid"/>
+                      <a:round/>
+                      <a:headEnd type="none" w="med" len="med"/>
+                      <a:tailEnd type="none" w="med" len="med"/>
+                    </a:lnR>
+                    <a:lnT w="3175" cap="flat" cmpd="sng" algn="ctr">
+                      <a:solidFill>
+                        <a:schemeClr val="bg1">
+                          <a:lumMod val="75000"/>
+                        </a:schemeClr>
+                      </a:solidFill>
+                      <a:prstDash val="solid"/>
+                      <a:round/>
+                      <a:headEnd type="none" w="med" len="med"/>
+                      <a:tailEnd type="none" w="med" len="med"/>
+                    </a:lnT>
+                    <a:lnB w="3175" cap="flat" cmpd="sng" algn="ctr">
+                      <a:solidFill>
+                        <a:schemeClr val="bg1">
+                          <a:lumMod val="75000"/>
+                        </a:schemeClr>
+                      </a:solidFill>
+                      <a:prstDash val="solid"/>
+                      <a:round/>
+                      <a:headEnd type="none" w="med" len="med"/>
+                      <a:tailEnd type="none" w="med" len="med"/>
+                    </a:lnB>
+                    <a:noFill/>
+                  </a:tcPr>
+                </a:tc>
+                <a:tc>
+                  <a:txBody>
+                    <a:bodyPr/>
+                    <a:lstStyle/>
+                    <a:p>
+                      <a:pPr latinLnBrk="1"/>
+                      <a:endParaRPr lang="ko-KR" altLang="en-US" sz="1600" spc="-150" dirty="0">
+                        <a:solidFill>
+                          <a:schemeClr val="tx1"/>
+                        </a:solidFill>
+                        <a:latin typeface="Lucida Fax" panose="02060602050505020204" pitchFamily="18" charset="0"/>
+                        <a:ea typeface="서울한강체 L" panose="02020603020101020101" pitchFamily="18" charset="-127"/>
+                      </a:endParaRPr>
+                    </a:p>
+                  </a:txBody>
+                  <a:tcPr>
+                    <a:lnL w="3175" cap="flat" cmpd="sng" algn="ctr">
+                      <a:solidFill>
+                        <a:schemeClr val="bg1">
+                          <a:lumMod val="75000"/>
+                        </a:schemeClr>
+                      </a:solidFill>
+                      <a:prstDash val="solid"/>
+                      <a:round/>
+                      <a:headEnd type="none" w="med" len="med"/>
+                      <a:tailEnd type="none" w="med" len="med"/>
+                    </a:lnL>
+                    <a:lnR w="3175" cap="flat" cmpd="sng" algn="ctr">
+                      <a:solidFill>
+                        <a:schemeClr val="bg1">
+                          <a:lumMod val="75000"/>
+                        </a:schemeClr>
+                      </a:solidFill>
+                      <a:prstDash val="solid"/>
+                      <a:round/>
+                      <a:headEnd type="none" w="med" len="med"/>
+                      <a:tailEnd type="none" w="med" len="med"/>
+                    </a:lnR>
+                    <a:lnT w="3175" cap="flat" cmpd="sng" algn="ctr">
+                      <a:solidFill>
+                        <a:schemeClr val="bg1">
+                          <a:lumMod val="75000"/>
+                        </a:schemeClr>
+                      </a:solidFill>
+                      <a:prstDash val="solid"/>
+                      <a:round/>
+                      <a:headEnd type="none" w="med" len="med"/>
+                      <a:tailEnd type="none" w="med" len="med"/>
+                    </a:lnT>
+                    <a:lnB w="3175" cap="flat" cmpd="sng" algn="ctr">
+                      <a:solidFill>
+                        <a:schemeClr val="bg1">
+                          <a:lumMod val="75000"/>
+                        </a:schemeClr>
+                      </a:solidFill>
+                      <a:prstDash val="solid"/>
+                      <a:round/>
+                      <a:headEnd type="none" w="med" len="med"/>
+                      <a:tailEnd type="none" w="med" len="med"/>
+                    </a:lnB>
+                    <a:noFill/>
+                  </a:tcPr>
+                </a:tc>
+                <a:tc>
+                  <a:txBody>
+                    <a:bodyPr/>
+                    <a:lstStyle/>
+                    <a:p>
+                      <a:pPr latinLnBrk="1"/>
+                      <a:r>
+                        <a:rPr lang="en-US" altLang="ko-KR" sz="1600" spc="-150" dirty="0">
+                          <a:solidFill>
+                            <a:schemeClr val="tx1">
+                              <a:lumMod val="50000"/>
+                              <a:lumOff val="50000"/>
+                            </a:schemeClr>
+                          </a:solidFill>
+                          <a:latin typeface="Lucida Fax" panose="02060602050505020204" pitchFamily="18" charset="0"/>
+                          <a:ea typeface="서울한강체 L" panose="02020603020101020101" pitchFamily="18" charset="-127"/>
+                        </a:rPr>
+                        <a:t>OpsWorks</a:t>
+                      </a:r>
+                    </a:p>
+                    <a:p>
+                      <a:pPr latinLnBrk="1"/>
+                      <a:r>
+                        <a:rPr lang="en-US" altLang="ko-KR" sz="1600" spc="-150" dirty="0">
+                          <a:solidFill>
+                            <a:schemeClr val="tx1">
+                              <a:lumMod val="50000"/>
+                              <a:lumOff val="50000"/>
+                            </a:schemeClr>
+                          </a:solidFill>
+                          <a:latin typeface="Lucida Fax" panose="02060602050505020204" pitchFamily="18" charset="0"/>
+                          <a:ea typeface="서울한강체 L" panose="02020603020101020101" pitchFamily="18" charset="-127"/>
+                        </a:rPr>
+                        <a:t>Beanstalk</a:t>
+                      </a:r>
+                      <a:endParaRPr lang="ko-KR" altLang="en-US" sz="1600" spc="-150" dirty="0">
+                        <a:solidFill>
+                          <a:schemeClr val="tx1">
+                            <a:lumMod val="50000"/>
+                            <a:lumOff val="50000"/>
+                          </a:schemeClr>
+                        </a:solidFill>
+                        <a:latin typeface="Lucida Fax" panose="02060602050505020204" pitchFamily="18" charset="0"/>
+                        <a:ea typeface="서울한강체 L" panose="02020603020101020101" pitchFamily="18" charset="-127"/>
+                      </a:endParaRPr>
+                    </a:p>
+                  </a:txBody>
+                  <a:tcPr>
+                    <a:lnL w="3175" cap="flat" cmpd="sng" algn="ctr">
+                      <a:solidFill>
+                        <a:schemeClr val="bg1">
+                          <a:lumMod val="75000"/>
+                        </a:schemeClr>
+                      </a:solidFill>
+                      <a:prstDash val="solid"/>
+                      <a:round/>
+                      <a:headEnd type="none" w="med" len="med"/>
+                      <a:tailEnd type="none" w="med" len="med"/>
+                    </a:lnL>
+                    <a:lnR w="3175" cap="flat" cmpd="sng" algn="ctr">
+                      <a:solidFill>
+                        <a:schemeClr val="bg1">
+                          <a:lumMod val="75000"/>
+                        </a:schemeClr>
+                      </a:solidFill>
+                      <a:prstDash val="solid"/>
+                      <a:round/>
+                      <a:headEnd type="none" w="med" len="med"/>
+                      <a:tailEnd type="none" w="med" len="med"/>
+                    </a:lnR>
+                    <a:lnT w="3175" cap="flat" cmpd="sng" algn="ctr">
+                      <a:solidFill>
+                        <a:schemeClr val="bg1">
+                          <a:lumMod val="75000"/>
+                        </a:schemeClr>
+                      </a:solidFill>
+                      <a:prstDash val="solid"/>
+                      <a:round/>
+                      <a:headEnd type="none" w="med" len="med"/>
+                      <a:tailEnd type="none" w="med" len="med"/>
+                    </a:lnT>
+                    <a:lnB w="3175" cap="flat" cmpd="sng" algn="ctr">
+                      <a:solidFill>
+                        <a:schemeClr val="bg1">
+                          <a:lumMod val="75000"/>
+                        </a:schemeClr>
+                      </a:solidFill>
+                      <a:prstDash val="solid"/>
+                      <a:round/>
+                      <a:headEnd type="none" w="med" len="med"/>
+                      <a:tailEnd type="none" w="med" len="med"/>
+                    </a:lnB>
+                    <a:noFill/>
+                  </a:tcPr>
+                </a:tc>
+                <a:extLst>
+                  <a:ext uri="{0D108BD9-81ED-4DB2-BD59-A6C34878D82A}">
+                    <a16:rowId xmlns:a16="http://schemas.microsoft.com/office/drawing/2014/main" val="4233671026"/>
+                  </a:ext>
+                </a:extLst>
+              </a:tr>
+              <a:tr h="0">
+                <a:tc>
+                  <a:txBody>
+                    <a:bodyPr/>
+                    <a:lstStyle/>
+                    <a:p>
+                      <a:pPr latinLnBrk="1"/>
+                      <a:r>
+                        <a:rPr lang="en-US" altLang="ko-KR" sz="1600" spc="-150" dirty="0">
+                          <a:solidFill>
+                            <a:schemeClr val="tx1"/>
+                          </a:solidFill>
+                          <a:latin typeface="Lucida Fax" panose="02060602050505020204" pitchFamily="18" charset="0"/>
+                          <a:ea typeface="서울한강체 L" panose="02020603020101020101" pitchFamily="18" charset="-127"/>
+                        </a:rPr>
+                        <a:t>CI/CD</a:t>
+                      </a:r>
+                      <a:endParaRPr lang="ko-KR" altLang="en-US" sz="1600" spc="-150" dirty="0">
+                        <a:solidFill>
+                          <a:schemeClr val="tx1"/>
+                        </a:solidFill>
+                        <a:latin typeface="Lucida Fax" panose="02060602050505020204" pitchFamily="18" charset="0"/>
+                        <a:ea typeface="서울한강체 L" panose="02020603020101020101" pitchFamily="18" charset="-127"/>
+                      </a:endParaRPr>
+                    </a:p>
+                  </a:txBody>
+                  <a:tcPr>
+                    <a:lnL w="3175" cap="flat" cmpd="sng" algn="ctr">
+                      <a:solidFill>
+                        <a:schemeClr val="bg1">
+                          <a:lumMod val="75000"/>
+                        </a:schemeClr>
+                      </a:solidFill>
+                      <a:prstDash val="solid"/>
+                      <a:round/>
+                      <a:headEnd type="none" w="med" len="med"/>
+                      <a:tailEnd type="none" w="med" len="med"/>
+                    </a:lnL>
+                    <a:lnR w="3175" cap="flat" cmpd="sng" algn="ctr">
+                      <a:solidFill>
+                        <a:schemeClr val="bg1">
+                          <a:lumMod val="75000"/>
+                        </a:schemeClr>
+                      </a:solidFill>
+                      <a:prstDash val="solid"/>
+                      <a:round/>
+                      <a:headEnd type="none" w="med" len="med"/>
+                      <a:tailEnd type="none" w="med" len="med"/>
+                    </a:lnR>
+                    <a:lnT w="3175" cap="flat" cmpd="sng" algn="ctr">
+                      <a:solidFill>
+                        <a:schemeClr val="bg1">
+                          <a:lumMod val="75000"/>
+                        </a:schemeClr>
+                      </a:solidFill>
+                      <a:prstDash val="solid"/>
+                      <a:round/>
+                      <a:headEnd type="none" w="med" len="med"/>
+                      <a:tailEnd type="none" w="med" len="med"/>
+                    </a:lnT>
+                    <a:lnB w="3175" cap="flat" cmpd="sng" algn="ctr">
+                      <a:solidFill>
+                        <a:schemeClr val="bg1">
+                          <a:lumMod val="75000"/>
+                        </a:schemeClr>
+                      </a:solidFill>
+                      <a:prstDash val="solid"/>
+                      <a:round/>
+                      <a:headEnd type="none" w="med" len="med"/>
+                      <a:tailEnd type="none" w="med" len="med"/>
+                    </a:lnB>
+                    <a:noFill/>
+                  </a:tcPr>
+                </a:tc>
+                <a:tc>
+                  <a:txBody>
+                    <a:bodyPr/>
+                    <a:lstStyle/>
+                    <a:p>
+                      <a:pPr latinLnBrk="1"/>
+                      <a:r>
+                        <a:rPr lang="en-US" altLang="ko-KR" sz="1600" spc="-150" dirty="0">
+                          <a:solidFill>
+                            <a:schemeClr val="tx1"/>
+                          </a:solidFill>
+                          <a:latin typeface="Lucida Fax" panose="02060602050505020204" pitchFamily="18" charset="0"/>
+                          <a:ea typeface="서울한강체 L" panose="02020603020101020101" pitchFamily="18" charset="-127"/>
+                        </a:rPr>
+                        <a:t>Manually deploy (using git tool)</a:t>
+                      </a:r>
+                      <a:endParaRPr lang="ko-KR" altLang="en-US" sz="1600" spc="-150" dirty="0">
+                        <a:solidFill>
+                          <a:schemeClr val="tx1"/>
+                        </a:solidFill>
+                        <a:latin typeface="Lucida Fax" panose="02060602050505020204" pitchFamily="18" charset="0"/>
+                        <a:ea typeface="서울한강체 L" panose="02020603020101020101" pitchFamily="18" charset="-127"/>
+                      </a:endParaRPr>
+                    </a:p>
+                  </a:txBody>
+                  <a:tcPr>
+                    <a:lnL w="3175" cap="flat" cmpd="sng" algn="ctr">
+                      <a:solidFill>
+                        <a:schemeClr val="bg1">
+                          <a:lumMod val="75000"/>
+                        </a:schemeClr>
+                      </a:solidFill>
+                      <a:prstDash val="solid"/>
+                      <a:round/>
+                      <a:headEnd type="none" w="med" len="med"/>
+                      <a:tailEnd type="none" w="med" len="med"/>
+                    </a:lnL>
+                    <a:lnR w="3175" cap="flat" cmpd="sng" algn="ctr">
+                      <a:solidFill>
+                        <a:schemeClr val="bg1">
+                          <a:lumMod val="75000"/>
+                        </a:schemeClr>
+                      </a:solidFill>
+                      <a:prstDash val="solid"/>
+                      <a:round/>
+                      <a:headEnd type="none" w="med" len="med"/>
+                      <a:tailEnd type="none" w="med" len="med"/>
+                    </a:lnR>
+                    <a:lnT w="3175" cap="flat" cmpd="sng" algn="ctr">
+                      <a:solidFill>
+                        <a:schemeClr val="bg1">
+                          <a:lumMod val="75000"/>
+                        </a:schemeClr>
+                      </a:solidFill>
+                      <a:prstDash val="solid"/>
+                      <a:round/>
+                      <a:headEnd type="none" w="med" len="med"/>
+                      <a:tailEnd type="none" w="med" len="med"/>
+                    </a:lnT>
+                    <a:lnB w="3175" cap="flat" cmpd="sng" algn="ctr">
+                      <a:solidFill>
+                        <a:schemeClr val="bg1">
+                          <a:lumMod val="75000"/>
+                        </a:schemeClr>
+                      </a:solidFill>
+                      <a:prstDash val="solid"/>
+                      <a:round/>
+                      <a:headEnd type="none" w="med" len="med"/>
+                      <a:tailEnd type="none" w="med" len="med"/>
+                    </a:lnB>
+                    <a:noFill/>
+                  </a:tcPr>
+                </a:tc>
+                <a:tc>
+                  <a:txBody>
+                    <a:bodyPr/>
+                    <a:lstStyle/>
+                    <a:p>
+                      <a:pPr latinLnBrk="1"/>
+                      <a:endParaRPr lang="ko-KR" altLang="en-US" sz="1600" spc="-150" dirty="0">
+                        <a:solidFill>
+                          <a:schemeClr val="tx1"/>
+                        </a:solidFill>
+                        <a:latin typeface="Lucida Fax" panose="02060602050505020204" pitchFamily="18" charset="0"/>
+                        <a:ea typeface="서울한강체 L" panose="02020603020101020101" pitchFamily="18" charset="-127"/>
+                      </a:endParaRPr>
+                    </a:p>
+                  </a:txBody>
+                  <a:tcPr>
+                    <a:lnL w="3175" cap="flat" cmpd="sng" algn="ctr">
+                      <a:solidFill>
+                        <a:schemeClr val="bg1">
+                          <a:lumMod val="75000"/>
+                        </a:schemeClr>
+                      </a:solidFill>
+                      <a:prstDash val="solid"/>
+                      <a:round/>
+                      <a:headEnd type="none" w="med" len="med"/>
+                      <a:tailEnd type="none" w="med" len="med"/>
+                    </a:lnL>
+                    <a:lnR w="3175" cap="flat" cmpd="sng" algn="ctr">
+                      <a:solidFill>
+                        <a:schemeClr val="bg1">
+                          <a:lumMod val="75000"/>
+                        </a:schemeClr>
+                      </a:solidFill>
+                      <a:prstDash val="solid"/>
+                      <a:round/>
+                      <a:headEnd type="none" w="med" len="med"/>
+                      <a:tailEnd type="none" w="med" len="med"/>
+                    </a:lnR>
+                    <a:lnT w="3175" cap="flat" cmpd="sng" algn="ctr">
+                      <a:solidFill>
+                        <a:schemeClr val="bg1">
+                          <a:lumMod val="75000"/>
+                        </a:schemeClr>
+                      </a:solidFill>
+                      <a:prstDash val="solid"/>
+                      <a:round/>
+                      <a:headEnd type="none" w="med" len="med"/>
+                      <a:tailEnd type="none" w="med" len="med"/>
+                    </a:lnT>
+                    <a:lnB w="3175" cap="flat" cmpd="sng" algn="ctr">
+                      <a:solidFill>
+                        <a:schemeClr val="bg1">
+                          <a:lumMod val="75000"/>
+                        </a:schemeClr>
+                      </a:solidFill>
+                      <a:prstDash val="solid"/>
+                      <a:round/>
+                      <a:headEnd type="none" w="med" len="med"/>
+                      <a:tailEnd type="none" w="med" len="med"/>
+                    </a:lnB>
+                    <a:noFill/>
+                  </a:tcPr>
+                </a:tc>
+                <a:tc>
+                  <a:txBody>
+                    <a:bodyPr/>
+                    <a:lstStyle/>
+                    <a:p>
+                      <a:pPr latinLnBrk="1"/>
+                      <a:r>
+                        <a:rPr lang="en-US" altLang="ko-KR" sz="1600" spc="-150" dirty="0">
+                          <a:solidFill>
+                            <a:schemeClr val="tx1">
+                              <a:lumMod val="50000"/>
+                              <a:lumOff val="50000"/>
+                            </a:schemeClr>
+                          </a:solidFill>
+                          <a:latin typeface="Lucida Fax" panose="02060602050505020204" pitchFamily="18" charset="0"/>
+                          <a:ea typeface="서울한강체 L" panose="02020603020101020101" pitchFamily="18" charset="-127"/>
+                        </a:rPr>
+                        <a:t>CodePipeline (CodeCommit, CodeDeploy)</a:t>
+                      </a:r>
+                    </a:p>
+                    <a:p>
+                      <a:pPr latinLnBrk="1"/>
+                      <a:r>
+                        <a:rPr lang="en-US" altLang="ko-KR" sz="1600" spc="-150" dirty="0">
+                          <a:solidFill>
+                            <a:schemeClr val="tx1">
+                              <a:lumMod val="50000"/>
+                              <a:lumOff val="50000"/>
+                            </a:schemeClr>
+                          </a:solidFill>
+                          <a:latin typeface="Lucida Fax" panose="02060602050505020204" pitchFamily="18" charset="0"/>
+                          <a:ea typeface="서울한강체 L" panose="02020603020101020101" pitchFamily="18" charset="-127"/>
+                        </a:rPr>
+                        <a:t>ECR</a:t>
+                      </a:r>
+                    </a:p>
+                    <a:p>
+                      <a:pPr latinLnBrk="1"/>
+                      <a:r>
+                        <a:rPr lang="en-US" altLang="ko-KR" sz="1600" spc="-150" dirty="0">
+                          <a:solidFill>
+                            <a:schemeClr val="tx1">
+                              <a:lumMod val="50000"/>
+                              <a:lumOff val="50000"/>
+                            </a:schemeClr>
+                          </a:solidFill>
+                          <a:latin typeface="Lucida Fax" panose="02060602050505020204" pitchFamily="18" charset="0"/>
+                          <a:ea typeface="서울한강체 L" panose="02020603020101020101" pitchFamily="18" charset="-127"/>
+                        </a:rPr>
+                        <a:t>K8s</a:t>
+                      </a:r>
+                      <a:endParaRPr lang="ko-KR" altLang="en-US" sz="1600" spc="-150" dirty="0">
+                        <a:solidFill>
+                          <a:schemeClr val="tx1">
+                            <a:lumMod val="50000"/>
+                            <a:lumOff val="50000"/>
+                          </a:schemeClr>
+                        </a:solidFill>
+                        <a:latin typeface="Lucida Fax" panose="02060602050505020204" pitchFamily="18" charset="0"/>
+                        <a:ea typeface="서울한강체 L" panose="02020603020101020101" pitchFamily="18" charset="-127"/>
+                      </a:endParaRPr>
+                    </a:p>
+                  </a:txBody>
+                  <a:tcPr>
+                    <a:lnL w="3175" cap="flat" cmpd="sng" algn="ctr">
+                      <a:solidFill>
+                        <a:schemeClr val="bg1">
+                          <a:lumMod val="75000"/>
+                        </a:schemeClr>
+                      </a:solidFill>
+                      <a:prstDash val="solid"/>
+                      <a:round/>
+                      <a:headEnd type="none" w="med" len="med"/>
+                      <a:tailEnd type="none" w="med" len="med"/>
+                    </a:lnL>
+                    <a:lnR w="3175" cap="flat" cmpd="sng" algn="ctr">
+                      <a:solidFill>
+                        <a:schemeClr val="bg1">
+                          <a:lumMod val="75000"/>
+                        </a:schemeClr>
+                      </a:solidFill>
+                      <a:prstDash val="solid"/>
+                      <a:round/>
+                      <a:headEnd type="none" w="med" len="med"/>
+                      <a:tailEnd type="none" w="med" len="med"/>
+                    </a:lnR>
+                    <a:lnT w="3175" cap="flat" cmpd="sng" algn="ctr">
+                      <a:solidFill>
+                        <a:schemeClr val="bg1">
+                          <a:lumMod val="75000"/>
+                        </a:schemeClr>
+                      </a:solidFill>
+                      <a:prstDash val="solid"/>
+                      <a:round/>
+                      <a:headEnd type="none" w="med" len="med"/>
+                      <a:tailEnd type="none" w="med" len="med"/>
+                    </a:lnT>
+                    <a:lnB w="3175" cap="flat" cmpd="sng" algn="ctr">
+                      <a:solidFill>
+                        <a:schemeClr val="bg1">
+                          <a:lumMod val="75000"/>
+                        </a:schemeClr>
+                      </a:solidFill>
+                      <a:prstDash val="solid"/>
+                      <a:round/>
+                      <a:headEnd type="none" w="med" len="med"/>
+                      <a:tailEnd type="none" w="med" len="med"/>
+                    </a:lnB>
+                    <a:noFill/>
+                  </a:tcPr>
+                </a:tc>
+                <a:extLst>
+                  <a:ext uri="{0D108BD9-81ED-4DB2-BD59-A6C34878D82A}">
+                    <a16:rowId xmlns:a16="http://schemas.microsoft.com/office/drawing/2014/main" val="1718294049"/>
+                  </a:ext>
+                </a:extLst>
+              </a:tr>
+            </a:tbl>
+          </a:graphicData>
+        </a:graphic>
+      </p:graphicFrame>
+    </p:spTree>
+    <p:extLst>
+      <p:ext uri="{BB962C8B-B14F-4D97-AF65-F5344CB8AC3E}">
+        <p14:creationId xmlns:p14="http://schemas.microsoft.com/office/powerpoint/2010/main" val="3351677363"/>
       </p:ext>
     </p:extLst>
   </p:cSld>
